--- a/IT- Clients in Netzwerk einbinden.pptx
+++ b/IT- Clients in Netzwerk einbinden.pptx
@@ -9,6 +9,18 @@
     <p:sldId id="257" r:id="rId3"/>
     <p:sldId id="258" r:id="rId4"/>
     <p:sldId id="259" r:id="rId5"/>
+    <p:sldId id="260" r:id="rId6"/>
+    <p:sldId id="261" r:id="rId7"/>
+    <p:sldId id="262" r:id="rId8"/>
+    <p:sldId id="263" r:id="rId9"/>
+    <p:sldId id="266" r:id="rId10"/>
+    <p:sldId id="267" r:id="rId11"/>
+    <p:sldId id="268" r:id="rId12"/>
+    <p:sldId id="269" r:id="rId13"/>
+    <p:sldId id="264" r:id="rId14"/>
+    <p:sldId id="265" r:id="rId15"/>
+    <p:sldId id="270" r:id="rId16"/>
+    <p:sldId id="271" r:id="rId17"/>
   </p:sldIdLst>
   <p:sldSz cx="12192000" cy="6858000"/>
   <p:notesSz cx="6858000" cy="9144000"/>
@@ -107,6 +119,11 @@
       </a:defRPr>
     </a:lvl9pPr>
   </p:defaultTextStyle>
+  <p:extLst>
+    <p:ext uri="{EFAFB233-063F-42B5-8137-9DF3F51BA10A}">
+      <p15:sldGuideLst xmlns:p15="http://schemas.microsoft.com/office/powerpoint/2012/main"/>
+    </p:ext>
+  </p:extLst>
 </p:presentation>
 </file>
 
@@ -257,7 +274,7 @@
           <a:p>
             <a:fld id="{56E890FD-6A1F-4ABA-95EA-78E6B8C764DC}" type="datetimeFigureOut">
               <a:rPr lang="de-DE" smtClean="0"/>
-              <a:t>05.01.2021</a:t>
+              <a:t>06.01.2021</a:t>
             </a:fld>
             <a:endParaRPr lang="de-DE"/>
           </a:p>
@@ -455,7 +472,7 @@
           <a:p>
             <a:fld id="{56E890FD-6A1F-4ABA-95EA-78E6B8C764DC}" type="datetimeFigureOut">
               <a:rPr lang="de-DE" smtClean="0"/>
-              <a:t>05.01.2021</a:t>
+              <a:t>06.01.2021</a:t>
             </a:fld>
             <a:endParaRPr lang="de-DE"/>
           </a:p>
@@ -663,7 +680,7 @@
           <a:p>
             <a:fld id="{56E890FD-6A1F-4ABA-95EA-78E6B8C764DC}" type="datetimeFigureOut">
               <a:rPr lang="de-DE" smtClean="0"/>
-              <a:t>05.01.2021</a:t>
+              <a:t>06.01.2021</a:t>
             </a:fld>
             <a:endParaRPr lang="de-DE"/>
           </a:p>
@@ -861,7 +878,7 @@
           <a:p>
             <a:fld id="{56E890FD-6A1F-4ABA-95EA-78E6B8C764DC}" type="datetimeFigureOut">
               <a:rPr lang="de-DE" smtClean="0"/>
-              <a:t>05.01.2021</a:t>
+              <a:t>06.01.2021</a:t>
             </a:fld>
             <a:endParaRPr lang="de-DE"/>
           </a:p>
@@ -1136,7 +1153,7 @@
           <a:p>
             <a:fld id="{56E890FD-6A1F-4ABA-95EA-78E6B8C764DC}" type="datetimeFigureOut">
               <a:rPr lang="de-DE" smtClean="0"/>
-              <a:t>05.01.2021</a:t>
+              <a:t>06.01.2021</a:t>
             </a:fld>
             <a:endParaRPr lang="de-DE"/>
           </a:p>
@@ -1401,7 +1418,7 @@
           <a:p>
             <a:fld id="{56E890FD-6A1F-4ABA-95EA-78E6B8C764DC}" type="datetimeFigureOut">
               <a:rPr lang="de-DE" smtClean="0"/>
-              <a:t>05.01.2021</a:t>
+              <a:t>06.01.2021</a:t>
             </a:fld>
             <a:endParaRPr lang="de-DE"/>
           </a:p>
@@ -1813,7 +1830,7 @@
           <a:p>
             <a:fld id="{56E890FD-6A1F-4ABA-95EA-78E6B8C764DC}" type="datetimeFigureOut">
               <a:rPr lang="de-DE" smtClean="0"/>
-              <a:t>05.01.2021</a:t>
+              <a:t>06.01.2021</a:t>
             </a:fld>
             <a:endParaRPr lang="de-DE"/>
           </a:p>
@@ -1954,7 +1971,7 @@
           <a:p>
             <a:fld id="{56E890FD-6A1F-4ABA-95EA-78E6B8C764DC}" type="datetimeFigureOut">
               <a:rPr lang="de-DE" smtClean="0"/>
-              <a:t>05.01.2021</a:t>
+              <a:t>06.01.2021</a:t>
             </a:fld>
             <a:endParaRPr lang="de-DE"/>
           </a:p>
@@ -2067,7 +2084,7 @@
           <a:p>
             <a:fld id="{56E890FD-6A1F-4ABA-95EA-78E6B8C764DC}" type="datetimeFigureOut">
               <a:rPr lang="de-DE" smtClean="0"/>
-              <a:t>05.01.2021</a:t>
+              <a:t>06.01.2021</a:t>
             </a:fld>
             <a:endParaRPr lang="de-DE"/>
           </a:p>
@@ -2378,7 +2395,7 @@
           <a:p>
             <a:fld id="{56E890FD-6A1F-4ABA-95EA-78E6B8C764DC}" type="datetimeFigureOut">
               <a:rPr lang="de-DE" smtClean="0"/>
-              <a:t>05.01.2021</a:t>
+              <a:t>06.01.2021</a:t>
             </a:fld>
             <a:endParaRPr lang="de-DE"/>
           </a:p>
@@ -2666,7 +2683,7 @@
           <a:p>
             <a:fld id="{56E890FD-6A1F-4ABA-95EA-78E6B8C764DC}" type="datetimeFigureOut">
               <a:rPr lang="de-DE" smtClean="0"/>
-              <a:t>05.01.2021</a:t>
+              <a:t>06.01.2021</a:t>
             </a:fld>
             <a:endParaRPr lang="de-DE"/>
           </a:p>
@@ -2907,7 +2924,7 @@
           <a:p>
             <a:fld id="{56E890FD-6A1F-4ABA-95EA-78E6B8C764DC}" type="datetimeFigureOut">
               <a:rPr lang="de-DE" smtClean="0"/>
-              <a:t>05.01.2021</a:t>
+              <a:t>06.01.2021</a:t>
             </a:fld>
             <a:endParaRPr lang="de-DE"/>
           </a:p>
@@ -4317,14 +4334,14 @@
         </p:nvSpPr>
         <p:spPr>
           <a:xfrm>
-            <a:off x="4551177" y="4243289"/>
-            <a:ext cx="3312734" cy="1141851"/>
+            <a:off x="4551177" y="4905375"/>
+            <a:ext cx="3312734" cy="479765"/>
           </a:xfrm>
           <a:noFill/>
         </p:spPr>
         <p:txBody>
           <a:bodyPr>
-            <a:normAutofit/>
+            <a:normAutofit fontScale="85000" lnSpcReduction="20000"/>
           </a:bodyPr>
           <a:lstStyle/>
           <a:p>
@@ -4369,24 +4386,88 @@
         </p:nvSpPr>
         <p:spPr>
           <a:xfrm>
-            <a:off x="1754890" y="1838647"/>
-            <a:ext cx="8682219" cy="2363190"/>
+            <a:off x="1469065" y="2051479"/>
+            <a:ext cx="9253869" cy="2363190"/>
           </a:xfrm>
           <a:noFill/>
         </p:spPr>
         <p:txBody>
           <a:bodyPr anchor="ctr">
-            <a:normAutofit/>
+            <a:normAutofit fontScale="90000"/>
           </a:bodyPr>
           <a:lstStyle/>
           <a:p>
+            <a:r>
+              <a:rPr lang="de-DE" sz="8000" b="1" dirty="0" err="1">
+                <a:solidFill>
+                  <a:srgbClr val="080808"/>
+                </a:solidFill>
+              </a:rPr>
+              <a:t>Integrate</a:t>
+            </a:r>
             <a:r>
               <a:rPr lang="de-DE" sz="8000" b="1" dirty="0">
                 <a:solidFill>
                   <a:srgbClr val="080808"/>
                 </a:solidFill>
               </a:rPr>
-              <a:t>IT- Clients in Netzwerk einbinden</a:t>
+              <a:t> </a:t>
+            </a:r>
+            <a:r>
+              <a:rPr lang="de-DE" sz="8000" b="1" dirty="0" err="1">
+                <a:solidFill>
+                  <a:srgbClr val="080808"/>
+                </a:solidFill>
+              </a:rPr>
+              <a:t>clients</a:t>
+            </a:r>
+            <a:r>
+              <a:rPr lang="de-DE" sz="8000" b="1" dirty="0">
+                <a:solidFill>
+                  <a:srgbClr val="080808"/>
+                </a:solidFill>
+              </a:rPr>
+              <a:t> </a:t>
+            </a:r>
+            <a:r>
+              <a:rPr lang="de-DE" sz="8000" b="1" dirty="0" err="1">
+                <a:solidFill>
+                  <a:srgbClr val="080808"/>
+                </a:solidFill>
+              </a:rPr>
+              <a:t>into</a:t>
+            </a:r>
+            <a:r>
+              <a:rPr lang="de-DE" sz="8000" b="1" dirty="0">
+                <a:solidFill>
+                  <a:srgbClr val="080808"/>
+                </a:solidFill>
+              </a:rPr>
+              <a:t> </a:t>
+            </a:r>
+            <a:r>
+              <a:rPr lang="de-DE" sz="8000" b="1" dirty="0" err="1">
+                <a:solidFill>
+                  <a:srgbClr val="080808"/>
+                </a:solidFill>
+              </a:rPr>
+              <a:t>the</a:t>
+            </a:r>
+            <a:r>
+              <a:rPr lang="de-DE" sz="8000" b="1" dirty="0">
+                <a:solidFill>
+                  <a:srgbClr val="080808"/>
+                </a:solidFill>
+              </a:rPr>
+              <a:t> network and network </a:t>
+            </a:r>
+            <a:r>
+              <a:rPr lang="de-DE" sz="8000" b="1" dirty="0" err="1">
+                <a:solidFill>
+                  <a:srgbClr val="080808"/>
+                </a:solidFill>
+              </a:rPr>
+              <a:t>documentation</a:t>
             </a:r>
             <a:endParaRPr lang="de-DE" sz="8000" dirty="0">
               <a:solidFill>
@@ -4573,10 +4654,5900 @@
           </a:p>
         </p:txBody>
       </p:sp>
+      <p:sp>
+        <p:nvSpPr>
+          <p:cNvPr id="15" name="Untertitel 2">
+            <a:extLst>
+              <a:ext uri="{FF2B5EF4-FFF2-40B4-BE49-F238E27FC236}">
+                <a16:creationId xmlns:a16="http://schemas.microsoft.com/office/drawing/2014/main" id="{3B3B8D08-9D6B-451B-9398-3998C8A22205}"/>
+              </a:ext>
+            </a:extLst>
+          </p:cNvPr>
+          <p:cNvSpPr txBox="1">
+            <a:spLocks/>
+          </p:cNvSpPr>
+          <p:nvPr/>
+        </p:nvSpPr>
+        <p:spPr>
+          <a:xfrm>
+            <a:off x="4441986" y="6136374"/>
+            <a:ext cx="3312734" cy="479765"/>
+          </a:xfrm>
+          <a:prstGeom prst="rect">
+            <a:avLst/>
+          </a:prstGeom>
+          <a:noFill/>
+        </p:spPr>
+        <p:txBody>
+          <a:bodyPr vert="horz" lIns="91440" tIns="45720" rIns="91440" bIns="45720" rtlCol="0">
+            <a:normAutofit fontScale="85000" lnSpcReduction="20000"/>
+          </a:bodyPr>
+          <a:lstStyle>
+            <a:lvl1pPr marL="0" indent="0" algn="ctr" defTabSz="914400" rtl="0" eaLnBrk="1" latinLnBrk="0" hangingPunct="1">
+              <a:lnSpc>
+                <a:spcPct val="90000"/>
+              </a:lnSpc>
+              <a:spcBef>
+                <a:spcPts val="1000"/>
+              </a:spcBef>
+              <a:buFont typeface="Arial" panose="020B0604020202020204" pitchFamily="34" charset="0"/>
+              <a:buNone/>
+              <a:defRPr sz="2400" kern="1200">
+                <a:solidFill>
+                  <a:schemeClr val="tx1"/>
+                </a:solidFill>
+                <a:latin typeface="+mn-lt"/>
+                <a:ea typeface="+mn-ea"/>
+                <a:cs typeface="+mn-cs"/>
+              </a:defRPr>
+            </a:lvl1pPr>
+            <a:lvl2pPr marL="457200" indent="0" algn="ctr" defTabSz="914400" rtl="0" eaLnBrk="1" latinLnBrk="0" hangingPunct="1">
+              <a:lnSpc>
+                <a:spcPct val="90000"/>
+              </a:lnSpc>
+              <a:spcBef>
+                <a:spcPts val="500"/>
+              </a:spcBef>
+              <a:buFont typeface="Arial" panose="020B0604020202020204" pitchFamily="34" charset="0"/>
+              <a:buNone/>
+              <a:defRPr sz="2000" kern="1200">
+                <a:solidFill>
+                  <a:schemeClr val="tx1"/>
+                </a:solidFill>
+                <a:latin typeface="+mn-lt"/>
+                <a:ea typeface="+mn-ea"/>
+                <a:cs typeface="+mn-cs"/>
+              </a:defRPr>
+            </a:lvl2pPr>
+            <a:lvl3pPr marL="914400" indent="0" algn="ctr" defTabSz="914400" rtl="0" eaLnBrk="1" latinLnBrk="0" hangingPunct="1">
+              <a:lnSpc>
+                <a:spcPct val="90000"/>
+              </a:lnSpc>
+              <a:spcBef>
+                <a:spcPts val="500"/>
+              </a:spcBef>
+              <a:buFont typeface="Arial" panose="020B0604020202020204" pitchFamily="34" charset="0"/>
+              <a:buNone/>
+              <a:defRPr sz="1800" kern="1200">
+                <a:solidFill>
+                  <a:schemeClr val="tx1"/>
+                </a:solidFill>
+                <a:latin typeface="+mn-lt"/>
+                <a:ea typeface="+mn-ea"/>
+                <a:cs typeface="+mn-cs"/>
+              </a:defRPr>
+            </a:lvl3pPr>
+            <a:lvl4pPr marL="1371600" indent="0" algn="ctr" defTabSz="914400" rtl="0" eaLnBrk="1" latinLnBrk="0" hangingPunct="1">
+              <a:lnSpc>
+                <a:spcPct val="90000"/>
+              </a:lnSpc>
+              <a:spcBef>
+                <a:spcPts val="500"/>
+              </a:spcBef>
+              <a:buFont typeface="Arial" panose="020B0604020202020204" pitchFamily="34" charset="0"/>
+              <a:buNone/>
+              <a:defRPr sz="1600" kern="1200">
+                <a:solidFill>
+                  <a:schemeClr val="tx1"/>
+                </a:solidFill>
+                <a:latin typeface="+mn-lt"/>
+                <a:ea typeface="+mn-ea"/>
+                <a:cs typeface="+mn-cs"/>
+              </a:defRPr>
+            </a:lvl4pPr>
+            <a:lvl5pPr marL="1828800" indent="0" algn="ctr" defTabSz="914400" rtl="0" eaLnBrk="1" latinLnBrk="0" hangingPunct="1">
+              <a:lnSpc>
+                <a:spcPct val="90000"/>
+              </a:lnSpc>
+              <a:spcBef>
+                <a:spcPts val="500"/>
+              </a:spcBef>
+              <a:buFont typeface="Arial" panose="020B0604020202020204" pitchFamily="34" charset="0"/>
+              <a:buNone/>
+              <a:defRPr sz="1600" kern="1200">
+                <a:solidFill>
+                  <a:schemeClr val="tx1"/>
+                </a:solidFill>
+                <a:latin typeface="+mn-lt"/>
+                <a:ea typeface="+mn-ea"/>
+                <a:cs typeface="+mn-cs"/>
+              </a:defRPr>
+            </a:lvl5pPr>
+            <a:lvl6pPr marL="2286000" indent="0" algn="ctr" defTabSz="914400" rtl="0" eaLnBrk="1" latinLnBrk="0" hangingPunct="1">
+              <a:lnSpc>
+                <a:spcPct val="90000"/>
+              </a:lnSpc>
+              <a:spcBef>
+                <a:spcPts val="500"/>
+              </a:spcBef>
+              <a:buFont typeface="Arial" panose="020B0604020202020204" pitchFamily="34" charset="0"/>
+              <a:buNone/>
+              <a:defRPr sz="1600" kern="1200">
+                <a:solidFill>
+                  <a:schemeClr val="tx1"/>
+                </a:solidFill>
+                <a:latin typeface="+mn-lt"/>
+                <a:ea typeface="+mn-ea"/>
+                <a:cs typeface="+mn-cs"/>
+              </a:defRPr>
+            </a:lvl6pPr>
+            <a:lvl7pPr marL="2743200" indent="0" algn="ctr" defTabSz="914400" rtl="0" eaLnBrk="1" latinLnBrk="0" hangingPunct="1">
+              <a:lnSpc>
+                <a:spcPct val="90000"/>
+              </a:lnSpc>
+              <a:spcBef>
+                <a:spcPts val="500"/>
+              </a:spcBef>
+              <a:buFont typeface="Arial" panose="020B0604020202020204" pitchFamily="34" charset="0"/>
+              <a:buNone/>
+              <a:defRPr sz="1600" kern="1200">
+                <a:solidFill>
+                  <a:schemeClr val="tx1"/>
+                </a:solidFill>
+                <a:latin typeface="+mn-lt"/>
+                <a:ea typeface="+mn-ea"/>
+                <a:cs typeface="+mn-cs"/>
+              </a:defRPr>
+            </a:lvl7pPr>
+            <a:lvl8pPr marL="3200400" indent="0" algn="ctr" defTabSz="914400" rtl="0" eaLnBrk="1" latinLnBrk="0" hangingPunct="1">
+              <a:lnSpc>
+                <a:spcPct val="90000"/>
+              </a:lnSpc>
+              <a:spcBef>
+                <a:spcPts val="500"/>
+              </a:spcBef>
+              <a:buFont typeface="Arial" panose="020B0604020202020204" pitchFamily="34" charset="0"/>
+              <a:buNone/>
+              <a:defRPr sz="1600" kern="1200">
+                <a:solidFill>
+                  <a:schemeClr val="tx1"/>
+                </a:solidFill>
+                <a:latin typeface="+mn-lt"/>
+                <a:ea typeface="+mn-ea"/>
+                <a:cs typeface="+mn-cs"/>
+              </a:defRPr>
+            </a:lvl8pPr>
+            <a:lvl9pPr marL="3657600" indent="0" algn="ctr" defTabSz="914400" rtl="0" eaLnBrk="1" latinLnBrk="0" hangingPunct="1">
+              <a:lnSpc>
+                <a:spcPct val="90000"/>
+              </a:lnSpc>
+              <a:spcBef>
+                <a:spcPts val="500"/>
+              </a:spcBef>
+              <a:buFont typeface="Arial" panose="020B0604020202020204" pitchFamily="34" charset="0"/>
+              <a:buNone/>
+              <a:defRPr sz="1600" kern="1200">
+                <a:solidFill>
+                  <a:schemeClr val="tx1"/>
+                </a:solidFill>
+                <a:latin typeface="+mn-lt"/>
+                <a:ea typeface="+mn-ea"/>
+                <a:cs typeface="+mn-cs"/>
+              </a:defRPr>
+            </a:lvl9pPr>
+          </a:lstStyle>
+          <a:p>
+            <a:r>
+              <a:rPr lang="de-DE" sz="2000" b="1" dirty="0">
+                <a:solidFill>
+                  <a:srgbClr val="080808"/>
+                </a:solidFill>
+              </a:rPr>
+              <a:t>07.01.2020</a:t>
+            </a:r>
+            <a:br>
+              <a:rPr lang="de-DE" sz="2000" b="1" dirty="0">
+                <a:solidFill>
+                  <a:srgbClr val="080808"/>
+                </a:solidFill>
+              </a:rPr>
+            </a:br>
+            <a:endParaRPr lang="de-DE" sz="2000" b="1" dirty="0">
+              <a:solidFill>
+                <a:srgbClr val="080808"/>
+              </a:solidFill>
+            </a:endParaRPr>
+          </a:p>
+        </p:txBody>
+      </p:sp>
     </p:spTree>
     <p:extLst>
       <p:ext uri="{BB962C8B-B14F-4D97-AF65-F5344CB8AC3E}">
         <p14:creationId xmlns:p14="http://schemas.microsoft.com/office/powerpoint/2010/main" val="3672637498"/>
+      </p:ext>
+    </p:extLst>
+  </p:cSld>
+  <p:clrMapOvr>
+    <a:masterClrMapping/>
+  </p:clrMapOvr>
+</p:sld>
+</file>
+
+<file path=ppt/slides/slide10.xml><?xml version="1.0" encoding="utf-8"?>
+<p:sld xmlns:a="http://schemas.openxmlformats.org/drawingml/2006/main" xmlns:r="http://schemas.openxmlformats.org/officeDocument/2006/relationships" xmlns:p="http://schemas.openxmlformats.org/presentationml/2006/main">
+  <p:cSld>
+    <p:spTree>
+      <p:nvGrpSpPr>
+        <p:cNvPr id="1" name=""/>
+        <p:cNvGrpSpPr/>
+        <p:nvPr/>
+      </p:nvGrpSpPr>
+      <p:grpSpPr>
+        <a:xfrm>
+          <a:off x="0" y="0"/>
+          <a:ext cx="0" cy="0"/>
+          <a:chOff x="0" y="0"/>
+          <a:chExt cx="0" cy="0"/>
+        </a:xfrm>
+      </p:grpSpPr>
+      <p:sp>
+        <p:nvSpPr>
+          <p:cNvPr id="4" name="Rechteck 3">
+            <a:extLst>
+              <a:ext uri="{FF2B5EF4-FFF2-40B4-BE49-F238E27FC236}">
+                <a16:creationId xmlns:a16="http://schemas.microsoft.com/office/drawing/2014/main" id="{E91038F5-D706-4E86-B4CE-2E468F0C1321}"/>
+              </a:ext>
+            </a:extLst>
+          </p:cNvPr>
+          <p:cNvSpPr/>
+          <p:nvPr/>
+        </p:nvSpPr>
+        <p:spPr>
+          <a:xfrm>
+            <a:off x="0" y="0"/>
+            <a:ext cx="12191999" cy="6858000"/>
+          </a:xfrm>
+          <a:prstGeom prst="rect">
+            <a:avLst/>
+          </a:prstGeom>
+          <a:solidFill>
+            <a:schemeClr val="bg1">
+              <a:lumMod val="85000"/>
+            </a:schemeClr>
+          </a:solidFill>
+        </p:spPr>
+        <p:style>
+          <a:lnRef idx="2">
+            <a:schemeClr val="accent1">
+              <a:shade val="50000"/>
+            </a:schemeClr>
+          </a:lnRef>
+          <a:fillRef idx="1">
+            <a:schemeClr val="accent1"/>
+          </a:fillRef>
+          <a:effectRef idx="0">
+            <a:schemeClr val="accent1"/>
+          </a:effectRef>
+          <a:fontRef idx="minor">
+            <a:schemeClr val="lt1"/>
+          </a:fontRef>
+        </p:style>
+        <p:txBody>
+          <a:bodyPr rtlCol="0" anchor="ctr"/>
+          <a:lstStyle/>
+          <a:p>
+            <a:pPr algn="ctr"/>
+            <a:endParaRPr lang="de-DE" dirty="0"/>
+          </a:p>
+        </p:txBody>
+      </p:sp>
+      <p:sp>
+        <p:nvSpPr>
+          <p:cNvPr id="5" name="Rechteck 4">
+            <a:extLst>
+              <a:ext uri="{FF2B5EF4-FFF2-40B4-BE49-F238E27FC236}">
+                <a16:creationId xmlns:a16="http://schemas.microsoft.com/office/drawing/2014/main" id="{6505C48D-1BB5-4A0A-9981-8C4BCC228182}"/>
+              </a:ext>
+            </a:extLst>
+          </p:cNvPr>
+          <p:cNvSpPr/>
+          <p:nvPr/>
+        </p:nvSpPr>
+        <p:spPr>
+          <a:xfrm rot="18480692">
+            <a:off x="9077324" y="-1443037"/>
+            <a:ext cx="3057525" cy="3157537"/>
+          </a:xfrm>
+          <a:prstGeom prst="rect">
+            <a:avLst/>
+          </a:prstGeom>
+          <a:solidFill>
+            <a:schemeClr val="accent4">
+              <a:lumMod val="40000"/>
+              <a:lumOff val="60000"/>
+            </a:schemeClr>
+          </a:solidFill>
+          <a:ln>
+            <a:noFill/>
+          </a:ln>
+        </p:spPr>
+        <p:style>
+          <a:lnRef idx="2">
+            <a:schemeClr val="accent1">
+              <a:shade val="50000"/>
+            </a:schemeClr>
+          </a:lnRef>
+          <a:fillRef idx="1">
+            <a:schemeClr val="accent1"/>
+          </a:fillRef>
+          <a:effectRef idx="0">
+            <a:schemeClr val="accent1"/>
+          </a:effectRef>
+          <a:fontRef idx="minor">
+            <a:schemeClr val="lt1"/>
+          </a:fontRef>
+        </p:style>
+        <p:txBody>
+          <a:bodyPr rtlCol="0" anchor="ctr"/>
+          <a:lstStyle/>
+          <a:p>
+            <a:pPr algn="ctr"/>
+            <a:endParaRPr lang="de-DE"/>
+          </a:p>
+        </p:txBody>
+      </p:sp>
+      <p:sp>
+        <p:nvSpPr>
+          <p:cNvPr id="6" name="Rechteck 5">
+            <a:extLst>
+              <a:ext uri="{FF2B5EF4-FFF2-40B4-BE49-F238E27FC236}">
+                <a16:creationId xmlns:a16="http://schemas.microsoft.com/office/drawing/2014/main" id="{C2508899-2B3A-4B41-B7EF-81C1618C0F49}"/>
+              </a:ext>
+            </a:extLst>
+          </p:cNvPr>
+          <p:cNvSpPr/>
+          <p:nvPr/>
+        </p:nvSpPr>
+        <p:spPr>
+          <a:xfrm rot="18480692">
+            <a:off x="11107813" y="653845"/>
+            <a:ext cx="1330172" cy="1224903"/>
+          </a:xfrm>
+          <a:prstGeom prst="rect">
+            <a:avLst/>
+          </a:prstGeom>
+          <a:solidFill>
+            <a:schemeClr val="accent4">
+              <a:lumMod val="60000"/>
+              <a:lumOff val="40000"/>
+            </a:schemeClr>
+          </a:solidFill>
+          <a:ln>
+            <a:noFill/>
+          </a:ln>
+        </p:spPr>
+        <p:style>
+          <a:lnRef idx="2">
+            <a:schemeClr val="accent1">
+              <a:shade val="50000"/>
+            </a:schemeClr>
+          </a:lnRef>
+          <a:fillRef idx="1">
+            <a:schemeClr val="accent1"/>
+          </a:fillRef>
+          <a:effectRef idx="0">
+            <a:schemeClr val="accent1"/>
+          </a:effectRef>
+          <a:fontRef idx="minor">
+            <a:schemeClr val="lt1"/>
+          </a:fontRef>
+        </p:style>
+        <p:txBody>
+          <a:bodyPr rtlCol="0" anchor="ctr"/>
+          <a:lstStyle/>
+          <a:p>
+            <a:pPr algn="ctr"/>
+            <a:endParaRPr lang="de-DE"/>
+          </a:p>
+        </p:txBody>
+      </p:sp>
+      <p:sp>
+        <p:nvSpPr>
+          <p:cNvPr id="7" name="Rechteck 6">
+            <a:extLst>
+              <a:ext uri="{FF2B5EF4-FFF2-40B4-BE49-F238E27FC236}">
+                <a16:creationId xmlns:a16="http://schemas.microsoft.com/office/drawing/2014/main" id="{74471B95-FD78-4E23-ABD0-01E801FB1163}"/>
+              </a:ext>
+            </a:extLst>
+          </p:cNvPr>
+          <p:cNvSpPr/>
+          <p:nvPr/>
+        </p:nvSpPr>
+        <p:spPr>
+          <a:xfrm rot="18480692">
+            <a:off x="9518891" y="4316941"/>
+            <a:ext cx="3057525" cy="3157537"/>
+          </a:xfrm>
+          <a:prstGeom prst="rect">
+            <a:avLst/>
+          </a:prstGeom>
+          <a:solidFill>
+            <a:schemeClr val="accent1">
+              <a:lumMod val="40000"/>
+              <a:lumOff val="60000"/>
+            </a:schemeClr>
+          </a:solidFill>
+          <a:ln>
+            <a:noFill/>
+          </a:ln>
+        </p:spPr>
+        <p:style>
+          <a:lnRef idx="2">
+            <a:schemeClr val="accent1">
+              <a:shade val="50000"/>
+            </a:schemeClr>
+          </a:lnRef>
+          <a:fillRef idx="1">
+            <a:schemeClr val="accent1"/>
+          </a:fillRef>
+          <a:effectRef idx="0">
+            <a:schemeClr val="accent1"/>
+          </a:effectRef>
+          <a:fontRef idx="minor">
+            <a:schemeClr val="lt1"/>
+          </a:fontRef>
+        </p:style>
+        <p:txBody>
+          <a:bodyPr rtlCol="0" anchor="ctr"/>
+          <a:lstStyle/>
+          <a:p>
+            <a:pPr algn="ctr"/>
+            <a:endParaRPr lang="de-DE"/>
+          </a:p>
+        </p:txBody>
+      </p:sp>
+      <p:sp>
+        <p:nvSpPr>
+          <p:cNvPr id="8" name="Rechteck 7">
+            <a:extLst>
+              <a:ext uri="{FF2B5EF4-FFF2-40B4-BE49-F238E27FC236}">
+                <a16:creationId xmlns:a16="http://schemas.microsoft.com/office/drawing/2014/main" id="{3870FAA0-0AFC-465A-A02B-287D7942B268}"/>
+              </a:ext>
+            </a:extLst>
+          </p:cNvPr>
+          <p:cNvSpPr/>
+          <p:nvPr/>
+        </p:nvSpPr>
+        <p:spPr>
+          <a:xfrm rot="18480692">
+            <a:off x="8237857" y="5229351"/>
+            <a:ext cx="2381538" cy="1906940"/>
+          </a:xfrm>
+          <a:prstGeom prst="rect">
+            <a:avLst/>
+          </a:prstGeom>
+          <a:solidFill>
+            <a:schemeClr val="accent1">
+              <a:lumMod val="60000"/>
+              <a:lumOff val="40000"/>
+            </a:schemeClr>
+          </a:solidFill>
+          <a:ln>
+            <a:noFill/>
+          </a:ln>
+        </p:spPr>
+        <p:style>
+          <a:lnRef idx="2">
+            <a:schemeClr val="accent1">
+              <a:shade val="50000"/>
+            </a:schemeClr>
+          </a:lnRef>
+          <a:fillRef idx="1">
+            <a:schemeClr val="accent1"/>
+          </a:fillRef>
+          <a:effectRef idx="0">
+            <a:schemeClr val="accent1"/>
+          </a:effectRef>
+          <a:fontRef idx="minor">
+            <a:schemeClr val="lt1"/>
+          </a:fontRef>
+        </p:style>
+        <p:txBody>
+          <a:bodyPr rtlCol="0" anchor="ctr"/>
+          <a:lstStyle/>
+          <a:p>
+            <a:pPr algn="ctr"/>
+            <a:endParaRPr lang="de-DE"/>
+          </a:p>
+        </p:txBody>
+      </p:sp>
+      <p:sp>
+        <p:nvSpPr>
+          <p:cNvPr id="10" name="Textfeld 9">
+            <a:extLst>
+              <a:ext uri="{FF2B5EF4-FFF2-40B4-BE49-F238E27FC236}">
+                <a16:creationId xmlns:a16="http://schemas.microsoft.com/office/drawing/2014/main" id="{88DF1D1F-39C2-494F-A85D-619B1662FCE2}"/>
+              </a:ext>
+            </a:extLst>
+          </p:cNvPr>
+          <p:cNvSpPr txBox="1"/>
+          <p:nvPr/>
+        </p:nvSpPr>
+        <p:spPr>
+          <a:xfrm>
+            <a:off x="667624" y="520559"/>
+            <a:ext cx="6435158" cy="847603"/>
+          </a:xfrm>
+          <a:prstGeom prst="rect">
+            <a:avLst/>
+          </a:prstGeom>
+          <a:noFill/>
+        </p:spPr>
+        <p:txBody>
+          <a:bodyPr wrap="square">
+            <a:spAutoFit/>
+          </a:bodyPr>
+          <a:lstStyle/>
+          <a:p>
+            <a:pPr lvl="0">
+              <a:lnSpc>
+                <a:spcPct val="107000"/>
+              </a:lnSpc>
+            </a:pPr>
+            <a:r>
+              <a:rPr lang="de-DE" sz="4800" dirty="0">
+                <a:latin typeface="Calibri" panose="020F0502020204030204" pitchFamily="34" charset="0"/>
+                <a:ea typeface="Calibri" panose="020F0502020204030204" pitchFamily="34" charset="0"/>
+                <a:cs typeface="Times New Roman" panose="02020603050405020304" pitchFamily="18" charset="0"/>
+              </a:rPr>
+              <a:t>Advantages </a:t>
+            </a:r>
+            <a:r>
+              <a:rPr lang="de-DE" sz="4800" dirty="0" err="1">
+                <a:latin typeface="Calibri" panose="020F0502020204030204" pitchFamily="34" charset="0"/>
+                <a:ea typeface="Calibri" panose="020F0502020204030204" pitchFamily="34" charset="0"/>
+                <a:cs typeface="Times New Roman" panose="02020603050405020304" pitchFamily="18" charset="0"/>
+              </a:rPr>
+              <a:t>of</a:t>
+            </a:r>
+            <a:r>
+              <a:rPr lang="de-DE" sz="4800" dirty="0">
+                <a:latin typeface="Calibri" panose="020F0502020204030204" pitchFamily="34" charset="0"/>
+                <a:ea typeface="Calibri" panose="020F0502020204030204" pitchFamily="34" charset="0"/>
+                <a:cs typeface="Times New Roman" panose="02020603050405020304" pitchFamily="18" charset="0"/>
+              </a:rPr>
+              <a:t> Leasing </a:t>
+            </a:r>
+            <a:endParaRPr lang="de-DE" sz="4800" dirty="0">
+              <a:effectLst/>
+              <a:latin typeface="Calibri" panose="020F0502020204030204" pitchFamily="34" charset="0"/>
+              <a:ea typeface="Calibri" panose="020F0502020204030204" pitchFamily="34" charset="0"/>
+              <a:cs typeface="Times New Roman" panose="02020603050405020304" pitchFamily="18" charset="0"/>
+            </a:endParaRPr>
+          </a:p>
+        </p:txBody>
+      </p:sp>
+      <p:sp>
+        <p:nvSpPr>
+          <p:cNvPr id="11" name="Textfeld 10">
+            <a:extLst>
+              <a:ext uri="{FF2B5EF4-FFF2-40B4-BE49-F238E27FC236}">
+                <a16:creationId xmlns:a16="http://schemas.microsoft.com/office/drawing/2014/main" id="{02937789-A608-46A0-8E7C-86205D9BF3CC}"/>
+              </a:ext>
+            </a:extLst>
+          </p:cNvPr>
+          <p:cNvSpPr txBox="1"/>
+          <p:nvPr/>
+        </p:nvSpPr>
+        <p:spPr>
+          <a:xfrm>
+            <a:off x="667624" y="1384929"/>
+            <a:ext cx="8781176" cy="1631216"/>
+          </a:xfrm>
+          <a:prstGeom prst="rect">
+            <a:avLst/>
+          </a:prstGeom>
+          <a:noFill/>
+        </p:spPr>
+        <p:txBody>
+          <a:bodyPr wrap="square">
+            <a:spAutoFit/>
+          </a:bodyPr>
+          <a:lstStyle/>
+          <a:p>
+            <a:pPr marL="514350" indent="-514350">
+              <a:buAutoNum type="arabicPeriod"/>
+            </a:pPr>
+            <a:r>
+              <a:rPr lang="en-US" sz="2000" kern="150" dirty="0">
+                <a:effectLst/>
+                <a:latin typeface="Arial" panose="020B0604020202020204" pitchFamily="34" charset="0"/>
+                <a:ea typeface="NSimSun" panose="02010609030101010101" pitchFamily="49" charset="-122"/>
+                <a:cs typeface="Lucida Sans" panose="020B0602030504020204" pitchFamily="34" charset="0"/>
+              </a:rPr>
+              <a:t>No down payment</a:t>
+            </a:r>
+          </a:p>
+          <a:p>
+            <a:pPr marL="514350" indent="-514350">
+              <a:buAutoNum type="arabicPeriod"/>
+            </a:pPr>
+            <a:r>
+              <a:rPr lang="en-US" sz="2000" kern="150" dirty="0">
+                <a:latin typeface="Arial" panose="020B0604020202020204" pitchFamily="34" charset="0"/>
+                <a:ea typeface="NSimSun" panose="02010609030101010101" pitchFamily="49" charset="-122"/>
+                <a:cs typeface="Lucida Sans" panose="020B0602030504020204" pitchFamily="34" charset="0"/>
+              </a:rPr>
+              <a:t>Avoid risks of ownership </a:t>
+            </a:r>
+          </a:p>
+          <a:p>
+            <a:pPr marL="514350" indent="-514350">
+              <a:buAutoNum type="arabicPeriod"/>
+            </a:pPr>
+            <a:r>
+              <a:rPr lang="en-US" sz="2000" kern="150" dirty="0">
+                <a:latin typeface="Arial" panose="020B0604020202020204" pitchFamily="34" charset="0"/>
+                <a:ea typeface="NSimSun" panose="02010609030101010101" pitchFamily="49" charset="-122"/>
+                <a:cs typeface="Lucida Sans" panose="020B0602030504020204" pitchFamily="34" charset="0"/>
+              </a:rPr>
+              <a:t>Once you no longer need it, you can end the agreement </a:t>
+            </a:r>
+          </a:p>
+          <a:p>
+            <a:pPr marL="514350" indent="-514350">
+              <a:buAutoNum type="arabicPeriod"/>
+            </a:pPr>
+            <a:r>
+              <a:rPr lang="en-US" sz="2000" kern="150" dirty="0">
+                <a:effectLst/>
+                <a:latin typeface="Arial" panose="020B0604020202020204" pitchFamily="34" charset="0"/>
+                <a:ea typeface="NSimSun" panose="02010609030101010101" pitchFamily="49" charset="-122"/>
+                <a:cs typeface="Lucida Sans" panose="020B0602030504020204" pitchFamily="34" charset="0"/>
+              </a:rPr>
+              <a:t>Flexibility </a:t>
+            </a:r>
+          </a:p>
+          <a:p>
+            <a:pPr marL="514350" indent="-514350">
+              <a:buAutoNum type="arabicPeriod"/>
+            </a:pPr>
+            <a:r>
+              <a:rPr lang="en-US" sz="2000" kern="150" dirty="0">
+                <a:latin typeface="Arial" panose="020B0604020202020204" pitchFamily="34" charset="0"/>
+                <a:ea typeface="NSimSun" panose="02010609030101010101" pitchFamily="49" charset="-122"/>
+                <a:cs typeface="Lucida Sans" panose="020B0602030504020204" pitchFamily="34" charset="0"/>
+              </a:rPr>
+              <a:t>Simplicity </a:t>
+            </a:r>
+            <a:endParaRPr lang="de-DE" sz="2000" kern="150" dirty="0">
+              <a:effectLst/>
+              <a:latin typeface="Liberation Serif"/>
+              <a:ea typeface="NSimSun" panose="02010609030101010101" pitchFamily="49" charset="-122"/>
+              <a:cs typeface="Lucida Sans" panose="020B0602030504020204" pitchFamily="34" charset="0"/>
+            </a:endParaRPr>
+          </a:p>
+        </p:txBody>
+      </p:sp>
+      <p:sp>
+        <p:nvSpPr>
+          <p:cNvPr id="9" name="Textfeld 8">
+            <a:extLst>
+              <a:ext uri="{FF2B5EF4-FFF2-40B4-BE49-F238E27FC236}">
+                <a16:creationId xmlns:a16="http://schemas.microsoft.com/office/drawing/2014/main" id="{EA93C0F3-B708-49FC-8424-361E75D2B9B0}"/>
+              </a:ext>
+            </a:extLst>
+          </p:cNvPr>
+          <p:cNvSpPr txBox="1"/>
+          <p:nvPr/>
+        </p:nvSpPr>
+        <p:spPr>
+          <a:xfrm>
+            <a:off x="667624" y="3489411"/>
+            <a:ext cx="6435158" cy="847603"/>
+          </a:xfrm>
+          <a:prstGeom prst="rect">
+            <a:avLst/>
+          </a:prstGeom>
+          <a:noFill/>
+        </p:spPr>
+        <p:txBody>
+          <a:bodyPr wrap="square">
+            <a:spAutoFit/>
+          </a:bodyPr>
+          <a:lstStyle/>
+          <a:p>
+            <a:pPr lvl="0">
+              <a:lnSpc>
+                <a:spcPct val="107000"/>
+              </a:lnSpc>
+            </a:pPr>
+            <a:r>
+              <a:rPr lang="de-DE" sz="4800" dirty="0" err="1">
+                <a:latin typeface="Calibri" panose="020F0502020204030204" pitchFamily="34" charset="0"/>
+                <a:ea typeface="Calibri" panose="020F0502020204030204" pitchFamily="34" charset="0"/>
+                <a:cs typeface="Times New Roman" panose="02020603050405020304" pitchFamily="18" charset="0"/>
+              </a:rPr>
+              <a:t>Disadvantages</a:t>
+            </a:r>
+            <a:r>
+              <a:rPr lang="de-DE" sz="4800" dirty="0">
+                <a:latin typeface="Calibri" panose="020F0502020204030204" pitchFamily="34" charset="0"/>
+                <a:ea typeface="Calibri" panose="020F0502020204030204" pitchFamily="34" charset="0"/>
+                <a:cs typeface="Times New Roman" panose="02020603050405020304" pitchFamily="18" charset="0"/>
+              </a:rPr>
+              <a:t> </a:t>
+            </a:r>
+            <a:r>
+              <a:rPr lang="de-DE" sz="4800" dirty="0" err="1">
+                <a:latin typeface="Calibri" panose="020F0502020204030204" pitchFamily="34" charset="0"/>
+                <a:ea typeface="Calibri" panose="020F0502020204030204" pitchFamily="34" charset="0"/>
+                <a:cs typeface="Times New Roman" panose="02020603050405020304" pitchFamily="18" charset="0"/>
+              </a:rPr>
+              <a:t>of</a:t>
+            </a:r>
+            <a:r>
+              <a:rPr lang="de-DE" sz="4800" dirty="0">
+                <a:latin typeface="Calibri" panose="020F0502020204030204" pitchFamily="34" charset="0"/>
+                <a:ea typeface="Calibri" panose="020F0502020204030204" pitchFamily="34" charset="0"/>
+                <a:cs typeface="Times New Roman" panose="02020603050405020304" pitchFamily="18" charset="0"/>
+              </a:rPr>
+              <a:t> Leasing </a:t>
+            </a:r>
+            <a:endParaRPr lang="de-DE" sz="4800" dirty="0">
+              <a:effectLst/>
+              <a:latin typeface="Calibri" panose="020F0502020204030204" pitchFamily="34" charset="0"/>
+              <a:ea typeface="Calibri" panose="020F0502020204030204" pitchFamily="34" charset="0"/>
+              <a:cs typeface="Times New Roman" panose="02020603050405020304" pitchFamily="18" charset="0"/>
+            </a:endParaRPr>
+          </a:p>
+        </p:txBody>
+      </p:sp>
+      <p:sp>
+        <p:nvSpPr>
+          <p:cNvPr id="12" name="Textfeld 11">
+            <a:extLst>
+              <a:ext uri="{FF2B5EF4-FFF2-40B4-BE49-F238E27FC236}">
+                <a16:creationId xmlns:a16="http://schemas.microsoft.com/office/drawing/2014/main" id="{64389CFC-AF50-48E9-AD42-1413635111D0}"/>
+              </a:ext>
+            </a:extLst>
+          </p:cNvPr>
+          <p:cNvSpPr txBox="1"/>
+          <p:nvPr/>
+        </p:nvSpPr>
+        <p:spPr>
+          <a:xfrm>
+            <a:off x="667624" y="4521466"/>
+            <a:ext cx="8781176" cy="1015663"/>
+          </a:xfrm>
+          <a:prstGeom prst="rect">
+            <a:avLst/>
+          </a:prstGeom>
+          <a:noFill/>
+        </p:spPr>
+        <p:txBody>
+          <a:bodyPr wrap="square">
+            <a:spAutoFit/>
+          </a:bodyPr>
+          <a:lstStyle/>
+          <a:p>
+            <a:pPr marL="514350" indent="-514350">
+              <a:buAutoNum type="arabicPeriod"/>
+            </a:pPr>
+            <a:r>
+              <a:rPr lang="en-US" sz="2000" kern="150" dirty="0">
+                <a:effectLst/>
+                <a:latin typeface="Arial" panose="020B0604020202020204" pitchFamily="34" charset="0"/>
+                <a:ea typeface="NSimSun" panose="02010609030101010101" pitchFamily="49" charset="-122"/>
+                <a:cs typeface="Lucida Sans" panose="020B0602030504020204" pitchFamily="34" charset="0"/>
+              </a:rPr>
+              <a:t>Additional insurance coverage is necessary</a:t>
+            </a:r>
+          </a:p>
+          <a:p>
+            <a:pPr marL="514350" indent="-514350">
+              <a:buAutoNum type="arabicPeriod"/>
+            </a:pPr>
+            <a:r>
+              <a:rPr lang="en-US" sz="2000" kern="150" dirty="0">
+                <a:latin typeface="Arial" panose="020B0604020202020204" pitchFamily="34" charset="0"/>
+                <a:ea typeface="NSimSun" panose="02010609030101010101" pitchFamily="49" charset="-122"/>
+                <a:cs typeface="Lucida Sans" panose="020B0602030504020204" pitchFamily="34" charset="0"/>
+              </a:rPr>
+              <a:t>Potential for extra fees</a:t>
+            </a:r>
+          </a:p>
+          <a:p>
+            <a:pPr marL="514350" indent="-514350">
+              <a:buAutoNum type="arabicPeriod"/>
+            </a:pPr>
+            <a:r>
+              <a:rPr lang="en-US" sz="2000" kern="150" dirty="0">
+                <a:latin typeface="Arial" panose="020B0604020202020204" pitchFamily="34" charset="0"/>
+                <a:ea typeface="NSimSun" panose="02010609030101010101" pitchFamily="49" charset="-122"/>
+                <a:cs typeface="Lucida Sans" panose="020B0602030504020204" pitchFamily="34" charset="0"/>
+              </a:rPr>
+              <a:t>The need to get the new devices at end of the term </a:t>
+            </a:r>
+            <a:endParaRPr lang="en-US" sz="2000" kern="150" dirty="0">
+              <a:effectLst/>
+              <a:latin typeface="Arial" panose="020B0604020202020204" pitchFamily="34" charset="0"/>
+              <a:ea typeface="NSimSun" panose="02010609030101010101" pitchFamily="49" charset="-122"/>
+              <a:cs typeface="Lucida Sans" panose="020B0602030504020204" pitchFamily="34" charset="0"/>
+            </a:endParaRPr>
+          </a:p>
+        </p:txBody>
+      </p:sp>
+    </p:spTree>
+    <p:extLst>
+      <p:ext uri="{BB962C8B-B14F-4D97-AF65-F5344CB8AC3E}">
+        <p14:creationId xmlns:p14="http://schemas.microsoft.com/office/powerpoint/2010/main" val="1748424686"/>
+      </p:ext>
+    </p:extLst>
+  </p:cSld>
+  <p:clrMapOvr>
+    <a:masterClrMapping/>
+  </p:clrMapOvr>
+</p:sld>
+</file>
+
+<file path=ppt/slides/slide11.xml><?xml version="1.0" encoding="utf-8"?>
+<p:sld xmlns:a="http://schemas.openxmlformats.org/drawingml/2006/main" xmlns:r="http://schemas.openxmlformats.org/officeDocument/2006/relationships" xmlns:p="http://schemas.openxmlformats.org/presentationml/2006/main">
+  <p:cSld>
+    <p:spTree>
+      <p:nvGrpSpPr>
+        <p:cNvPr id="1" name=""/>
+        <p:cNvGrpSpPr/>
+        <p:nvPr/>
+      </p:nvGrpSpPr>
+      <p:grpSpPr>
+        <a:xfrm>
+          <a:off x="0" y="0"/>
+          <a:ext cx="0" cy="0"/>
+          <a:chOff x="0" y="0"/>
+          <a:chExt cx="0" cy="0"/>
+        </a:xfrm>
+      </p:grpSpPr>
+      <p:sp>
+        <p:nvSpPr>
+          <p:cNvPr id="4" name="Rechteck 3">
+            <a:extLst>
+              <a:ext uri="{FF2B5EF4-FFF2-40B4-BE49-F238E27FC236}">
+                <a16:creationId xmlns:a16="http://schemas.microsoft.com/office/drawing/2014/main" id="{E91038F5-D706-4E86-B4CE-2E468F0C1321}"/>
+              </a:ext>
+            </a:extLst>
+          </p:cNvPr>
+          <p:cNvSpPr/>
+          <p:nvPr/>
+        </p:nvSpPr>
+        <p:spPr>
+          <a:xfrm>
+            <a:off x="0" y="0"/>
+            <a:ext cx="12191999" cy="6858000"/>
+          </a:xfrm>
+          <a:prstGeom prst="rect">
+            <a:avLst/>
+          </a:prstGeom>
+          <a:solidFill>
+            <a:schemeClr val="bg1">
+              <a:lumMod val="85000"/>
+            </a:schemeClr>
+          </a:solidFill>
+        </p:spPr>
+        <p:style>
+          <a:lnRef idx="2">
+            <a:schemeClr val="accent1">
+              <a:shade val="50000"/>
+            </a:schemeClr>
+          </a:lnRef>
+          <a:fillRef idx="1">
+            <a:schemeClr val="accent1"/>
+          </a:fillRef>
+          <a:effectRef idx="0">
+            <a:schemeClr val="accent1"/>
+          </a:effectRef>
+          <a:fontRef idx="minor">
+            <a:schemeClr val="lt1"/>
+          </a:fontRef>
+        </p:style>
+        <p:txBody>
+          <a:bodyPr rtlCol="0" anchor="ctr"/>
+          <a:lstStyle/>
+          <a:p>
+            <a:pPr algn="ctr"/>
+            <a:endParaRPr lang="de-DE" dirty="0"/>
+          </a:p>
+        </p:txBody>
+      </p:sp>
+      <p:sp>
+        <p:nvSpPr>
+          <p:cNvPr id="5" name="Rechteck 4">
+            <a:extLst>
+              <a:ext uri="{FF2B5EF4-FFF2-40B4-BE49-F238E27FC236}">
+                <a16:creationId xmlns:a16="http://schemas.microsoft.com/office/drawing/2014/main" id="{6505C48D-1BB5-4A0A-9981-8C4BCC228182}"/>
+              </a:ext>
+            </a:extLst>
+          </p:cNvPr>
+          <p:cNvSpPr/>
+          <p:nvPr/>
+        </p:nvSpPr>
+        <p:spPr>
+          <a:xfrm rot="18480692">
+            <a:off x="9077324" y="-1443037"/>
+            <a:ext cx="3057525" cy="3157537"/>
+          </a:xfrm>
+          <a:prstGeom prst="rect">
+            <a:avLst/>
+          </a:prstGeom>
+          <a:solidFill>
+            <a:schemeClr val="accent4">
+              <a:lumMod val="40000"/>
+              <a:lumOff val="60000"/>
+            </a:schemeClr>
+          </a:solidFill>
+          <a:ln>
+            <a:noFill/>
+          </a:ln>
+        </p:spPr>
+        <p:style>
+          <a:lnRef idx="2">
+            <a:schemeClr val="accent1">
+              <a:shade val="50000"/>
+            </a:schemeClr>
+          </a:lnRef>
+          <a:fillRef idx="1">
+            <a:schemeClr val="accent1"/>
+          </a:fillRef>
+          <a:effectRef idx="0">
+            <a:schemeClr val="accent1"/>
+          </a:effectRef>
+          <a:fontRef idx="minor">
+            <a:schemeClr val="lt1"/>
+          </a:fontRef>
+        </p:style>
+        <p:txBody>
+          <a:bodyPr rtlCol="0" anchor="ctr"/>
+          <a:lstStyle/>
+          <a:p>
+            <a:pPr algn="ctr"/>
+            <a:endParaRPr lang="de-DE"/>
+          </a:p>
+        </p:txBody>
+      </p:sp>
+      <p:sp>
+        <p:nvSpPr>
+          <p:cNvPr id="6" name="Rechteck 5">
+            <a:extLst>
+              <a:ext uri="{FF2B5EF4-FFF2-40B4-BE49-F238E27FC236}">
+                <a16:creationId xmlns:a16="http://schemas.microsoft.com/office/drawing/2014/main" id="{C2508899-2B3A-4B41-B7EF-81C1618C0F49}"/>
+              </a:ext>
+            </a:extLst>
+          </p:cNvPr>
+          <p:cNvSpPr/>
+          <p:nvPr/>
+        </p:nvSpPr>
+        <p:spPr>
+          <a:xfrm rot="18480692">
+            <a:off x="11107813" y="653845"/>
+            <a:ext cx="1330172" cy="1224903"/>
+          </a:xfrm>
+          <a:prstGeom prst="rect">
+            <a:avLst/>
+          </a:prstGeom>
+          <a:solidFill>
+            <a:schemeClr val="accent4">
+              <a:lumMod val="60000"/>
+              <a:lumOff val="40000"/>
+            </a:schemeClr>
+          </a:solidFill>
+          <a:ln>
+            <a:noFill/>
+          </a:ln>
+        </p:spPr>
+        <p:style>
+          <a:lnRef idx="2">
+            <a:schemeClr val="accent1">
+              <a:shade val="50000"/>
+            </a:schemeClr>
+          </a:lnRef>
+          <a:fillRef idx="1">
+            <a:schemeClr val="accent1"/>
+          </a:fillRef>
+          <a:effectRef idx="0">
+            <a:schemeClr val="accent1"/>
+          </a:effectRef>
+          <a:fontRef idx="minor">
+            <a:schemeClr val="lt1"/>
+          </a:fontRef>
+        </p:style>
+        <p:txBody>
+          <a:bodyPr rtlCol="0" anchor="ctr"/>
+          <a:lstStyle/>
+          <a:p>
+            <a:pPr algn="ctr"/>
+            <a:endParaRPr lang="de-DE"/>
+          </a:p>
+        </p:txBody>
+      </p:sp>
+      <p:sp>
+        <p:nvSpPr>
+          <p:cNvPr id="7" name="Rechteck 6">
+            <a:extLst>
+              <a:ext uri="{FF2B5EF4-FFF2-40B4-BE49-F238E27FC236}">
+                <a16:creationId xmlns:a16="http://schemas.microsoft.com/office/drawing/2014/main" id="{74471B95-FD78-4E23-ABD0-01E801FB1163}"/>
+              </a:ext>
+            </a:extLst>
+          </p:cNvPr>
+          <p:cNvSpPr/>
+          <p:nvPr/>
+        </p:nvSpPr>
+        <p:spPr>
+          <a:xfrm rot="18480692">
+            <a:off x="9518891" y="4316941"/>
+            <a:ext cx="3057525" cy="3157537"/>
+          </a:xfrm>
+          <a:prstGeom prst="rect">
+            <a:avLst/>
+          </a:prstGeom>
+          <a:solidFill>
+            <a:schemeClr val="accent1">
+              <a:lumMod val="40000"/>
+              <a:lumOff val="60000"/>
+            </a:schemeClr>
+          </a:solidFill>
+          <a:ln>
+            <a:noFill/>
+          </a:ln>
+        </p:spPr>
+        <p:style>
+          <a:lnRef idx="2">
+            <a:schemeClr val="accent1">
+              <a:shade val="50000"/>
+            </a:schemeClr>
+          </a:lnRef>
+          <a:fillRef idx="1">
+            <a:schemeClr val="accent1"/>
+          </a:fillRef>
+          <a:effectRef idx="0">
+            <a:schemeClr val="accent1"/>
+          </a:effectRef>
+          <a:fontRef idx="minor">
+            <a:schemeClr val="lt1"/>
+          </a:fontRef>
+        </p:style>
+        <p:txBody>
+          <a:bodyPr rtlCol="0" anchor="ctr"/>
+          <a:lstStyle/>
+          <a:p>
+            <a:pPr algn="ctr"/>
+            <a:endParaRPr lang="de-DE"/>
+          </a:p>
+        </p:txBody>
+      </p:sp>
+      <p:sp>
+        <p:nvSpPr>
+          <p:cNvPr id="8" name="Rechteck 7">
+            <a:extLst>
+              <a:ext uri="{FF2B5EF4-FFF2-40B4-BE49-F238E27FC236}">
+                <a16:creationId xmlns:a16="http://schemas.microsoft.com/office/drawing/2014/main" id="{3870FAA0-0AFC-465A-A02B-287D7942B268}"/>
+              </a:ext>
+            </a:extLst>
+          </p:cNvPr>
+          <p:cNvSpPr/>
+          <p:nvPr/>
+        </p:nvSpPr>
+        <p:spPr>
+          <a:xfrm rot="18480692">
+            <a:off x="8237857" y="5229351"/>
+            <a:ext cx="2381538" cy="1906940"/>
+          </a:xfrm>
+          <a:prstGeom prst="rect">
+            <a:avLst/>
+          </a:prstGeom>
+          <a:solidFill>
+            <a:schemeClr val="accent1">
+              <a:lumMod val="60000"/>
+              <a:lumOff val="40000"/>
+            </a:schemeClr>
+          </a:solidFill>
+          <a:ln>
+            <a:noFill/>
+          </a:ln>
+        </p:spPr>
+        <p:style>
+          <a:lnRef idx="2">
+            <a:schemeClr val="accent1">
+              <a:shade val="50000"/>
+            </a:schemeClr>
+          </a:lnRef>
+          <a:fillRef idx="1">
+            <a:schemeClr val="accent1"/>
+          </a:fillRef>
+          <a:effectRef idx="0">
+            <a:schemeClr val="accent1"/>
+          </a:effectRef>
+          <a:fontRef idx="minor">
+            <a:schemeClr val="lt1"/>
+          </a:fontRef>
+        </p:style>
+        <p:txBody>
+          <a:bodyPr rtlCol="0" anchor="ctr"/>
+          <a:lstStyle/>
+          <a:p>
+            <a:pPr algn="ctr"/>
+            <a:endParaRPr lang="de-DE"/>
+          </a:p>
+        </p:txBody>
+      </p:sp>
+      <p:sp>
+        <p:nvSpPr>
+          <p:cNvPr id="10" name="Textfeld 9">
+            <a:extLst>
+              <a:ext uri="{FF2B5EF4-FFF2-40B4-BE49-F238E27FC236}">
+                <a16:creationId xmlns:a16="http://schemas.microsoft.com/office/drawing/2014/main" id="{88DF1D1F-39C2-494F-A85D-619B1662FCE2}"/>
+              </a:ext>
+            </a:extLst>
+          </p:cNvPr>
+          <p:cNvSpPr txBox="1"/>
+          <p:nvPr/>
+        </p:nvSpPr>
+        <p:spPr>
+          <a:xfrm>
+            <a:off x="667624" y="826858"/>
+            <a:ext cx="6435158" cy="847603"/>
+          </a:xfrm>
+          <a:prstGeom prst="rect">
+            <a:avLst/>
+          </a:prstGeom>
+          <a:noFill/>
+        </p:spPr>
+        <p:txBody>
+          <a:bodyPr wrap="square">
+            <a:spAutoFit/>
+          </a:bodyPr>
+          <a:lstStyle/>
+          <a:p>
+            <a:pPr lvl="0">
+              <a:lnSpc>
+                <a:spcPct val="107000"/>
+              </a:lnSpc>
+            </a:pPr>
+            <a:r>
+              <a:rPr lang="de-DE" sz="4800" dirty="0">
+                <a:latin typeface="Calibri" panose="020F0502020204030204" pitchFamily="34" charset="0"/>
+                <a:ea typeface="Calibri" panose="020F0502020204030204" pitchFamily="34" charset="0"/>
+                <a:cs typeface="Times New Roman" panose="02020603050405020304" pitchFamily="18" charset="0"/>
+              </a:rPr>
+              <a:t>Advantages </a:t>
+            </a:r>
+            <a:r>
+              <a:rPr lang="de-DE" sz="4800" dirty="0" err="1">
+                <a:latin typeface="Calibri" panose="020F0502020204030204" pitchFamily="34" charset="0"/>
+                <a:ea typeface="Calibri" panose="020F0502020204030204" pitchFamily="34" charset="0"/>
+                <a:cs typeface="Times New Roman" panose="02020603050405020304" pitchFamily="18" charset="0"/>
+              </a:rPr>
+              <a:t>of</a:t>
+            </a:r>
+            <a:r>
+              <a:rPr lang="de-DE" sz="4800" dirty="0">
+                <a:latin typeface="Calibri" panose="020F0502020204030204" pitchFamily="34" charset="0"/>
+                <a:ea typeface="Calibri" panose="020F0502020204030204" pitchFamily="34" charset="0"/>
+                <a:cs typeface="Times New Roman" panose="02020603050405020304" pitchFamily="18" charset="0"/>
+              </a:rPr>
+              <a:t> </a:t>
+            </a:r>
+            <a:r>
+              <a:rPr lang="de-DE" sz="4800" dirty="0" err="1">
+                <a:latin typeface="Calibri" panose="020F0502020204030204" pitchFamily="34" charset="0"/>
+                <a:ea typeface="Calibri" panose="020F0502020204030204" pitchFamily="34" charset="0"/>
+                <a:cs typeface="Times New Roman" panose="02020603050405020304" pitchFamily="18" charset="0"/>
+              </a:rPr>
+              <a:t>loan</a:t>
+            </a:r>
+            <a:endParaRPr lang="de-DE" sz="4800" dirty="0">
+              <a:effectLst/>
+              <a:latin typeface="Calibri" panose="020F0502020204030204" pitchFamily="34" charset="0"/>
+              <a:ea typeface="Calibri" panose="020F0502020204030204" pitchFamily="34" charset="0"/>
+              <a:cs typeface="Times New Roman" panose="02020603050405020304" pitchFamily="18" charset="0"/>
+            </a:endParaRPr>
+          </a:p>
+        </p:txBody>
+      </p:sp>
+      <p:sp>
+        <p:nvSpPr>
+          <p:cNvPr id="11" name="Textfeld 10">
+            <a:extLst>
+              <a:ext uri="{FF2B5EF4-FFF2-40B4-BE49-F238E27FC236}">
+                <a16:creationId xmlns:a16="http://schemas.microsoft.com/office/drawing/2014/main" id="{02937789-A608-46A0-8E7C-86205D9BF3CC}"/>
+              </a:ext>
+            </a:extLst>
+          </p:cNvPr>
+          <p:cNvSpPr txBox="1"/>
+          <p:nvPr/>
+        </p:nvSpPr>
+        <p:spPr>
+          <a:xfrm>
+            <a:off x="667624" y="1691228"/>
+            <a:ext cx="8781176" cy="1015663"/>
+          </a:xfrm>
+          <a:prstGeom prst="rect">
+            <a:avLst/>
+          </a:prstGeom>
+          <a:noFill/>
+        </p:spPr>
+        <p:txBody>
+          <a:bodyPr wrap="square">
+            <a:spAutoFit/>
+          </a:bodyPr>
+          <a:lstStyle/>
+          <a:p>
+            <a:pPr marL="514350" indent="-514350">
+              <a:buAutoNum type="arabicPeriod"/>
+            </a:pPr>
+            <a:r>
+              <a:rPr lang="en-US" sz="2000" kern="150" dirty="0">
+                <a:effectLst/>
+                <a:latin typeface="Arial" panose="020B0604020202020204" pitchFamily="34" charset="0"/>
+                <a:ea typeface="NSimSun" panose="02010609030101010101" pitchFamily="49" charset="-122"/>
+                <a:cs typeface="Lucida Sans" panose="020B0602030504020204" pitchFamily="34" charset="0"/>
+              </a:rPr>
+              <a:t>Cheaper </a:t>
+            </a:r>
+          </a:p>
+          <a:p>
+            <a:pPr marL="514350" indent="-514350">
+              <a:buAutoNum type="arabicPeriod"/>
+            </a:pPr>
+            <a:r>
+              <a:rPr lang="en-US" sz="2000" kern="150" dirty="0">
+                <a:latin typeface="Arial" panose="020B0604020202020204" pitchFamily="34" charset="0"/>
+                <a:ea typeface="NSimSun" panose="02010609030101010101" pitchFamily="49" charset="-122"/>
+                <a:cs typeface="Lucida Sans" panose="020B0602030504020204" pitchFamily="34" charset="0"/>
+              </a:rPr>
+              <a:t>It belongs to you </a:t>
+            </a:r>
+          </a:p>
+          <a:p>
+            <a:pPr marL="514350" indent="-514350">
+              <a:buAutoNum type="arabicPeriod"/>
+            </a:pPr>
+            <a:r>
+              <a:rPr lang="en-US" sz="2000" kern="150" dirty="0">
+                <a:latin typeface="Arial" panose="020B0604020202020204" pitchFamily="34" charset="0"/>
+                <a:ea typeface="NSimSun" panose="02010609030101010101" pitchFamily="49" charset="-122"/>
+                <a:cs typeface="Lucida Sans" panose="020B0602030504020204" pitchFamily="34" charset="0"/>
+              </a:rPr>
+              <a:t>You can break for a while  </a:t>
+            </a:r>
+          </a:p>
+        </p:txBody>
+      </p:sp>
+      <p:sp>
+        <p:nvSpPr>
+          <p:cNvPr id="9" name="Textfeld 8">
+            <a:extLst>
+              <a:ext uri="{FF2B5EF4-FFF2-40B4-BE49-F238E27FC236}">
+                <a16:creationId xmlns:a16="http://schemas.microsoft.com/office/drawing/2014/main" id="{EA93C0F3-B708-49FC-8424-361E75D2B9B0}"/>
+              </a:ext>
+            </a:extLst>
+          </p:cNvPr>
+          <p:cNvSpPr txBox="1"/>
+          <p:nvPr/>
+        </p:nvSpPr>
+        <p:spPr>
+          <a:xfrm>
+            <a:off x="667624" y="3489411"/>
+            <a:ext cx="6435158" cy="847603"/>
+          </a:xfrm>
+          <a:prstGeom prst="rect">
+            <a:avLst/>
+          </a:prstGeom>
+          <a:noFill/>
+        </p:spPr>
+        <p:txBody>
+          <a:bodyPr wrap="square">
+            <a:spAutoFit/>
+          </a:bodyPr>
+          <a:lstStyle/>
+          <a:p>
+            <a:pPr lvl="0">
+              <a:lnSpc>
+                <a:spcPct val="107000"/>
+              </a:lnSpc>
+            </a:pPr>
+            <a:r>
+              <a:rPr lang="de-DE" sz="4800" dirty="0" err="1">
+                <a:latin typeface="Calibri" panose="020F0502020204030204" pitchFamily="34" charset="0"/>
+                <a:ea typeface="Calibri" panose="020F0502020204030204" pitchFamily="34" charset="0"/>
+                <a:cs typeface="Times New Roman" panose="02020603050405020304" pitchFamily="18" charset="0"/>
+              </a:rPr>
+              <a:t>Disadvantages</a:t>
+            </a:r>
+            <a:r>
+              <a:rPr lang="de-DE" sz="4800" dirty="0">
+                <a:latin typeface="Calibri" panose="020F0502020204030204" pitchFamily="34" charset="0"/>
+                <a:ea typeface="Calibri" panose="020F0502020204030204" pitchFamily="34" charset="0"/>
+                <a:cs typeface="Times New Roman" panose="02020603050405020304" pitchFamily="18" charset="0"/>
+              </a:rPr>
+              <a:t> </a:t>
+            </a:r>
+            <a:r>
+              <a:rPr lang="de-DE" sz="4800" dirty="0" err="1">
+                <a:latin typeface="Calibri" panose="020F0502020204030204" pitchFamily="34" charset="0"/>
+                <a:ea typeface="Calibri" panose="020F0502020204030204" pitchFamily="34" charset="0"/>
+                <a:cs typeface="Times New Roman" panose="02020603050405020304" pitchFamily="18" charset="0"/>
+              </a:rPr>
+              <a:t>of</a:t>
+            </a:r>
+            <a:r>
+              <a:rPr lang="de-DE" sz="4800" dirty="0">
+                <a:latin typeface="Calibri" panose="020F0502020204030204" pitchFamily="34" charset="0"/>
+                <a:ea typeface="Calibri" panose="020F0502020204030204" pitchFamily="34" charset="0"/>
+                <a:cs typeface="Times New Roman" panose="02020603050405020304" pitchFamily="18" charset="0"/>
+              </a:rPr>
+              <a:t> </a:t>
+            </a:r>
+            <a:r>
+              <a:rPr lang="de-DE" sz="4800" dirty="0" err="1">
+                <a:latin typeface="Calibri" panose="020F0502020204030204" pitchFamily="34" charset="0"/>
+                <a:ea typeface="Calibri" panose="020F0502020204030204" pitchFamily="34" charset="0"/>
+                <a:cs typeface="Times New Roman" panose="02020603050405020304" pitchFamily="18" charset="0"/>
+              </a:rPr>
+              <a:t>loan</a:t>
+            </a:r>
+            <a:endParaRPr lang="de-DE" sz="4800" dirty="0">
+              <a:effectLst/>
+              <a:latin typeface="Calibri" panose="020F0502020204030204" pitchFamily="34" charset="0"/>
+              <a:ea typeface="Calibri" panose="020F0502020204030204" pitchFamily="34" charset="0"/>
+              <a:cs typeface="Times New Roman" panose="02020603050405020304" pitchFamily="18" charset="0"/>
+            </a:endParaRPr>
+          </a:p>
+        </p:txBody>
+      </p:sp>
+      <p:sp>
+        <p:nvSpPr>
+          <p:cNvPr id="12" name="Textfeld 11">
+            <a:extLst>
+              <a:ext uri="{FF2B5EF4-FFF2-40B4-BE49-F238E27FC236}">
+                <a16:creationId xmlns:a16="http://schemas.microsoft.com/office/drawing/2014/main" id="{64389CFC-AF50-48E9-AD42-1413635111D0}"/>
+              </a:ext>
+            </a:extLst>
+          </p:cNvPr>
+          <p:cNvSpPr txBox="1"/>
+          <p:nvPr/>
+        </p:nvSpPr>
+        <p:spPr>
+          <a:xfrm>
+            <a:off x="667624" y="4521466"/>
+            <a:ext cx="8781176" cy="1015663"/>
+          </a:xfrm>
+          <a:prstGeom prst="rect">
+            <a:avLst/>
+          </a:prstGeom>
+          <a:noFill/>
+        </p:spPr>
+        <p:txBody>
+          <a:bodyPr wrap="square">
+            <a:spAutoFit/>
+          </a:bodyPr>
+          <a:lstStyle/>
+          <a:p>
+            <a:pPr marL="514350" indent="-514350">
+              <a:buAutoNum type="arabicPeriod"/>
+            </a:pPr>
+            <a:r>
+              <a:rPr lang="en-US" sz="2000" kern="150" dirty="0">
+                <a:effectLst/>
+                <a:latin typeface="Arial" panose="020B0604020202020204" pitchFamily="34" charset="0"/>
+                <a:ea typeface="NSimSun" panose="02010609030101010101" pitchFamily="49" charset="-122"/>
+                <a:cs typeface="Lucida Sans" panose="020B0602030504020204" pitchFamily="34" charset="0"/>
+              </a:rPr>
+              <a:t>Outdate devices</a:t>
+            </a:r>
+          </a:p>
+          <a:p>
+            <a:pPr marL="514350" indent="-514350">
+              <a:buAutoNum type="arabicPeriod"/>
+            </a:pPr>
+            <a:r>
+              <a:rPr lang="en-US" sz="2000" kern="150" dirty="0">
+                <a:latin typeface="Arial" panose="020B0604020202020204" pitchFamily="34" charset="0"/>
+                <a:ea typeface="NSimSun" panose="02010609030101010101" pitchFamily="49" charset="-122"/>
+                <a:cs typeface="Lucida Sans" panose="020B0602030504020204" pitchFamily="34" charset="0"/>
+              </a:rPr>
+              <a:t>You have to pay the reparation </a:t>
+            </a:r>
+          </a:p>
+          <a:p>
+            <a:pPr marL="514350" indent="-514350">
+              <a:buAutoNum type="arabicPeriod"/>
+            </a:pPr>
+            <a:r>
+              <a:rPr lang="en-US" sz="2000" kern="150" dirty="0">
+                <a:latin typeface="Arial" panose="020B0604020202020204" pitchFamily="34" charset="0"/>
+                <a:ea typeface="NSimSun" panose="02010609030101010101" pitchFamily="49" charset="-122"/>
+                <a:cs typeface="Lucida Sans" panose="020B0602030504020204" pitchFamily="34" charset="0"/>
+              </a:rPr>
+              <a:t>The fees will increase  </a:t>
+            </a:r>
+            <a:endParaRPr lang="en-US" sz="2000" kern="150" dirty="0">
+              <a:effectLst/>
+              <a:latin typeface="Arial" panose="020B0604020202020204" pitchFamily="34" charset="0"/>
+              <a:ea typeface="NSimSun" panose="02010609030101010101" pitchFamily="49" charset="-122"/>
+              <a:cs typeface="Lucida Sans" panose="020B0602030504020204" pitchFamily="34" charset="0"/>
+            </a:endParaRPr>
+          </a:p>
+        </p:txBody>
+      </p:sp>
+    </p:spTree>
+    <p:extLst>
+      <p:ext uri="{BB962C8B-B14F-4D97-AF65-F5344CB8AC3E}">
+        <p14:creationId xmlns:p14="http://schemas.microsoft.com/office/powerpoint/2010/main" val="1651749556"/>
+      </p:ext>
+    </p:extLst>
+  </p:cSld>
+  <p:clrMapOvr>
+    <a:masterClrMapping/>
+  </p:clrMapOvr>
+</p:sld>
+</file>
+
+<file path=ppt/slides/slide12.xml><?xml version="1.0" encoding="utf-8"?>
+<p:sld xmlns:a="http://schemas.openxmlformats.org/drawingml/2006/main" xmlns:r="http://schemas.openxmlformats.org/officeDocument/2006/relationships" xmlns:p="http://schemas.openxmlformats.org/presentationml/2006/main">
+  <p:cSld>
+    <p:spTree>
+      <p:nvGrpSpPr>
+        <p:cNvPr id="1" name=""/>
+        <p:cNvGrpSpPr/>
+        <p:nvPr/>
+      </p:nvGrpSpPr>
+      <p:grpSpPr>
+        <a:xfrm>
+          <a:off x="0" y="0"/>
+          <a:ext cx="0" cy="0"/>
+          <a:chOff x="0" y="0"/>
+          <a:chExt cx="0" cy="0"/>
+        </a:xfrm>
+      </p:grpSpPr>
+      <p:sp>
+        <p:nvSpPr>
+          <p:cNvPr id="4" name="Rechteck 3">
+            <a:extLst>
+              <a:ext uri="{FF2B5EF4-FFF2-40B4-BE49-F238E27FC236}">
+                <a16:creationId xmlns:a16="http://schemas.microsoft.com/office/drawing/2014/main" id="{E91038F5-D706-4E86-B4CE-2E468F0C1321}"/>
+              </a:ext>
+            </a:extLst>
+          </p:cNvPr>
+          <p:cNvSpPr/>
+          <p:nvPr/>
+        </p:nvSpPr>
+        <p:spPr>
+          <a:xfrm>
+            <a:off x="0" y="0"/>
+            <a:ext cx="12191999" cy="6858000"/>
+          </a:xfrm>
+          <a:prstGeom prst="rect">
+            <a:avLst/>
+          </a:prstGeom>
+          <a:solidFill>
+            <a:schemeClr val="bg1">
+              <a:lumMod val="85000"/>
+            </a:schemeClr>
+          </a:solidFill>
+        </p:spPr>
+        <p:style>
+          <a:lnRef idx="2">
+            <a:schemeClr val="accent1">
+              <a:shade val="50000"/>
+            </a:schemeClr>
+          </a:lnRef>
+          <a:fillRef idx="1">
+            <a:schemeClr val="accent1"/>
+          </a:fillRef>
+          <a:effectRef idx="0">
+            <a:schemeClr val="accent1"/>
+          </a:effectRef>
+          <a:fontRef idx="minor">
+            <a:schemeClr val="lt1"/>
+          </a:fontRef>
+        </p:style>
+        <p:txBody>
+          <a:bodyPr rtlCol="0" anchor="ctr"/>
+          <a:lstStyle/>
+          <a:p>
+            <a:pPr algn="ctr"/>
+            <a:endParaRPr lang="de-DE" dirty="0"/>
+          </a:p>
+        </p:txBody>
+      </p:sp>
+      <p:sp>
+        <p:nvSpPr>
+          <p:cNvPr id="5" name="Rechteck 4">
+            <a:extLst>
+              <a:ext uri="{FF2B5EF4-FFF2-40B4-BE49-F238E27FC236}">
+                <a16:creationId xmlns:a16="http://schemas.microsoft.com/office/drawing/2014/main" id="{6505C48D-1BB5-4A0A-9981-8C4BCC228182}"/>
+              </a:ext>
+            </a:extLst>
+          </p:cNvPr>
+          <p:cNvSpPr/>
+          <p:nvPr/>
+        </p:nvSpPr>
+        <p:spPr>
+          <a:xfrm rot="18480692">
+            <a:off x="9077324" y="-1443037"/>
+            <a:ext cx="3057525" cy="3157537"/>
+          </a:xfrm>
+          <a:prstGeom prst="rect">
+            <a:avLst/>
+          </a:prstGeom>
+          <a:solidFill>
+            <a:schemeClr val="accent4">
+              <a:lumMod val="40000"/>
+              <a:lumOff val="60000"/>
+            </a:schemeClr>
+          </a:solidFill>
+          <a:ln>
+            <a:noFill/>
+          </a:ln>
+        </p:spPr>
+        <p:style>
+          <a:lnRef idx="2">
+            <a:schemeClr val="accent1">
+              <a:shade val="50000"/>
+            </a:schemeClr>
+          </a:lnRef>
+          <a:fillRef idx="1">
+            <a:schemeClr val="accent1"/>
+          </a:fillRef>
+          <a:effectRef idx="0">
+            <a:schemeClr val="accent1"/>
+          </a:effectRef>
+          <a:fontRef idx="minor">
+            <a:schemeClr val="lt1"/>
+          </a:fontRef>
+        </p:style>
+        <p:txBody>
+          <a:bodyPr rtlCol="0" anchor="ctr"/>
+          <a:lstStyle/>
+          <a:p>
+            <a:pPr algn="ctr"/>
+            <a:endParaRPr lang="de-DE"/>
+          </a:p>
+        </p:txBody>
+      </p:sp>
+      <p:sp>
+        <p:nvSpPr>
+          <p:cNvPr id="6" name="Rechteck 5">
+            <a:extLst>
+              <a:ext uri="{FF2B5EF4-FFF2-40B4-BE49-F238E27FC236}">
+                <a16:creationId xmlns:a16="http://schemas.microsoft.com/office/drawing/2014/main" id="{C2508899-2B3A-4B41-B7EF-81C1618C0F49}"/>
+              </a:ext>
+            </a:extLst>
+          </p:cNvPr>
+          <p:cNvSpPr/>
+          <p:nvPr/>
+        </p:nvSpPr>
+        <p:spPr>
+          <a:xfrm rot="18480692">
+            <a:off x="11107813" y="653845"/>
+            <a:ext cx="1330172" cy="1224903"/>
+          </a:xfrm>
+          <a:prstGeom prst="rect">
+            <a:avLst/>
+          </a:prstGeom>
+          <a:solidFill>
+            <a:schemeClr val="accent4">
+              <a:lumMod val="60000"/>
+              <a:lumOff val="40000"/>
+            </a:schemeClr>
+          </a:solidFill>
+          <a:ln>
+            <a:noFill/>
+          </a:ln>
+        </p:spPr>
+        <p:style>
+          <a:lnRef idx="2">
+            <a:schemeClr val="accent1">
+              <a:shade val="50000"/>
+            </a:schemeClr>
+          </a:lnRef>
+          <a:fillRef idx="1">
+            <a:schemeClr val="accent1"/>
+          </a:fillRef>
+          <a:effectRef idx="0">
+            <a:schemeClr val="accent1"/>
+          </a:effectRef>
+          <a:fontRef idx="minor">
+            <a:schemeClr val="lt1"/>
+          </a:fontRef>
+        </p:style>
+        <p:txBody>
+          <a:bodyPr rtlCol="0" anchor="ctr"/>
+          <a:lstStyle/>
+          <a:p>
+            <a:pPr algn="ctr"/>
+            <a:endParaRPr lang="de-DE"/>
+          </a:p>
+        </p:txBody>
+      </p:sp>
+      <p:sp>
+        <p:nvSpPr>
+          <p:cNvPr id="7" name="Rechteck 6">
+            <a:extLst>
+              <a:ext uri="{FF2B5EF4-FFF2-40B4-BE49-F238E27FC236}">
+                <a16:creationId xmlns:a16="http://schemas.microsoft.com/office/drawing/2014/main" id="{74471B95-FD78-4E23-ABD0-01E801FB1163}"/>
+              </a:ext>
+            </a:extLst>
+          </p:cNvPr>
+          <p:cNvSpPr/>
+          <p:nvPr/>
+        </p:nvSpPr>
+        <p:spPr>
+          <a:xfrm rot="18480692">
+            <a:off x="9518891" y="4316941"/>
+            <a:ext cx="3057525" cy="3157537"/>
+          </a:xfrm>
+          <a:prstGeom prst="rect">
+            <a:avLst/>
+          </a:prstGeom>
+          <a:solidFill>
+            <a:schemeClr val="accent1">
+              <a:lumMod val="40000"/>
+              <a:lumOff val="60000"/>
+            </a:schemeClr>
+          </a:solidFill>
+          <a:ln>
+            <a:noFill/>
+          </a:ln>
+        </p:spPr>
+        <p:style>
+          <a:lnRef idx="2">
+            <a:schemeClr val="accent1">
+              <a:shade val="50000"/>
+            </a:schemeClr>
+          </a:lnRef>
+          <a:fillRef idx="1">
+            <a:schemeClr val="accent1"/>
+          </a:fillRef>
+          <a:effectRef idx="0">
+            <a:schemeClr val="accent1"/>
+          </a:effectRef>
+          <a:fontRef idx="minor">
+            <a:schemeClr val="lt1"/>
+          </a:fontRef>
+        </p:style>
+        <p:txBody>
+          <a:bodyPr rtlCol="0" anchor="ctr"/>
+          <a:lstStyle/>
+          <a:p>
+            <a:pPr algn="ctr"/>
+            <a:endParaRPr lang="de-DE"/>
+          </a:p>
+        </p:txBody>
+      </p:sp>
+      <p:sp>
+        <p:nvSpPr>
+          <p:cNvPr id="8" name="Rechteck 7">
+            <a:extLst>
+              <a:ext uri="{FF2B5EF4-FFF2-40B4-BE49-F238E27FC236}">
+                <a16:creationId xmlns:a16="http://schemas.microsoft.com/office/drawing/2014/main" id="{3870FAA0-0AFC-465A-A02B-287D7942B268}"/>
+              </a:ext>
+            </a:extLst>
+          </p:cNvPr>
+          <p:cNvSpPr/>
+          <p:nvPr/>
+        </p:nvSpPr>
+        <p:spPr>
+          <a:xfrm rot="18480692">
+            <a:off x="8237857" y="5229351"/>
+            <a:ext cx="2381538" cy="1906940"/>
+          </a:xfrm>
+          <a:prstGeom prst="rect">
+            <a:avLst/>
+          </a:prstGeom>
+          <a:solidFill>
+            <a:schemeClr val="accent1">
+              <a:lumMod val="60000"/>
+              <a:lumOff val="40000"/>
+            </a:schemeClr>
+          </a:solidFill>
+          <a:ln>
+            <a:noFill/>
+          </a:ln>
+        </p:spPr>
+        <p:style>
+          <a:lnRef idx="2">
+            <a:schemeClr val="accent1">
+              <a:shade val="50000"/>
+            </a:schemeClr>
+          </a:lnRef>
+          <a:fillRef idx="1">
+            <a:schemeClr val="accent1"/>
+          </a:fillRef>
+          <a:effectRef idx="0">
+            <a:schemeClr val="accent1"/>
+          </a:effectRef>
+          <a:fontRef idx="minor">
+            <a:schemeClr val="lt1"/>
+          </a:fontRef>
+        </p:style>
+        <p:txBody>
+          <a:bodyPr rtlCol="0" anchor="ctr"/>
+          <a:lstStyle/>
+          <a:p>
+            <a:pPr algn="ctr"/>
+            <a:endParaRPr lang="de-DE"/>
+          </a:p>
+        </p:txBody>
+      </p:sp>
+      <p:sp>
+        <p:nvSpPr>
+          <p:cNvPr id="10" name="Textfeld 9">
+            <a:extLst>
+              <a:ext uri="{FF2B5EF4-FFF2-40B4-BE49-F238E27FC236}">
+                <a16:creationId xmlns:a16="http://schemas.microsoft.com/office/drawing/2014/main" id="{88DF1D1F-39C2-494F-A85D-619B1662FCE2}"/>
+              </a:ext>
+            </a:extLst>
+          </p:cNvPr>
+          <p:cNvSpPr txBox="1"/>
+          <p:nvPr/>
+        </p:nvSpPr>
+        <p:spPr>
+          <a:xfrm>
+            <a:off x="5843643" y="1684990"/>
+            <a:ext cx="6435158" cy="847603"/>
+          </a:xfrm>
+          <a:prstGeom prst="rect">
+            <a:avLst/>
+          </a:prstGeom>
+          <a:noFill/>
+        </p:spPr>
+        <p:txBody>
+          <a:bodyPr wrap="square">
+            <a:spAutoFit/>
+          </a:bodyPr>
+          <a:lstStyle/>
+          <a:p>
+            <a:pPr lvl="0">
+              <a:lnSpc>
+                <a:spcPct val="107000"/>
+              </a:lnSpc>
+            </a:pPr>
+            <a:r>
+              <a:rPr lang="de-DE" sz="4800" dirty="0">
+                <a:latin typeface="Calibri" panose="020F0502020204030204" pitchFamily="34" charset="0"/>
+                <a:ea typeface="Calibri" panose="020F0502020204030204" pitchFamily="34" charset="0"/>
+                <a:cs typeface="Times New Roman" panose="02020603050405020304" pitchFamily="18" charset="0"/>
+              </a:rPr>
+              <a:t>Leasing </a:t>
+            </a:r>
+            <a:endParaRPr lang="de-DE" sz="4800" dirty="0">
+              <a:effectLst/>
+              <a:latin typeface="Calibri" panose="020F0502020204030204" pitchFamily="34" charset="0"/>
+              <a:ea typeface="Calibri" panose="020F0502020204030204" pitchFamily="34" charset="0"/>
+              <a:cs typeface="Times New Roman" panose="02020603050405020304" pitchFamily="18" charset="0"/>
+            </a:endParaRPr>
+          </a:p>
+        </p:txBody>
+      </p:sp>
+      <p:sp>
+        <p:nvSpPr>
+          <p:cNvPr id="9" name="Textfeld 8">
+            <a:extLst>
+              <a:ext uri="{FF2B5EF4-FFF2-40B4-BE49-F238E27FC236}">
+                <a16:creationId xmlns:a16="http://schemas.microsoft.com/office/drawing/2014/main" id="{EA93C0F3-B708-49FC-8424-361E75D2B9B0}"/>
+              </a:ext>
+            </a:extLst>
+          </p:cNvPr>
+          <p:cNvSpPr txBox="1"/>
+          <p:nvPr/>
+        </p:nvSpPr>
+        <p:spPr>
+          <a:xfrm>
+            <a:off x="575444" y="4518872"/>
+            <a:ext cx="6435158" cy="847603"/>
+          </a:xfrm>
+          <a:prstGeom prst="rect">
+            <a:avLst/>
+          </a:prstGeom>
+          <a:noFill/>
+        </p:spPr>
+        <p:txBody>
+          <a:bodyPr wrap="square">
+            <a:spAutoFit/>
+          </a:bodyPr>
+          <a:lstStyle/>
+          <a:p>
+            <a:pPr lvl="0">
+              <a:lnSpc>
+                <a:spcPct val="107000"/>
+              </a:lnSpc>
+            </a:pPr>
+            <a:r>
+              <a:rPr lang="de-DE" sz="4800" dirty="0" err="1">
+                <a:latin typeface="Calibri" panose="020F0502020204030204" pitchFamily="34" charset="0"/>
+                <a:ea typeface="Calibri" panose="020F0502020204030204" pitchFamily="34" charset="0"/>
+                <a:cs typeface="Times New Roman" panose="02020603050405020304" pitchFamily="18" charset="0"/>
+              </a:rPr>
+              <a:t>Loan</a:t>
+            </a:r>
+            <a:endParaRPr lang="de-DE" sz="4800" dirty="0">
+              <a:effectLst/>
+              <a:latin typeface="Calibri" panose="020F0502020204030204" pitchFamily="34" charset="0"/>
+              <a:ea typeface="Calibri" panose="020F0502020204030204" pitchFamily="34" charset="0"/>
+              <a:cs typeface="Times New Roman" panose="02020603050405020304" pitchFamily="18" charset="0"/>
+            </a:endParaRPr>
+          </a:p>
+        </p:txBody>
+      </p:sp>
+      <p:graphicFrame>
+        <p:nvGraphicFramePr>
+          <p:cNvPr id="2" name="Tabelle 1">
+            <a:extLst>
+              <a:ext uri="{FF2B5EF4-FFF2-40B4-BE49-F238E27FC236}">
+                <a16:creationId xmlns:a16="http://schemas.microsoft.com/office/drawing/2014/main" id="{D73CB99E-AACA-44AC-BFA0-6264D72CEC9E}"/>
+              </a:ext>
+            </a:extLst>
+          </p:cNvPr>
+          <p:cNvGraphicFramePr>
+            <a:graphicFrameLocks noGrp="1"/>
+          </p:cNvGraphicFramePr>
+          <p:nvPr>
+            <p:extLst>
+              <p:ext uri="{D42A27DB-BD31-4B8C-83A1-F6EECF244321}">
+                <p14:modId xmlns:p14="http://schemas.microsoft.com/office/powerpoint/2010/main" val="928066213"/>
+              </p:ext>
+            </p:extLst>
+          </p:nvPr>
+        </p:nvGraphicFramePr>
+        <p:xfrm>
+          <a:off x="2066960" y="4039229"/>
+          <a:ext cx="5754370" cy="1950720"/>
+        </p:xfrm>
+        <a:graphic>
+          <a:graphicData uri="http://schemas.openxmlformats.org/drawingml/2006/table">
+            <a:tbl>
+              <a:tblPr firstRow="1" firstCol="1" bandRow="1">
+                <a:tableStyleId>{5C22544A-7EE6-4342-B048-85BDC9FD1C3A}</a:tableStyleId>
+              </a:tblPr>
+              <a:tblGrid>
+                <a:gridCol w="987425">
+                  <a:extLst>
+                    <a:ext uri="{9D8B030D-6E8A-4147-A177-3AD203B41FA5}">
+                      <a16:colId xmlns:a16="http://schemas.microsoft.com/office/drawing/2014/main" val="3183972012"/>
+                    </a:ext>
+                  </a:extLst>
+                </a:gridCol>
+                <a:gridCol w="826135">
+                  <a:extLst>
+                    <a:ext uri="{9D8B030D-6E8A-4147-A177-3AD203B41FA5}">
+                      <a16:colId xmlns:a16="http://schemas.microsoft.com/office/drawing/2014/main" val="674786572"/>
+                    </a:ext>
+                  </a:extLst>
+                </a:gridCol>
+                <a:gridCol w="799465">
+                  <a:extLst>
+                    <a:ext uri="{9D8B030D-6E8A-4147-A177-3AD203B41FA5}">
+                      <a16:colId xmlns:a16="http://schemas.microsoft.com/office/drawing/2014/main" val="2518112683"/>
+                    </a:ext>
+                  </a:extLst>
+                </a:gridCol>
+                <a:gridCol w="859155">
+                  <a:extLst>
+                    <a:ext uri="{9D8B030D-6E8A-4147-A177-3AD203B41FA5}">
+                      <a16:colId xmlns:a16="http://schemas.microsoft.com/office/drawing/2014/main" val="100222530"/>
+                    </a:ext>
+                  </a:extLst>
+                </a:gridCol>
+                <a:gridCol w="1075055">
+                  <a:extLst>
+                    <a:ext uri="{9D8B030D-6E8A-4147-A177-3AD203B41FA5}">
+                      <a16:colId xmlns:a16="http://schemas.microsoft.com/office/drawing/2014/main" val="2078584640"/>
+                    </a:ext>
+                  </a:extLst>
+                </a:gridCol>
+                <a:gridCol w="1207135">
+                  <a:extLst>
+                    <a:ext uri="{9D8B030D-6E8A-4147-A177-3AD203B41FA5}">
+                      <a16:colId xmlns:a16="http://schemas.microsoft.com/office/drawing/2014/main" val="3832289687"/>
+                    </a:ext>
+                  </a:extLst>
+                </a:gridCol>
+              </a:tblGrid>
+              <a:tr h="0">
+                <a:tc>
+                  <a:txBody>
+                    <a:bodyPr/>
+                    <a:lstStyle/>
+                    <a:p>
+                      <a:pPr fontAlgn="auto"/>
+                      <a:r>
+                        <a:rPr lang="en-US" sz="1600" kern="0" dirty="0">
+                          <a:effectLst/>
+                        </a:rPr>
+                        <a:t>Jahre      </a:t>
+                      </a:r>
+                      <a:endParaRPr lang="de-DE" sz="1600" kern="150" dirty="0">
+                        <a:effectLst/>
+                        <a:latin typeface="Liberation Serif"/>
+                        <a:ea typeface="NSimSun" panose="02010609030101010101" pitchFamily="49" charset="-122"/>
+                        <a:cs typeface="Lucida Sans" panose="020B0602030504020204" pitchFamily="34" charset="0"/>
+                      </a:endParaRPr>
+                    </a:p>
+                  </a:txBody>
+                  <a:tcPr marL="68580" marR="68580" marT="0" marB="0"/>
+                </a:tc>
+                <a:tc>
+                  <a:txBody>
+                    <a:bodyPr/>
+                    <a:lstStyle/>
+                    <a:p>
+                      <a:pPr fontAlgn="auto"/>
+                      <a:r>
+                        <a:rPr lang="de-DE" sz="1600" kern="0">
+                          <a:effectLst/>
+                        </a:rPr>
+                        <a:t>Schuld Anfang d.j.in €</a:t>
+                      </a:r>
+                      <a:endParaRPr lang="de-DE" sz="1600" kern="150">
+                        <a:effectLst/>
+                        <a:latin typeface="Liberation Serif"/>
+                        <a:ea typeface="NSimSun" panose="02010609030101010101" pitchFamily="49" charset="-122"/>
+                        <a:cs typeface="Lucida Sans" panose="020B0602030504020204" pitchFamily="34" charset="0"/>
+                      </a:endParaRPr>
+                    </a:p>
+                  </a:txBody>
+                  <a:tcPr marL="68580" marR="68580" marT="0" marB="0"/>
+                </a:tc>
+                <a:tc>
+                  <a:txBody>
+                    <a:bodyPr/>
+                    <a:lstStyle/>
+                    <a:p>
+                      <a:pPr fontAlgn="auto"/>
+                      <a:r>
+                        <a:rPr lang="de-DE" sz="1600" kern="0" dirty="0">
+                          <a:effectLst/>
+                        </a:rPr>
+                        <a:t>Zinsen 5%, p.a.in €</a:t>
+                      </a:r>
+                      <a:endParaRPr lang="de-DE" sz="1600" kern="150" dirty="0">
+                        <a:effectLst/>
+                        <a:latin typeface="Liberation Serif"/>
+                        <a:ea typeface="NSimSun" panose="02010609030101010101" pitchFamily="49" charset="-122"/>
+                        <a:cs typeface="Lucida Sans" panose="020B0602030504020204" pitchFamily="34" charset="0"/>
+                      </a:endParaRPr>
+                    </a:p>
+                  </a:txBody>
+                  <a:tcPr marL="68580" marR="68580" marT="0" marB="0"/>
+                </a:tc>
+                <a:tc>
+                  <a:txBody>
+                    <a:bodyPr/>
+                    <a:lstStyle/>
+                    <a:p>
+                      <a:pPr fontAlgn="auto"/>
+                      <a:r>
+                        <a:rPr lang="de-DE" sz="1600" kern="0">
+                          <a:effectLst/>
+                        </a:rPr>
+                        <a:t>Tilgung Ende d.j.in €</a:t>
+                      </a:r>
+                      <a:endParaRPr lang="de-DE" sz="1600" kern="150">
+                        <a:effectLst/>
+                        <a:latin typeface="Liberation Serif"/>
+                        <a:ea typeface="NSimSun" panose="02010609030101010101" pitchFamily="49" charset="-122"/>
+                        <a:cs typeface="Lucida Sans" panose="020B0602030504020204" pitchFamily="34" charset="0"/>
+                      </a:endParaRPr>
+                    </a:p>
+                  </a:txBody>
+                  <a:tcPr marL="68580" marR="68580" marT="0" marB="0"/>
+                </a:tc>
+                <a:tc>
+                  <a:txBody>
+                    <a:bodyPr/>
+                    <a:lstStyle/>
+                    <a:p>
+                      <a:pPr fontAlgn="auto"/>
+                      <a:r>
+                        <a:rPr lang="de-DE" sz="1600" kern="0">
+                          <a:effectLst/>
+                        </a:rPr>
+                        <a:t>Kreditrate in €</a:t>
+                      </a:r>
+                      <a:endParaRPr lang="de-DE" sz="1600" kern="150">
+                        <a:effectLst/>
+                        <a:latin typeface="Liberation Serif"/>
+                        <a:ea typeface="NSimSun" panose="02010609030101010101" pitchFamily="49" charset="-122"/>
+                        <a:cs typeface="Lucida Sans" panose="020B0602030504020204" pitchFamily="34" charset="0"/>
+                      </a:endParaRPr>
+                    </a:p>
+                  </a:txBody>
+                  <a:tcPr marL="68580" marR="68580" marT="0" marB="0"/>
+                </a:tc>
+                <a:tc>
+                  <a:txBody>
+                    <a:bodyPr/>
+                    <a:lstStyle/>
+                    <a:p>
+                      <a:pPr fontAlgn="auto"/>
+                      <a:r>
+                        <a:rPr lang="de-DE" sz="1600" kern="0">
+                          <a:effectLst/>
+                        </a:rPr>
+                        <a:t>Restschuld Ende d. j. in e</a:t>
+                      </a:r>
+                      <a:endParaRPr lang="de-DE" sz="1600" kern="150">
+                        <a:effectLst/>
+                        <a:latin typeface="Liberation Serif"/>
+                        <a:ea typeface="NSimSun" panose="02010609030101010101" pitchFamily="49" charset="-122"/>
+                        <a:cs typeface="Lucida Sans" panose="020B0602030504020204" pitchFamily="34" charset="0"/>
+                      </a:endParaRPr>
+                    </a:p>
+                  </a:txBody>
+                  <a:tcPr marL="68580" marR="68580" marT="0" marB="0"/>
+                </a:tc>
+                <a:extLst>
+                  <a:ext uri="{0D108BD9-81ED-4DB2-BD59-A6C34878D82A}">
+                    <a16:rowId xmlns:a16="http://schemas.microsoft.com/office/drawing/2014/main" val="3252719838"/>
+                  </a:ext>
+                </a:extLst>
+              </a:tr>
+              <a:tr h="0">
+                <a:tc>
+                  <a:txBody>
+                    <a:bodyPr/>
+                    <a:lstStyle/>
+                    <a:p>
+                      <a:pPr fontAlgn="auto"/>
+                      <a:r>
+                        <a:rPr lang="de-DE" sz="1600" kern="0">
+                          <a:effectLst/>
+                        </a:rPr>
+                        <a:t>1</a:t>
+                      </a:r>
+                      <a:endParaRPr lang="de-DE" sz="1600" kern="150">
+                        <a:effectLst/>
+                        <a:latin typeface="Liberation Serif"/>
+                        <a:ea typeface="NSimSun" panose="02010609030101010101" pitchFamily="49" charset="-122"/>
+                        <a:cs typeface="Lucida Sans" panose="020B0602030504020204" pitchFamily="34" charset="0"/>
+                      </a:endParaRPr>
+                    </a:p>
+                  </a:txBody>
+                  <a:tcPr marL="68580" marR="68580" marT="0" marB="0"/>
+                </a:tc>
+                <a:tc>
+                  <a:txBody>
+                    <a:bodyPr/>
+                    <a:lstStyle/>
+                    <a:p>
+                      <a:pPr fontAlgn="auto"/>
+                      <a:r>
+                        <a:rPr lang="de-DE" sz="1600" kern="0">
+                          <a:effectLst/>
+                        </a:rPr>
+                        <a:t>240.000</a:t>
+                      </a:r>
+                      <a:endParaRPr lang="de-DE" sz="1600" kern="150">
+                        <a:effectLst/>
+                        <a:latin typeface="Liberation Serif"/>
+                        <a:ea typeface="NSimSun" panose="02010609030101010101" pitchFamily="49" charset="-122"/>
+                        <a:cs typeface="Lucida Sans" panose="020B0602030504020204" pitchFamily="34" charset="0"/>
+                      </a:endParaRPr>
+                    </a:p>
+                  </a:txBody>
+                  <a:tcPr marL="68580" marR="68580" marT="0" marB="0"/>
+                </a:tc>
+                <a:tc>
+                  <a:txBody>
+                    <a:bodyPr/>
+                    <a:lstStyle/>
+                    <a:p>
+                      <a:pPr fontAlgn="auto"/>
+                      <a:r>
+                        <a:rPr lang="de-DE" sz="1600" kern="0">
+                          <a:effectLst/>
+                        </a:rPr>
+                        <a:t>12.000</a:t>
+                      </a:r>
+                      <a:endParaRPr lang="de-DE" sz="1600" kern="150">
+                        <a:effectLst/>
+                        <a:latin typeface="Liberation Serif"/>
+                        <a:ea typeface="NSimSun" panose="02010609030101010101" pitchFamily="49" charset="-122"/>
+                        <a:cs typeface="Lucida Sans" panose="020B0602030504020204" pitchFamily="34" charset="0"/>
+                      </a:endParaRPr>
+                    </a:p>
+                  </a:txBody>
+                  <a:tcPr marL="68580" marR="68580" marT="0" marB="0"/>
+                </a:tc>
+                <a:tc>
+                  <a:txBody>
+                    <a:bodyPr/>
+                    <a:lstStyle/>
+                    <a:p>
+                      <a:pPr fontAlgn="auto"/>
+                      <a:r>
+                        <a:rPr lang="de-DE" sz="1600" kern="0">
+                          <a:effectLst/>
+                        </a:rPr>
+                        <a:t>60.000</a:t>
+                      </a:r>
+                      <a:endParaRPr lang="de-DE" sz="1600" kern="150">
+                        <a:effectLst/>
+                        <a:latin typeface="Liberation Serif"/>
+                        <a:ea typeface="NSimSun" panose="02010609030101010101" pitchFamily="49" charset="-122"/>
+                        <a:cs typeface="Lucida Sans" panose="020B0602030504020204" pitchFamily="34" charset="0"/>
+                      </a:endParaRPr>
+                    </a:p>
+                  </a:txBody>
+                  <a:tcPr marL="68580" marR="68580" marT="0" marB="0"/>
+                </a:tc>
+                <a:tc>
+                  <a:txBody>
+                    <a:bodyPr/>
+                    <a:lstStyle/>
+                    <a:p>
+                      <a:pPr fontAlgn="auto"/>
+                      <a:r>
+                        <a:rPr lang="de-DE" sz="1600" kern="0">
+                          <a:effectLst/>
+                        </a:rPr>
+                        <a:t>72.000</a:t>
+                      </a:r>
+                      <a:endParaRPr lang="de-DE" sz="1600" kern="150">
+                        <a:effectLst/>
+                        <a:latin typeface="Liberation Serif"/>
+                        <a:ea typeface="NSimSun" panose="02010609030101010101" pitchFamily="49" charset="-122"/>
+                        <a:cs typeface="Lucida Sans" panose="020B0602030504020204" pitchFamily="34" charset="0"/>
+                      </a:endParaRPr>
+                    </a:p>
+                  </a:txBody>
+                  <a:tcPr marL="68580" marR="68580" marT="0" marB="0"/>
+                </a:tc>
+                <a:tc>
+                  <a:txBody>
+                    <a:bodyPr/>
+                    <a:lstStyle/>
+                    <a:p>
+                      <a:pPr fontAlgn="auto"/>
+                      <a:r>
+                        <a:rPr lang="de-DE" sz="1600" kern="0">
+                          <a:effectLst/>
+                        </a:rPr>
+                        <a:t>180.000</a:t>
+                      </a:r>
+                      <a:endParaRPr lang="de-DE" sz="1600" kern="150">
+                        <a:effectLst/>
+                        <a:latin typeface="Liberation Serif"/>
+                        <a:ea typeface="NSimSun" panose="02010609030101010101" pitchFamily="49" charset="-122"/>
+                        <a:cs typeface="Lucida Sans" panose="020B0602030504020204" pitchFamily="34" charset="0"/>
+                      </a:endParaRPr>
+                    </a:p>
+                  </a:txBody>
+                  <a:tcPr marL="68580" marR="68580" marT="0" marB="0"/>
+                </a:tc>
+                <a:extLst>
+                  <a:ext uri="{0D108BD9-81ED-4DB2-BD59-A6C34878D82A}">
+                    <a16:rowId xmlns:a16="http://schemas.microsoft.com/office/drawing/2014/main" val="1553400021"/>
+                  </a:ext>
+                </a:extLst>
+              </a:tr>
+              <a:tr h="0">
+                <a:tc>
+                  <a:txBody>
+                    <a:bodyPr/>
+                    <a:lstStyle/>
+                    <a:p>
+                      <a:pPr fontAlgn="auto"/>
+                      <a:r>
+                        <a:rPr lang="de-DE" sz="1600" kern="0">
+                          <a:effectLst/>
+                        </a:rPr>
+                        <a:t>2</a:t>
+                      </a:r>
+                      <a:endParaRPr lang="de-DE" sz="1600" kern="150">
+                        <a:effectLst/>
+                        <a:latin typeface="Liberation Serif"/>
+                        <a:ea typeface="NSimSun" panose="02010609030101010101" pitchFamily="49" charset="-122"/>
+                        <a:cs typeface="Lucida Sans" panose="020B0602030504020204" pitchFamily="34" charset="0"/>
+                      </a:endParaRPr>
+                    </a:p>
+                  </a:txBody>
+                  <a:tcPr marL="68580" marR="68580" marT="0" marB="0"/>
+                </a:tc>
+                <a:tc>
+                  <a:txBody>
+                    <a:bodyPr/>
+                    <a:lstStyle/>
+                    <a:p>
+                      <a:pPr fontAlgn="auto"/>
+                      <a:r>
+                        <a:rPr lang="de-DE" sz="1600" kern="0">
+                          <a:effectLst/>
+                        </a:rPr>
+                        <a:t>180.000</a:t>
+                      </a:r>
+                      <a:endParaRPr lang="de-DE" sz="1600" kern="150">
+                        <a:effectLst/>
+                        <a:latin typeface="Liberation Serif"/>
+                        <a:ea typeface="NSimSun" panose="02010609030101010101" pitchFamily="49" charset="-122"/>
+                        <a:cs typeface="Lucida Sans" panose="020B0602030504020204" pitchFamily="34" charset="0"/>
+                      </a:endParaRPr>
+                    </a:p>
+                  </a:txBody>
+                  <a:tcPr marL="68580" marR="68580" marT="0" marB="0"/>
+                </a:tc>
+                <a:tc>
+                  <a:txBody>
+                    <a:bodyPr/>
+                    <a:lstStyle/>
+                    <a:p>
+                      <a:pPr fontAlgn="auto"/>
+                      <a:r>
+                        <a:rPr lang="de-DE" sz="1600" kern="0" dirty="0">
+                          <a:effectLst/>
+                        </a:rPr>
+                        <a:t>9000</a:t>
+                      </a:r>
+                      <a:endParaRPr lang="de-DE" sz="1600" kern="150" dirty="0">
+                        <a:effectLst/>
+                        <a:latin typeface="Liberation Serif"/>
+                        <a:ea typeface="NSimSun" panose="02010609030101010101" pitchFamily="49" charset="-122"/>
+                        <a:cs typeface="Lucida Sans" panose="020B0602030504020204" pitchFamily="34" charset="0"/>
+                      </a:endParaRPr>
+                    </a:p>
+                  </a:txBody>
+                  <a:tcPr marL="68580" marR="68580" marT="0" marB="0"/>
+                </a:tc>
+                <a:tc>
+                  <a:txBody>
+                    <a:bodyPr/>
+                    <a:lstStyle/>
+                    <a:p>
+                      <a:pPr fontAlgn="auto"/>
+                      <a:r>
+                        <a:rPr lang="de-DE" sz="1600" kern="0">
+                          <a:effectLst/>
+                        </a:rPr>
+                        <a:t>60.000</a:t>
+                      </a:r>
+                      <a:endParaRPr lang="de-DE" sz="1600" kern="150">
+                        <a:effectLst/>
+                        <a:latin typeface="Liberation Serif"/>
+                        <a:ea typeface="NSimSun" panose="02010609030101010101" pitchFamily="49" charset="-122"/>
+                        <a:cs typeface="Lucida Sans" panose="020B0602030504020204" pitchFamily="34" charset="0"/>
+                      </a:endParaRPr>
+                    </a:p>
+                  </a:txBody>
+                  <a:tcPr marL="68580" marR="68580" marT="0" marB="0"/>
+                </a:tc>
+                <a:tc>
+                  <a:txBody>
+                    <a:bodyPr/>
+                    <a:lstStyle/>
+                    <a:p>
+                      <a:pPr fontAlgn="auto"/>
+                      <a:r>
+                        <a:rPr lang="de-DE" sz="1600" kern="0">
+                          <a:effectLst/>
+                        </a:rPr>
+                        <a:t>69.000</a:t>
+                      </a:r>
+                      <a:endParaRPr lang="de-DE" sz="1600" kern="150">
+                        <a:effectLst/>
+                        <a:latin typeface="Liberation Serif"/>
+                        <a:ea typeface="NSimSun" panose="02010609030101010101" pitchFamily="49" charset="-122"/>
+                        <a:cs typeface="Lucida Sans" panose="020B0602030504020204" pitchFamily="34" charset="0"/>
+                      </a:endParaRPr>
+                    </a:p>
+                  </a:txBody>
+                  <a:tcPr marL="68580" marR="68580" marT="0" marB="0"/>
+                </a:tc>
+                <a:tc>
+                  <a:txBody>
+                    <a:bodyPr/>
+                    <a:lstStyle/>
+                    <a:p>
+                      <a:pPr fontAlgn="auto"/>
+                      <a:r>
+                        <a:rPr lang="de-DE" sz="1600" kern="0">
+                          <a:effectLst/>
+                        </a:rPr>
+                        <a:t>120.000</a:t>
+                      </a:r>
+                      <a:endParaRPr lang="de-DE" sz="1600" kern="150">
+                        <a:effectLst/>
+                        <a:latin typeface="Liberation Serif"/>
+                        <a:ea typeface="NSimSun" panose="02010609030101010101" pitchFamily="49" charset="-122"/>
+                        <a:cs typeface="Lucida Sans" panose="020B0602030504020204" pitchFamily="34" charset="0"/>
+                      </a:endParaRPr>
+                    </a:p>
+                  </a:txBody>
+                  <a:tcPr marL="68580" marR="68580" marT="0" marB="0"/>
+                </a:tc>
+                <a:extLst>
+                  <a:ext uri="{0D108BD9-81ED-4DB2-BD59-A6C34878D82A}">
+                    <a16:rowId xmlns:a16="http://schemas.microsoft.com/office/drawing/2014/main" val="376394609"/>
+                  </a:ext>
+                </a:extLst>
+              </a:tr>
+              <a:tr h="0">
+                <a:tc>
+                  <a:txBody>
+                    <a:bodyPr/>
+                    <a:lstStyle/>
+                    <a:p>
+                      <a:pPr fontAlgn="auto"/>
+                      <a:r>
+                        <a:rPr lang="de-DE" sz="1600" kern="0">
+                          <a:effectLst/>
+                        </a:rPr>
+                        <a:t>3</a:t>
+                      </a:r>
+                      <a:endParaRPr lang="de-DE" sz="1600" kern="150">
+                        <a:effectLst/>
+                        <a:latin typeface="Liberation Serif"/>
+                        <a:ea typeface="NSimSun" panose="02010609030101010101" pitchFamily="49" charset="-122"/>
+                        <a:cs typeface="Lucida Sans" panose="020B0602030504020204" pitchFamily="34" charset="0"/>
+                      </a:endParaRPr>
+                    </a:p>
+                  </a:txBody>
+                  <a:tcPr marL="68580" marR="68580" marT="0" marB="0"/>
+                </a:tc>
+                <a:tc>
+                  <a:txBody>
+                    <a:bodyPr/>
+                    <a:lstStyle/>
+                    <a:p>
+                      <a:pPr fontAlgn="auto"/>
+                      <a:r>
+                        <a:rPr lang="de-DE" sz="1600" kern="0">
+                          <a:effectLst/>
+                        </a:rPr>
+                        <a:t>120.000</a:t>
+                      </a:r>
+                      <a:endParaRPr lang="de-DE" sz="1600" kern="150">
+                        <a:effectLst/>
+                        <a:latin typeface="Liberation Serif"/>
+                        <a:ea typeface="NSimSun" panose="02010609030101010101" pitchFamily="49" charset="-122"/>
+                        <a:cs typeface="Lucida Sans" panose="020B0602030504020204" pitchFamily="34" charset="0"/>
+                      </a:endParaRPr>
+                    </a:p>
+                  </a:txBody>
+                  <a:tcPr marL="68580" marR="68580" marT="0" marB="0"/>
+                </a:tc>
+                <a:tc>
+                  <a:txBody>
+                    <a:bodyPr/>
+                    <a:lstStyle/>
+                    <a:p>
+                      <a:pPr fontAlgn="auto"/>
+                      <a:r>
+                        <a:rPr lang="de-DE" sz="1600" kern="0">
+                          <a:effectLst/>
+                        </a:rPr>
+                        <a:t>6000</a:t>
+                      </a:r>
+                      <a:endParaRPr lang="de-DE" sz="1600" kern="150">
+                        <a:effectLst/>
+                        <a:latin typeface="Liberation Serif"/>
+                        <a:ea typeface="NSimSun" panose="02010609030101010101" pitchFamily="49" charset="-122"/>
+                        <a:cs typeface="Lucida Sans" panose="020B0602030504020204" pitchFamily="34" charset="0"/>
+                      </a:endParaRPr>
+                    </a:p>
+                  </a:txBody>
+                  <a:tcPr marL="68580" marR="68580" marT="0" marB="0"/>
+                </a:tc>
+                <a:tc>
+                  <a:txBody>
+                    <a:bodyPr/>
+                    <a:lstStyle/>
+                    <a:p>
+                      <a:pPr fontAlgn="auto"/>
+                      <a:r>
+                        <a:rPr lang="de-DE" sz="1600" kern="0">
+                          <a:effectLst/>
+                        </a:rPr>
+                        <a:t>60.000</a:t>
+                      </a:r>
+                      <a:endParaRPr lang="de-DE" sz="1600" kern="150">
+                        <a:effectLst/>
+                        <a:latin typeface="Liberation Serif"/>
+                        <a:ea typeface="NSimSun" panose="02010609030101010101" pitchFamily="49" charset="-122"/>
+                        <a:cs typeface="Lucida Sans" panose="020B0602030504020204" pitchFamily="34" charset="0"/>
+                      </a:endParaRPr>
+                    </a:p>
+                  </a:txBody>
+                  <a:tcPr marL="68580" marR="68580" marT="0" marB="0"/>
+                </a:tc>
+                <a:tc>
+                  <a:txBody>
+                    <a:bodyPr/>
+                    <a:lstStyle/>
+                    <a:p>
+                      <a:pPr fontAlgn="auto"/>
+                      <a:r>
+                        <a:rPr lang="de-DE" sz="1600" kern="0">
+                          <a:effectLst/>
+                        </a:rPr>
+                        <a:t>66.000</a:t>
+                      </a:r>
+                      <a:endParaRPr lang="de-DE" sz="1600" kern="150">
+                        <a:effectLst/>
+                        <a:latin typeface="Liberation Serif"/>
+                        <a:ea typeface="NSimSun" panose="02010609030101010101" pitchFamily="49" charset="-122"/>
+                        <a:cs typeface="Lucida Sans" panose="020B0602030504020204" pitchFamily="34" charset="0"/>
+                      </a:endParaRPr>
+                    </a:p>
+                  </a:txBody>
+                  <a:tcPr marL="68580" marR="68580" marT="0" marB="0"/>
+                </a:tc>
+                <a:tc>
+                  <a:txBody>
+                    <a:bodyPr/>
+                    <a:lstStyle/>
+                    <a:p>
+                      <a:pPr fontAlgn="auto"/>
+                      <a:r>
+                        <a:rPr lang="de-DE" sz="1600" kern="0">
+                          <a:effectLst/>
+                        </a:rPr>
+                        <a:t>60.000</a:t>
+                      </a:r>
+                      <a:endParaRPr lang="de-DE" sz="1600" kern="150">
+                        <a:effectLst/>
+                        <a:latin typeface="Liberation Serif"/>
+                        <a:ea typeface="NSimSun" panose="02010609030101010101" pitchFamily="49" charset="-122"/>
+                        <a:cs typeface="Lucida Sans" panose="020B0602030504020204" pitchFamily="34" charset="0"/>
+                      </a:endParaRPr>
+                    </a:p>
+                  </a:txBody>
+                  <a:tcPr marL="68580" marR="68580" marT="0" marB="0"/>
+                </a:tc>
+                <a:extLst>
+                  <a:ext uri="{0D108BD9-81ED-4DB2-BD59-A6C34878D82A}">
+                    <a16:rowId xmlns:a16="http://schemas.microsoft.com/office/drawing/2014/main" val="2380637735"/>
+                  </a:ext>
+                </a:extLst>
+              </a:tr>
+              <a:tr h="0">
+                <a:tc>
+                  <a:txBody>
+                    <a:bodyPr/>
+                    <a:lstStyle/>
+                    <a:p>
+                      <a:pPr fontAlgn="auto"/>
+                      <a:r>
+                        <a:rPr lang="de-DE" sz="1600" kern="0">
+                          <a:effectLst/>
+                        </a:rPr>
+                        <a:t>4</a:t>
+                      </a:r>
+                      <a:endParaRPr lang="de-DE" sz="1600" kern="150">
+                        <a:effectLst/>
+                        <a:latin typeface="Liberation Serif"/>
+                        <a:ea typeface="NSimSun" panose="02010609030101010101" pitchFamily="49" charset="-122"/>
+                        <a:cs typeface="Lucida Sans" panose="020B0602030504020204" pitchFamily="34" charset="0"/>
+                      </a:endParaRPr>
+                    </a:p>
+                  </a:txBody>
+                  <a:tcPr marL="68580" marR="68580" marT="0" marB="0"/>
+                </a:tc>
+                <a:tc>
+                  <a:txBody>
+                    <a:bodyPr/>
+                    <a:lstStyle/>
+                    <a:p>
+                      <a:pPr fontAlgn="auto"/>
+                      <a:r>
+                        <a:rPr lang="de-DE" sz="1600" kern="0">
+                          <a:effectLst/>
+                        </a:rPr>
+                        <a:t>60.000</a:t>
+                      </a:r>
+                      <a:endParaRPr lang="de-DE" sz="1600" kern="150">
+                        <a:effectLst/>
+                        <a:latin typeface="Liberation Serif"/>
+                        <a:ea typeface="NSimSun" panose="02010609030101010101" pitchFamily="49" charset="-122"/>
+                        <a:cs typeface="Lucida Sans" panose="020B0602030504020204" pitchFamily="34" charset="0"/>
+                      </a:endParaRPr>
+                    </a:p>
+                  </a:txBody>
+                  <a:tcPr marL="68580" marR="68580" marT="0" marB="0"/>
+                </a:tc>
+                <a:tc>
+                  <a:txBody>
+                    <a:bodyPr/>
+                    <a:lstStyle/>
+                    <a:p>
+                      <a:pPr fontAlgn="auto"/>
+                      <a:r>
+                        <a:rPr lang="de-DE" sz="1600" kern="0">
+                          <a:effectLst/>
+                        </a:rPr>
+                        <a:t>3000</a:t>
+                      </a:r>
+                      <a:endParaRPr lang="de-DE" sz="1600" kern="150">
+                        <a:effectLst/>
+                        <a:latin typeface="Liberation Serif"/>
+                        <a:ea typeface="NSimSun" panose="02010609030101010101" pitchFamily="49" charset="-122"/>
+                        <a:cs typeface="Lucida Sans" panose="020B0602030504020204" pitchFamily="34" charset="0"/>
+                      </a:endParaRPr>
+                    </a:p>
+                  </a:txBody>
+                  <a:tcPr marL="68580" marR="68580" marT="0" marB="0"/>
+                </a:tc>
+                <a:tc>
+                  <a:txBody>
+                    <a:bodyPr/>
+                    <a:lstStyle/>
+                    <a:p>
+                      <a:pPr fontAlgn="auto"/>
+                      <a:r>
+                        <a:rPr lang="de-DE" sz="1600" kern="0">
+                          <a:effectLst/>
+                        </a:rPr>
+                        <a:t>60.000</a:t>
+                      </a:r>
+                      <a:endParaRPr lang="de-DE" sz="1600" kern="150">
+                        <a:effectLst/>
+                        <a:latin typeface="Liberation Serif"/>
+                        <a:ea typeface="NSimSun" panose="02010609030101010101" pitchFamily="49" charset="-122"/>
+                        <a:cs typeface="Lucida Sans" panose="020B0602030504020204" pitchFamily="34" charset="0"/>
+                      </a:endParaRPr>
+                    </a:p>
+                  </a:txBody>
+                  <a:tcPr marL="68580" marR="68580" marT="0" marB="0"/>
+                </a:tc>
+                <a:tc>
+                  <a:txBody>
+                    <a:bodyPr/>
+                    <a:lstStyle/>
+                    <a:p>
+                      <a:pPr fontAlgn="auto"/>
+                      <a:r>
+                        <a:rPr lang="de-DE" sz="1600" kern="0">
+                          <a:effectLst/>
+                        </a:rPr>
+                        <a:t>63.000</a:t>
+                      </a:r>
+                      <a:endParaRPr lang="de-DE" sz="1600" kern="150">
+                        <a:effectLst/>
+                        <a:latin typeface="Liberation Serif"/>
+                        <a:ea typeface="NSimSun" panose="02010609030101010101" pitchFamily="49" charset="-122"/>
+                        <a:cs typeface="Lucida Sans" panose="020B0602030504020204" pitchFamily="34" charset="0"/>
+                      </a:endParaRPr>
+                    </a:p>
+                  </a:txBody>
+                  <a:tcPr marL="68580" marR="68580" marT="0" marB="0"/>
+                </a:tc>
+                <a:tc>
+                  <a:txBody>
+                    <a:bodyPr/>
+                    <a:lstStyle/>
+                    <a:p>
+                      <a:pPr fontAlgn="auto"/>
+                      <a:r>
+                        <a:rPr lang="de-DE" sz="1600" kern="0">
+                          <a:effectLst/>
+                        </a:rPr>
+                        <a:t>0</a:t>
+                      </a:r>
+                      <a:endParaRPr lang="de-DE" sz="1600" kern="150">
+                        <a:effectLst/>
+                        <a:latin typeface="Liberation Serif"/>
+                        <a:ea typeface="NSimSun" panose="02010609030101010101" pitchFamily="49" charset="-122"/>
+                        <a:cs typeface="Lucida Sans" panose="020B0602030504020204" pitchFamily="34" charset="0"/>
+                      </a:endParaRPr>
+                    </a:p>
+                  </a:txBody>
+                  <a:tcPr marL="68580" marR="68580" marT="0" marB="0"/>
+                </a:tc>
+                <a:extLst>
+                  <a:ext uri="{0D108BD9-81ED-4DB2-BD59-A6C34878D82A}">
+                    <a16:rowId xmlns:a16="http://schemas.microsoft.com/office/drawing/2014/main" val="4057195810"/>
+                  </a:ext>
+                </a:extLst>
+              </a:tr>
+              <a:tr h="0">
+                <a:tc>
+                  <a:txBody>
+                    <a:bodyPr/>
+                    <a:lstStyle/>
+                    <a:p>
+                      <a:pPr fontAlgn="auto"/>
+                      <a:r>
+                        <a:rPr lang="de-DE" sz="1600" kern="0">
+                          <a:effectLst/>
+                        </a:rPr>
+                        <a:t>Gesamt</a:t>
+                      </a:r>
+                      <a:endParaRPr lang="de-DE" sz="1600" kern="150">
+                        <a:effectLst/>
+                        <a:latin typeface="Liberation Serif"/>
+                        <a:ea typeface="NSimSun" panose="02010609030101010101" pitchFamily="49" charset="-122"/>
+                        <a:cs typeface="Lucida Sans" panose="020B0602030504020204" pitchFamily="34" charset="0"/>
+                      </a:endParaRPr>
+                    </a:p>
+                  </a:txBody>
+                  <a:tcPr marL="68580" marR="68580" marT="0" marB="0"/>
+                </a:tc>
+                <a:tc>
+                  <a:txBody>
+                    <a:bodyPr/>
+                    <a:lstStyle/>
+                    <a:p>
+                      <a:pPr fontAlgn="auto"/>
+                      <a:r>
+                        <a:rPr lang="de-DE" sz="1600" kern="0">
+                          <a:effectLst/>
+                        </a:rPr>
+                        <a:t> </a:t>
+                      </a:r>
+                      <a:endParaRPr lang="de-DE" sz="1600" kern="150">
+                        <a:effectLst/>
+                        <a:latin typeface="Liberation Serif"/>
+                        <a:ea typeface="NSimSun" panose="02010609030101010101" pitchFamily="49" charset="-122"/>
+                        <a:cs typeface="Lucida Sans" panose="020B0602030504020204" pitchFamily="34" charset="0"/>
+                      </a:endParaRPr>
+                    </a:p>
+                  </a:txBody>
+                  <a:tcPr marL="68580" marR="68580" marT="0" marB="0"/>
+                </a:tc>
+                <a:tc>
+                  <a:txBody>
+                    <a:bodyPr/>
+                    <a:lstStyle/>
+                    <a:p>
+                      <a:pPr fontAlgn="auto"/>
+                      <a:r>
+                        <a:rPr lang="de-DE" sz="1600" kern="0">
+                          <a:effectLst/>
+                        </a:rPr>
+                        <a:t>30.000</a:t>
+                      </a:r>
+                      <a:endParaRPr lang="de-DE" sz="1600" kern="150">
+                        <a:effectLst/>
+                        <a:latin typeface="Liberation Serif"/>
+                        <a:ea typeface="NSimSun" panose="02010609030101010101" pitchFamily="49" charset="-122"/>
+                        <a:cs typeface="Lucida Sans" panose="020B0602030504020204" pitchFamily="34" charset="0"/>
+                      </a:endParaRPr>
+                    </a:p>
+                  </a:txBody>
+                  <a:tcPr marL="68580" marR="68580" marT="0" marB="0"/>
+                </a:tc>
+                <a:tc>
+                  <a:txBody>
+                    <a:bodyPr/>
+                    <a:lstStyle/>
+                    <a:p>
+                      <a:pPr fontAlgn="auto"/>
+                      <a:r>
+                        <a:rPr lang="de-DE" sz="1600" kern="0">
+                          <a:effectLst/>
+                        </a:rPr>
+                        <a:t>240000</a:t>
+                      </a:r>
+                      <a:endParaRPr lang="de-DE" sz="1600" kern="150">
+                        <a:effectLst/>
+                        <a:latin typeface="Liberation Serif"/>
+                        <a:ea typeface="NSimSun" panose="02010609030101010101" pitchFamily="49" charset="-122"/>
+                        <a:cs typeface="Lucida Sans" panose="020B0602030504020204" pitchFamily="34" charset="0"/>
+                      </a:endParaRPr>
+                    </a:p>
+                  </a:txBody>
+                  <a:tcPr marL="68580" marR="68580" marT="0" marB="0"/>
+                </a:tc>
+                <a:tc>
+                  <a:txBody>
+                    <a:bodyPr/>
+                    <a:lstStyle/>
+                    <a:p>
+                      <a:pPr fontAlgn="auto"/>
+                      <a:r>
+                        <a:rPr lang="de-DE" sz="1600" kern="0">
+                          <a:effectLst/>
+                        </a:rPr>
+                        <a:t>270000</a:t>
+                      </a:r>
+                      <a:endParaRPr lang="de-DE" sz="1600" kern="150">
+                        <a:effectLst/>
+                        <a:latin typeface="Liberation Serif"/>
+                        <a:ea typeface="NSimSun" panose="02010609030101010101" pitchFamily="49" charset="-122"/>
+                        <a:cs typeface="Lucida Sans" panose="020B0602030504020204" pitchFamily="34" charset="0"/>
+                      </a:endParaRPr>
+                    </a:p>
+                  </a:txBody>
+                  <a:tcPr marL="68580" marR="68580" marT="0" marB="0"/>
+                </a:tc>
+                <a:tc>
+                  <a:txBody>
+                    <a:bodyPr/>
+                    <a:lstStyle/>
+                    <a:p>
+                      <a:pPr fontAlgn="auto"/>
+                      <a:r>
+                        <a:rPr lang="de-DE" sz="1600" kern="0" dirty="0">
+                          <a:effectLst/>
+                        </a:rPr>
+                        <a:t> </a:t>
+                      </a:r>
+                      <a:endParaRPr lang="de-DE" sz="1600" kern="150" dirty="0">
+                        <a:effectLst/>
+                        <a:latin typeface="Liberation Serif"/>
+                        <a:ea typeface="NSimSun" panose="02010609030101010101" pitchFamily="49" charset="-122"/>
+                        <a:cs typeface="Lucida Sans" panose="020B0602030504020204" pitchFamily="34" charset="0"/>
+                      </a:endParaRPr>
+                    </a:p>
+                  </a:txBody>
+                  <a:tcPr marL="68580" marR="68580" marT="0" marB="0"/>
+                </a:tc>
+                <a:extLst>
+                  <a:ext uri="{0D108BD9-81ED-4DB2-BD59-A6C34878D82A}">
+                    <a16:rowId xmlns:a16="http://schemas.microsoft.com/office/drawing/2014/main" val="685662207"/>
+                  </a:ext>
+                </a:extLst>
+              </a:tr>
+            </a:tbl>
+          </a:graphicData>
+        </a:graphic>
+      </p:graphicFrame>
+      <p:graphicFrame>
+        <p:nvGraphicFramePr>
+          <p:cNvPr id="3" name="Tabelle 2">
+            <a:extLst>
+              <a:ext uri="{FF2B5EF4-FFF2-40B4-BE49-F238E27FC236}">
+                <a16:creationId xmlns:a16="http://schemas.microsoft.com/office/drawing/2014/main" id="{D1771F1B-8F40-49B4-A41A-51978401E2CA}"/>
+              </a:ext>
+            </a:extLst>
+          </p:cNvPr>
+          <p:cNvGraphicFramePr>
+            <a:graphicFrameLocks noGrp="1"/>
+          </p:cNvGraphicFramePr>
+          <p:nvPr>
+            <p:extLst>
+              <p:ext uri="{D42A27DB-BD31-4B8C-83A1-F6EECF244321}">
+                <p14:modId xmlns:p14="http://schemas.microsoft.com/office/powerpoint/2010/main" val="1532866485"/>
+              </p:ext>
+            </p:extLst>
+          </p:nvPr>
+        </p:nvGraphicFramePr>
+        <p:xfrm>
+          <a:off x="575444" y="1004446"/>
+          <a:ext cx="5095874" cy="2194560"/>
+        </p:xfrm>
+        <a:graphic>
+          <a:graphicData uri="http://schemas.openxmlformats.org/drawingml/2006/table">
+            <a:tbl>
+              <a:tblPr firstRow="1" firstCol="1" bandRow="1">
+                <a:tableStyleId>{5C22544A-7EE6-4342-B048-85BDC9FD1C3A}</a:tableStyleId>
+              </a:tblPr>
+              <a:tblGrid>
+                <a:gridCol w="1273547">
+                  <a:extLst>
+                    <a:ext uri="{9D8B030D-6E8A-4147-A177-3AD203B41FA5}">
+                      <a16:colId xmlns:a16="http://schemas.microsoft.com/office/drawing/2014/main" val="538163347"/>
+                    </a:ext>
+                  </a:extLst>
+                </a:gridCol>
+                <a:gridCol w="1273547">
+                  <a:extLst>
+                    <a:ext uri="{9D8B030D-6E8A-4147-A177-3AD203B41FA5}">
+                      <a16:colId xmlns:a16="http://schemas.microsoft.com/office/drawing/2014/main" val="1510757790"/>
+                    </a:ext>
+                  </a:extLst>
+                </a:gridCol>
+                <a:gridCol w="1274390">
+                  <a:extLst>
+                    <a:ext uri="{9D8B030D-6E8A-4147-A177-3AD203B41FA5}">
+                      <a16:colId xmlns:a16="http://schemas.microsoft.com/office/drawing/2014/main" val="381087093"/>
+                    </a:ext>
+                  </a:extLst>
+                </a:gridCol>
+                <a:gridCol w="1274390">
+                  <a:extLst>
+                    <a:ext uri="{9D8B030D-6E8A-4147-A177-3AD203B41FA5}">
+                      <a16:colId xmlns:a16="http://schemas.microsoft.com/office/drawing/2014/main" val="2913887891"/>
+                    </a:ext>
+                  </a:extLst>
+                </a:gridCol>
+              </a:tblGrid>
+              <a:tr h="726658">
+                <a:tc>
+                  <a:txBody>
+                    <a:bodyPr/>
+                    <a:lstStyle/>
+                    <a:p>
+                      <a:pPr fontAlgn="auto"/>
+                      <a:r>
+                        <a:rPr lang="de-DE" sz="1600" kern="0" dirty="0">
+                          <a:effectLst/>
+                        </a:rPr>
+                        <a:t>Jahre</a:t>
+                      </a:r>
+                      <a:endParaRPr lang="de-DE" sz="1600" kern="150" dirty="0">
+                        <a:effectLst/>
+                        <a:latin typeface="Liberation Serif"/>
+                        <a:ea typeface="NSimSun" panose="02010609030101010101" pitchFamily="49" charset="-122"/>
+                        <a:cs typeface="Lucida Sans" panose="020B0602030504020204" pitchFamily="34" charset="0"/>
+                      </a:endParaRPr>
+                    </a:p>
+                  </a:txBody>
+                  <a:tcPr marL="68580" marR="68580" marT="0" marB="0"/>
+                </a:tc>
+                <a:tc>
+                  <a:txBody>
+                    <a:bodyPr/>
+                    <a:lstStyle/>
+                    <a:p>
+                      <a:pPr fontAlgn="auto"/>
+                      <a:r>
+                        <a:rPr lang="de-DE" sz="1600" kern="0">
+                          <a:effectLst/>
+                        </a:rPr>
+                        <a:t>Leasingrate in €</a:t>
+                      </a:r>
+                      <a:endParaRPr lang="de-DE" sz="1600" kern="150">
+                        <a:effectLst/>
+                        <a:latin typeface="Liberation Serif"/>
+                        <a:ea typeface="NSimSun" panose="02010609030101010101" pitchFamily="49" charset="-122"/>
+                        <a:cs typeface="Lucida Sans" panose="020B0602030504020204" pitchFamily="34" charset="0"/>
+                      </a:endParaRPr>
+                    </a:p>
+                  </a:txBody>
+                  <a:tcPr marL="68580" marR="68580" marT="0" marB="0"/>
+                </a:tc>
+                <a:tc>
+                  <a:txBody>
+                    <a:bodyPr/>
+                    <a:lstStyle/>
+                    <a:p>
+                      <a:pPr fontAlgn="auto"/>
+                      <a:r>
+                        <a:rPr lang="de-DE" sz="1600" kern="0">
+                          <a:effectLst/>
+                        </a:rPr>
+                        <a:t>Restwert</a:t>
+                      </a:r>
+                      <a:endParaRPr lang="de-DE" sz="1600" kern="150">
+                        <a:effectLst/>
+                      </a:endParaRPr>
+                    </a:p>
+                    <a:p>
+                      <a:pPr fontAlgn="auto"/>
+                      <a:r>
+                        <a:rPr lang="de-DE" sz="1600" kern="0">
+                          <a:effectLst/>
+                        </a:rPr>
+                        <a:t>Nach 4 Jahre</a:t>
+                      </a:r>
+                      <a:endParaRPr lang="de-DE" sz="1600" kern="150">
+                        <a:effectLst/>
+                        <a:latin typeface="Liberation Serif"/>
+                        <a:ea typeface="NSimSun" panose="02010609030101010101" pitchFamily="49" charset="-122"/>
+                        <a:cs typeface="Lucida Sans" panose="020B0602030504020204" pitchFamily="34" charset="0"/>
+                      </a:endParaRPr>
+                    </a:p>
+                  </a:txBody>
+                  <a:tcPr marL="68580" marR="68580" marT="0" marB="0"/>
+                </a:tc>
+                <a:tc>
+                  <a:txBody>
+                    <a:bodyPr/>
+                    <a:lstStyle/>
+                    <a:p>
+                      <a:pPr fontAlgn="auto"/>
+                      <a:r>
+                        <a:rPr lang="de-DE" sz="1600" kern="0" dirty="0">
+                          <a:effectLst/>
+                        </a:rPr>
+                        <a:t>Gesamte</a:t>
+                      </a:r>
+                      <a:endParaRPr lang="de-DE" sz="1600" kern="150" dirty="0">
+                        <a:effectLst/>
+                      </a:endParaRPr>
+                    </a:p>
+                    <a:p>
+                      <a:pPr fontAlgn="auto"/>
+                      <a:r>
+                        <a:rPr lang="de-DE" sz="1600" kern="0" dirty="0">
+                          <a:effectLst/>
+                        </a:rPr>
+                        <a:t>Leasingkosten in €</a:t>
+                      </a:r>
+                      <a:endParaRPr lang="de-DE" sz="1600" kern="150" dirty="0">
+                        <a:effectLst/>
+                        <a:latin typeface="Liberation Serif"/>
+                        <a:ea typeface="NSimSun" panose="02010609030101010101" pitchFamily="49" charset="-122"/>
+                        <a:cs typeface="Lucida Sans" panose="020B0602030504020204" pitchFamily="34" charset="0"/>
+                      </a:endParaRPr>
+                    </a:p>
+                  </a:txBody>
+                  <a:tcPr marL="68580" marR="68580" marT="0" marB="0"/>
+                </a:tc>
+                <a:extLst>
+                  <a:ext uri="{0D108BD9-81ED-4DB2-BD59-A6C34878D82A}">
+                    <a16:rowId xmlns:a16="http://schemas.microsoft.com/office/drawing/2014/main" val="422626996"/>
+                  </a:ext>
+                </a:extLst>
+              </a:tr>
+              <a:tr h="242219">
+                <a:tc>
+                  <a:txBody>
+                    <a:bodyPr/>
+                    <a:lstStyle/>
+                    <a:p>
+                      <a:pPr fontAlgn="auto"/>
+                      <a:r>
+                        <a:rPr lang="de-DE" sz="1600" kern="0">
+                          <a:effectLst/>
+                        </a:rPr>
+                        <a:t>1</a:t>
+                      </a:r>
+                      <a:endParaRPr lang="de-DE" sz="1600" kern="150">
+                        <a:effectLst/>
+                        <a:latin typeface="Liberation Serif"/>
+                        <a:ea typeface="NSimSun" panose="02010609030101010101" pitchFamily="49" charset="-122"/>
+                        <a:cs typeface="Lucida Sans" panose="020B0602030504020204" pitchFamily="34" charset="0"/>
+                      </a:endParaRPr>
+                    </a:p>
+                  </a:txBody>
+                  <a:tcPr marL="68580" marR="68580" marT="0" marB="0"/>
+                </a:tc>
+                <a:tc>
+                  <a:txBody>
+                    <a:bodyPr/>
+                    <a:lstStyle/>
+                    <a:p>
+                      <a:pPr fontAlgn="auto"/>
+                      <a:r>
+                        <a:rPr lang="de-DE" sz="1600" kern="0">
+                          <a:effectLst/>
+                        </a:rPr>
+                        <a:t>72.000</a:t>
+                      </a:r>
+                      <a:endParaRPr lang="de-DE" sz="1600" kern="150">
+                        <a:effectLst/>
+                        <a:latin typeface="Liberation Serif"/>
+                        <a:ea typeface="NSimSun" panose="02010609030101010101" pitchFamily="49" charset="-122"/>
+                        <a:cs typeface="Lucida Sans" panose="020B0602030504020204" pitchFamily="34" charset="0"/>
+                      </a:endParaRPr>
+                    </a:p>
+                  </a:txBody>
+                  <a:tcPr marL="68580" marR="68580" marT="0" marB="0"/>
+                </a:tc>
+                <a:tc>
+                  <a:txBody>
+                    <a:bodyPr/>
+                    <a:lstStyle/>
+                    <a:p>
+                      <a:pPr fontAlgn="auto"/>
+                      <a:r>
+                        <a:rPr lang="de-DE" sz="1600" kern="0">
+                          <a:effectLst/>
+                        </a:rPr>
+                        <a:t>304.000</a:t>
+                      </a:r>
+                      <a:endParaRPr lang="de-DE" sz="1600" kern="150">
+                        <a:effectLst/>
+                        <a:latin typeface="Liberation Serif"/>
+                        <a:ea typeface="NSimSun" panose="02010609030101010101" pitchFamily="49" charset="-122"/>
+                        <a:cs typeface="Lucida Sans" panose="020B0602030504020204" pitchFamily="34" charset="0"/>
+                      </a:endParaRPr>
+                    </a:p>
+                  </a:txBody>
+                  <a:tcPr marL="68580" marR="68580" marT="0" marB="0"/>
+                </a:tc>
+                <a:tc>
+                  <a:txBody>
+                    <a:bodyPr/>
+                    <a:lstStyle/>
+                    <a:p>
+                      <a:pPr fontAlgn="auto"/>
+                      <a:r>
+                        <a:rPr lang="de-DE" sz="1600" kern="0">
+                          <a:effectLst/>
+                        </a:rPr>
+                        <a:t>232.000</a:t>
+                      </a:r>
+                      <a:endParaRPr lang="de-DE" sz="1600" kern="150">
+                        <a:effectLst/>
+                        <a:latin typeface="Liberation Serif"/>
+                        <a:ea typeface="NSimSun" panose="02010609030101010101" pitchFamily="49" charset="-122"/>
+                        <a:cs typeface="Lucida Sans" panose="020B0602030504020204" pitchFamily="34" charset="0"/>
+                      </a:endParaRPr>
+                    </a:p>
+                  </a:txBody>
+                  <a:tcPr marL="68580" marR="68580" marT="0" marB="0"/>
+                </a:tc>
+                <a:extLst>
+                  <a:ext uri="{0D108BD9-81ED-4DB2-BD59-A6C34878D82A}">
+                    <a16:rowId xmlns:a16="http://schemas.microsoft.com/office/drawing/2014/main" val="1223752105"/>
+                  </a:ext>
+                </a:extLst>
+              </a:tr>
+              <a:tr h="242219">
+                <a:tc>
+                  <a:txBody>
+                    <a:bodyPr/>
+                    <a:lstStyle/>
+                    <a:p>
+                      <a:pPr fontAlgn="auto"/>
+                      <a:r>
+                        <a:rPr lang="de-DE" sz="1600" kern="0">
+                          <a:effectLst/>
+                        </a:rPr>
+                        <a:t>2</a:t>
+                      </a:r>
+                      <a:endParaRPr lang="de-DE" sz="1600" kern="150">
+                        <a:effectLst/>
+                        <a:latin typeface="Liberation Serif"/>
+                        <a:ea typeface="NSimSun" panose="02010609030101010101" pitchFamily="49" charset="-122"/>
+                        <a:cs typeface="Lucida Sans" panose="020B0602030504020204" pitchFamily="34" charset="0"/>
+                      </a:endParaRPr>
+                    </a:p>
+                  </a:txBody>
+                  <a:tcPr marL="68580" marR="68580" marT="0" marB="0"/>
+                </a:tc>
+                <a:tc>
+                  <a:txBody>
+                    <a:bodyPr/>
+                    <a:lstStyle/>
+                    <a:p>
+                      <a:pPr fontAlgn="auto"/>
+                      <a:r>
+                        <a:rPr lang="de-DE" sz="1600" kern="0">
+                          <a:effectLst/>
+                        </a:rPr>
+                        <a:t>72.000</a:t>
+                      </a:r>
+                      <a:endParaRPr lang="de-DE" sz="1600" kern="150">
+                        <a:effectLst/>
+                        <a:latin typeface="Liberation Serif"/>
+                        <a:ea typeface="NSimSun" panose="02010609030101010101" pitchFamily="49" charset="-122"/>
+                        <a:cs typeface="Lucida Sans" panose="020B0602030504020204" pitchFamily="34" charset="0"/>
+                      </a:endParaRPr>
+                    </a:p>
+                  </a:txBody>
+                  <a:tcPr marL="68580" marR="68580" marT="0" marB="0"/>
+                </a:tc>
+                <a:tc>
+                  <a:txBody>
+                    <a:bodyPr/>
+                    <a:lstStyle/>
+                    <a:p>
+                      <a:pPr fontAlgn="auto"/>
+                      <a:r>
+                        <a:rPr lang="de-DE" sz="1600" kern="0">
+                          <a:effectLst/>
+                        </a:rPr>
+                        <a:t>232.000</a:t>
+                      </a:r>
+                      <a:endParaRPr lang="de-DE" sz="1600" kern="150">
+                        <a:effectLst/>
+                        <a:latin typeface="Liberation Serif"/>
+                        <a:ea typeface="NSimSun" panose="02010609030101010101" pitchFamily="49" charset="-122"/>
+                        <a:cs typeface="Lucida Sans" panose="020B0602030504020204" pitchFamily="34" charset="0"/>
+                      </a:endParaRPr>
+                    </a:p>
+                  </a:txBody>
+                  <a:tcPr marL="68580" marR="68580" marT="0" marB="0"/>
+                </a:tc>
+                <a:tc>
+                  <a:txBody>
+                    <a:bodyPr/>
+                    <a:lstStyle/>
+                    <a:p>
+                      <a:pPr fontAlgn="auto"/>
+                      <a:r>
+                        <a:rPr lang="de-DE" sz="1600" kern="0">
+                          <a:effectLst/>
+                        </a:rPr>
+                        <a:t>160.000</a:t>
+                      </a:r>
+                      <a:endParaRPr lang="de-DE" sz="1600" kern="150">
+                        <a:effectLst/>
+                        <a:latin typeface="Liberation Serif"/>
+                        <a:ea typeface="NSimSun" panose="02010609030101010101" pitchFamily="49" charset="-122"/>
+                        <a:cs typeface="Lucida Sans" panose="020B0602030504020204" pitchFamily="34" charset="0"/>
+                      </a:endParaRPr>
+                    </a:p>
+                  </a:txBody>
+                  <a:tcPr marL="68580" marR="68580" marT="0" marB="0"/>
+                </a:tc>
+                <a:extLst>
+                  <a:ext uri="{0D108BD9-81ED-4DB2-BD59-A6C34878D82A}">
+                    <a16:rowId xmlns:a16="http://schemas.microsoft.com/office/drawing/2014/main" val="1993142711"/>
+                  </a:ext>
+                </a:extLst>
+              </a:tr>
+              <a:tr h="242219">
+                <a:tc>
+                  <a:txBody>
+                    <a:bodyPr/>
+                    <a:lstStyle/>
+                    <a:p>
+                      <a:pPr fontAlgn="auto"/>
+                      <a:r>
+                        <a:rPr lang="de-DE" sz="1600" kern="0">
+                          <a:effectLst/>
+                        </a:rPr>
+                        <a:t>3</a:t>
+                      </a:r>
+                      <a:endParaRPr lang="de-DE" sz="1600" kern="150">
+                        <a:effectLst/>
+                        <a:latin typeface="Liberation Serif"/>
+                        <a:ea typeface="NSimSun" panose="02010609030101010101" pitchFamily="49" charset="-122"/>
+                        <a:cs typeface="Lucida Sans" panose="020B0602030504020204" pitchFamily="34" charset="0"/>
+                      </a:endParaRPr>
+                    </a:p>
+                  </a:txBody>
+                  <a:tcPr marL="68580" marR="68580" marT="0" marB="0"/>
+                </a:tc>
+                <a:tc>
+                  <a:txBody>
+                    <a:bodyPr/>
+                    <a:lstStyle/>
+                    <a:p>
+                      <a:pPr fontAlgn="auto"/>
+                      <a:r>
+                        <a:rPr lang="de-DE" sz="1600" kern="0">
+                          <a:effectLst/>
+                        </a:rPr>
+                        <a:t>72.000</a:t>
+                      </a:r>
+                      <a:endParaRPr lang="de-DE" sz="1600" kern="150">
+                        <a:effectLst/>
+                        <a:latin typeface="Liberation Serif"/>
+                        <a:ea typeface="NSimSun" panose="02010609030101010101" pitchFamily="49" charset="-122"/>
+                        <a:cs typeface="Lucida Sans" panose="020B0602030504020204" pitchFamily="34" charset="0"/>
+                      </a:endParaRPr>
+                    </a:p>
+                  </a:txBody>
+                  <a:tcPr marL="68580" marR="68580" marT="0" marB="0"/>
+                </a:tc>
+                <a:tc>
+                  <a:txBody>
+                    <a:bodyPr/>
+                    <a:lstStyle/>
+                    <a:p>
+                      <a:pPr fontAlgn="auto"/>
+                      <a:r>
+                        <a:rPr lang="de-DE" sz="1600" kern="0">
+                          <a:effectLst/>
+                        </a:rPr>
+                        <a:t>160.000</a:t>
+                      </a:r>
+                      <a:endParaRPr lang="de-DE" sz="1600" kern="150">
+                        <a:effectLst/>
+                        <a:latin typeface="Liberation Serif"/>
+                        <a:ea typeface="NSimSun" panose="02010609030101010101" pitchFamily="49" charset="-122"/>
+                        <a:cs typeface="Lucida Sans" panose="020B0602030504020204" pitchFamily="34" charset="0"/>
+                      </a:endParaRPr>
+                    </a:p>
+                  </a:txBody>
+                  <a:tcPr marL="68580" marR="68580" marT="0" marB="0"/>
+                </a:tc>
+                <a:tc>
+                  <a:txBody>
+                    <a:bodyPr/>
+                    <a:lstStyle/>
+                    <a:p>
+                      <a:pPr fontAlgn="auto"/>
+                      <a:r>
+                        <a:rPr lang="de-DE" sz="1600" kern="0">
+                          <a:effectLst/>
+                        </a:rPr>
+                        <a:t>88.000</a:t>
+                      </a:r>
+                      <a:endParaRPr lang="de-DE" sz="1600" kern="150">
+                        <a:effectLst/>
+                        <a:latin typeface="Liberation Serif"/>
+                        <a:ea typeface="NSimSun" panose="02010609030101010101" pitchFamily="49" charset="-122"/>
+                        <a:cs typeface="Lucida Sans" panose="020B0602030504020204" pitchFamily="34" charset="0"/>
+                      </a:endParaRPr>
+                    </a:p>
+                  </a:txBody>
+                  <a:tcPr marL="68580" marR="68580" marT="0" marB="0"/>
+                </a:tc>
+                <a:extLst>
+                  <a:ext uri="{0D108BD9-81ED-4DB2-BD59-A6C34878D82A}">
+                    <a16:rowId xmlns:a16="http://schemas.microsoft.com/office/drawing/2014/main" val="1425674899"/>
+                  </a:ext>
+                </a:extLst>
+              </a:tr>
+              <a:tr h="463863">
+                <a:tc>
+                  <a:txBody>
+                    <a:bodyPr/>
+                    <a:lstStyle/>
+                    <a:p>
+                      <a:pPr fontAlgn="auto"/>
+                      <a:r>
+                        <a:rPr lang="de-DE" sz="1600" kern="0">
+                          <a:effectLst/>
+                        </a:rPr>
+                        <a:t>4</a:t>
+                      </a:r>
+                      <a:endParaRPr lang="de-DE" sz="1600" kern="150">
+                        <a:effectLst/>
+                        <a:latin typeface="Liberation Serif"/>
+                        <a:ea typeface="NSimSun" panose="02010609030101010101" pitchFamily="49" charset="-122"/>
+                        <a:cs typeface="Lucida Sans" panose="020B0602030504020204" pitchFamily="34" charset="0"/>
+                      </a:endParaRPr>
+                    </a:p>
+                  </a:txBody>
+                  <a:tcPr marL="68580" marR="68580" marT="0" marB="0"/>
+                </a:tc>
+                <a:tc>
+                  <a:txBody>
+                    <a:bodyPr/>
+                    <a:lstStyle/>
+                    <a:p>
+                      <a:pPr fontAlgn="auto"/>
+                      <a:r>
+                        <a:rPr lang="de-DE" sz="1600" kern="0">
+                          <a:effectLst/>
+                        </a:rPr>
+                        <a:t>72.000 + 16000</a:t>
+                      </a:r>
+                      <a:endParaRPr lang="de-DE" sz="1600" kern="150">
+                        <a:effectLst/>
+                        <a:latin typeface="Liberation Serif"/>
+                        <a:ea typeface="NSimSun" panose="02010609030101010101" pitchFamily="49" charset="-122"/>
+                        <a:cs typeface="Lucida Sans" panose="020B0602030504020204" pitchFamily="34" charset="0"/>
+                      </a:endParaRPr>
+                    </a:p>
+                  </a:txBody>
+                  <a:tcPr marL="68580" marR="68580" marT="0" marB="0"/>
+                </a:tc>
+                <a:tc>
+                  <a:txBody>
+                    <a:bodyPr/>
+                    <a:lstStyle/>
+                    <a:p>
+                      <a:pPr fontAlgn="auto"/>
+                      <a:r>
+                        <a:rPr lang="de-DE" sz="1600" kern="0">
+                          <a:effectLst/>
+                        </a:rPr>
+                        <a:t>88.000</a:t>
+                      </a:r>
+                      <a:endParaRPr lang="de-DE" sz="1600" kern="150">
+                        <a:effectLst/>
+                        <a:latin typeface="Liberation Serif"/>
+                        <a:ea typeface="NSimSun" panose="02010609030101010101" pitchFamily="49" charset="-122"/>
+                        <a:cs typeface="Lucida Sans" panose="020B0602030504020204" pitchFamily="34" charset="0"/>
+                      </a:endParaRPr>
+                    </a:p>
+                  </a:txBody>
+                  <a:tcPr marL="68580" marR="68580" marT="0" marB="0"/>
+                </a:tc>
+                <a:tc>
+                  <a:txBody>
+                    <a:bodyPr/>
+                    <a:lstStyle/>
+                    <a:p>
+                      <a:pPr fontAlgn="auto"/>
+                      <a:r>
+                        <a:rPr lang="de-DE" sz="1600" kern="0">
+                          <a:effectLst/>
+                        </a:rPr>
+                        <a:t>0</a:t>
+                      </a:r>
+                      <a:endParaRPr lang="de-DE" sz="1600" kern="150">
+                        <a:effectLst/>
+                        <a:latin typeface="Liberation Serif"/>
+                        <a:ea typeface="NSimSun" panose="02010609030101010101" pitchFamily="49" charset="-122"/>
+                        <a:cs typeface="Lucida Sans" panose="020B0602030504020204" pitchFamily="34" charset="0"/>
+                      </a:endParaRPr>
+                    </a:p>
+                  </a:txBody>
+                  <a:tcPr marL="68580" marR="68580" marT="0" marB="0"/>
+                </a:tc>
+                <a:extLst>
+                  <a:ext uri="{0D108BD9-81ED-4DB2-BD59-A6C34878D82A}">
+                    <a16:rowId xmlns:a16="http://schemas.microsoft.com/office/drawing/2014/main" val="1576176515"/>
+                  </a:ext>
+                </a:extLst>
+              </a:tr>
+              <a:tr h="242219">
+                <a:tc>
+                  <a:txBody>
+                    <a:bodyPr/>
+                    <a:lstStyle/>
+                    <a:p>
+                      <a:pPr fontAlgn="auto"/>
+                      <a:r>
+                        <a:rPr lang="de-DE" sz="1600" kern="0">
+                          <a:effectLst/>
+                        </a:rPr>
+                        <a:t>Gesamt</a:t>
+                      </a:r>
+                      <a:endParaRPr lang="de-DE" sz="1600" kern="150">
+                        <a:effectLst/>
+                        <a:latin typeface="Liberation Serif"/>
+                        <a:ea typeface="NSimSun" panose="02010609030101010101" pitchFamily="49" charset="-122"/>
+                        <a:cs typeface="Lucida Sans" panose="020B0602030504020204" pitchFamily="34" charset="0"/>
+                      </a:endParaRPr>
+                    </a:p>
+                  </a:txBody>
+                  <a:tcPr marL="68580" marR="68580" marT="0" marB="0"/>
+                </a:tc>
+                <a:tc>
+                  <a:txBody>
+                    <a:bodyPr/>
+                    <a:lstStyle/>
+                    <a:p>
+                      <a:pPr fontAlgn="auto"/>
+                      <a:r>
+                        <a:rPr lang="de-DE" sz="1600" kern="0">
+                          <a:effectLst/>
+                        </a:rPr>
+                        <a:t>304.000</a:t>
+                      </a:r>
+                      <a:endParaRPr lang="de-DE" sz="1600" kern="150">
+                        <a:effectLst/>
+                        <a:latin typeface="Liberation Serif"/>
+                        <a:ea typeface="NSimSun" panose="02010609030101010101" pitchFamily="49" charset="-122"/>
+                        <a:cs typeface="Lucida Sans" panose="020B0602030504020204" pitchFamily="34" charset="0"/>
+                      </a:endParaRPr>
+                    </a:p>
+                  </a:txBody>
+                  <a:tcPr marL="68580" marR="68580" marT="0" marB="0"/>
+                </a:tc>
+                <a:tc>
+                  <a:txBody>
+                    <a:bodyPr/>
+                    <a:lstStyle/>
+                    <a:p>
+                      <a:pPr fontAlgn="auto"/>
+                      <a:r>
+                        <a:rPr lang="de-DE" sz="1600" kern="0">
+                          <a:effectLst/>
+                        </a:rPr>
+                        <a:t> </a:t>
+                      </a:r>
+                      <a:endParaRPr lang="de-DE" sz="1600" kern="150">
+                        <a:effectLst/>
+                        <a:latin typeface="Liberation Serif"/>
+                        <a:ea typeface="NSimSun" panose="02010609030101010101" pitchFamily="49" charset="-122"/>
+                        <a:cs typeface="Lucida Sans" panose="020B0602030504020204" pitchFamily="34" charset="0"/>
+                      </a:endParaRPr>
+                    </a:p>
+                  </a:txBody>
+                  <a:tcPr marL="68580" marR="68580" marT="0" marB="0"/>
+                </a:tc>
+                <a:tc>
+                  <a:txBody>
+                    <a:bodyPr/>
+                    <a:lstStyle/>
+                    <a:p>
+                      <a:pPr fontAlgn="auto"/>
+                      <a:r>
+                        <a:rPr lang="de-DE" sz="1600" kern="0" dirty="0">
+                          <a:effectLst/>
+                        </a:rPr>
+                        <a:t> </a:t>
+                      </a:r>
+                      <a:endParaRPr lang="de-DE" sz="1600" kern="150" dirty="0">
+                        <a:effectLst/>
+                        <a:latin typeface="Liberation Serif"/>
+                        <a:ea typeface="NSimSun" panose="02010609030101010101" pitchFamily="49" charset="-122"/>
+                        <a:cs typeface="Lucida Sans" panose="020B0602030504020204" pitchFamily="34" charset="0"/>
+                      </a:endParaRPr>
+                    </a:p>
+                  </a:txBody>
+                  <a:tcPr marL="68580" marR="68580" marT="0" marB="0"/>
+                </a:tc>
+                <a:extLst>
+                  <a:ext uri="{0D108BD9-81ED-4DB2-BD59-A6C34878D82A}">
+                    <a16:rowId xmlns:a16="http://schemas.microsoft.com/office/drawing/2014/main" val="1730076031"/>
+                  </a:ext>
+                </a:extLst>
+              </a:tr>
+            </a:tbl>
+          </a:graphicData>
+        </a:graphic>
+      </p:graphicFrame>
+    </p:spTree>
+    <p:extLst>
+      <p:ext uri="{BB962C8B-B14F-4D97-AF65-F5344CB8AC3E}">
+        <p14:creationId xmlns:p14="http://schemas.microsoft.com/office/powerpoint/2010/main" val="2980264341"/>
+      </p:ext>
+    </p:extLst>
+  </p:cSld>
+  <p:clrMapOvr>
+    <a:masterClrMapping/>
+  </p:clrMapOvr>
+</p:sld>
+</file>
+
+<file path=ppt/slides/slide13.xml><?xml version="1.0" encoding="utf-8"?>
+<p:sld xmlns:a="http://schemas.openxmlformats.org/drawingml/2006/main" xmlns:r="http://schemas.openxmlformats.org/officeDocument/2006/relationships" xmlns:p="http://schemas.openxmlformats.org/presentationml/2006/main">
+  <p:cSld>
+    <p:spTree>
+      <p:nvGrpSpPr>
+        <p:cNvPr id="1" name=""/>
+        <p:cNvGrpSpPr/>
+        <p:nvPr/>
+      </p:nvGrpSpPr>
+      <p:grpSpPr>
+        <a:xfrm>
+          <a:off x="0" y="0"/>
+          <a:ext cx="0" cy="0"/>
+          <a:chOff x="0" y="0"/>
+          <a:chExt cx="0" cy="0"/>
+        </a:xfrm>
+      </p:grpSpPr>
+      <p:sp>
+        <p:nvSpPr>
+          <p:cNvPr id="4" name="Rechteck 3">
+            <a:extLst>
+              <a:ext uri="{FF2B5EF4-FFF2-40B4-BE49-F238E27FC236}">
+                <a16:creationId xmlns:a16="http://schemas.microsoft.com/office/drawing/2014/main" id="{E91038F5-D706-4E86-B4CE-2E468F0C1321}"/>
+              </a:ext>
+            </a:extLst>
+          </p:cNvPr>
+          <p:cNvSpPr/>
+          <p:nvPr/>
+        </p:nvSpPr>
+        <p:spPr>
+          <a:xfrm>
+            <a:off x="0" y="0"/>
+            <a:ext cx="12191999" cy="6858000"/>
+          </a:xfrm>
+          <a:prstGeom prst="rect">
+            <a:avLst/>
+          </a:prstGeom>
+          <a:solidFill>
+            <a:schemeClr val="bg1">
+              <a:lumMod val="85000"/>
+            </a:schemeClr>
+          </a:solidFill>
+        </p:spPr>
+        <p:style>
+          <a:lnRef idx="2">
+            <a:schemeClr val="accent1">
+              <a:shade val="50000"/>
+            </a:schemeClr>
+          </a:lnRef>
+          <a:fillRef idx="1">
+            <a:schemeClr val="accent1"/>
+          </a:fillRef>
+          <a:effectRef idx="0">
+            <a:schemeClr val="accent1"/>
+          </a:effectRef>
+          <a:fontRef idx="minor">
+            <a:schemeClr val="lt1"/>
+          </a:fontRef>
+        </p:style>
+        <p:txBody>
+          <a:bodyPr rtlCol="0" anchor="ctr"/>
+          <a:lstStyle/>
+          <a:p>
+            <a:pPr algn="ctr"/>
+            <a:endParaRPr lang="de-DE" u="sng" dirty="0"/>
+          </a:p>
+        </p:txBody>
+      </p:sp>
+      <p:sp>
+        <p:nvSpPr>
+          <p:cNvPr id="15" name="Rechteck 14">
+            <a:extLst>
+              <a:ext uri="{FF2B5EF4-FFF2-40B4-BE49-F238E27FC236}">
+                <a16:creationId xmlns:a16="http://schemas.microsoft.com/office/drawing/2014/main" id="{8DAAEEAE-5CA1-4B17-9CAB-1FC906B74D94}"/>
+              </a:ext>
+            </a:extLst>
+          </p:cNvPr>
+          <p:cNvSpPr/>
+          <p:nvPr/>
+        </p:nvSpPr>
+        <p:spPr>
+          <a:xfrm rot="18686166">
+            <a:off x="-190289" y="-303623"/>
+            <a:ext cx="6474453" cy="7011954"/>
+          </a:xfrm>
+          <a:prstGeom prst="rect">
+            <a:avLst/>
+          </a:prstGeom>
+          <a:solidFill>
+            <a:schemeClr val="bg1"/>
+          </a:solidFill>
+          <a:ln>
+            <a:noFill/>
+          </a:ln>
+        </p:spPr>
+        <p:style>
+          <a:lnRef idx="2">
+            <a:schemeClr val="accent1">
+              <a:shade val="50000"/>
+            </a:schemeClr>
+          </a:lnRef>
+          <a:fillRef idx="1">
+            <a:schemeClr val="accent1"/>
+          </a:fillRef>
+          <a:effectRef idx="0">
+            <a:schemeClr val="accent1"/>
+          </a:effectRef>
+          <a:fontRef idx="minor">
+            <a:schemeClr val="lt1"/>
+          </a:fontRef>
+        </p:style>
+        <p:txBody>
+          <a:bodyPr rtlCol="0" anchor="ctr"/>
+          <a:lstStyle/>
+          <a:p>
+            <a:pPr algn="ctr"/>
+            <a:endParaRPr lang="de-DE"/>
+          </a:p>
+        </p:txBody>
+      </p:sp>
+      <p:sp>
+        <p:nvSpPr>
+          <p:cNvPr id="5" name="Rechteck 4">
+            <a:extLst>
+              <a:ext uri="{FF2B5EF4-FFF2-40B4-BE49-F238E27FC236}">
+                <a16:creationId xmlns:a16="http://schemas.microsoft.com/office/drawing/2014/main" id="{6505C48D-1BB5-4A0A-9981-8C4BCC228182}"/>
+              </a:ext>
+            </a:extLst>
+          </p:cNvPr>
+          <p:cNvSpPr/>
+          <p:nvPr/>
+        </p:nvSpPr>
+        <p:spPr>
+          <a:xfrm rot="18480692">
+            <a:off x="9077324" y="-1443037"/>
+            <a:ext cx="3057525" cy="3157537"/>
+          </a:xfrm>
+          <a:prstGeom prst="rect">
+            <a:avLst/>
+          </a:prstGeom>
+          <a:solidFill>
+            <a:schemeClr val="accent4">
+              <a:lumMod val="40000"/>
+              <a:lumOff val="60000"/>
+            </a:schemeClr>
+          </a:solidFill>
+          <a:ln>
+            <a:noFill/>
+          </a:ln>
+        </p:spPr>
+        <p:style>
+          <a:lnRef idx="2">
+            <a:schemeClr val="accent1">
+              <a:shade val="50000"/>
+            </a:schemeClr>
+          </a:lnRef>
+          <a:fillRef idx="1">
+            <a:schemeClr val="accent1"/>
+          </a:fillRef>
+          <a:effectRef idx="0">
+            <a:schemeClr val="accent1"/>
+          </a:effectRef>
+          <a:fontRef idx="minor">
+            <a:schemeClr val="lt1"/>
+          </a:fontRef>
+        </p:style>
+        <p:txBody>
+          <a:bodyPr rtlCol="0" anchor="ctr"/>
+          <a:lstStyle/>
+          <a:p>
+            <a:pPr algn="ctr"/>
+            <a:endParaRPr lang="de-DE"/>
+          </a:p>
+        </p:txBody>
+      </p:sp>
+      <p:sp>
+        <p:nvSpPr>
+          <p:cNvPr id="6" name="Rechteck 5">
+            <a:extLst>
+              <a:ext uri="{FF2B5EF4-FFF2-40B4-BE49-F238E27FC236}">
+                <a16:creationId xmlns:a16="http://schemas.microsoft.com/office/drawing/2014/main" id="{C2508899-2B3A-4B41-B7EF-81C1618C0F49}"/>
+              </a:ext>
+            </a:extLst>
+          </p:cNvPr>
+          <p:cNvSpPr/>
+          <p:nvPr/>
+        </p:nvSpPr>
+        <p:spPr>
+          <a:xfrm rot="18480692">
+            <a:off x="11107813" y="653845"/>
+            <a:ext cx="1330172" cy="1224903"/>
+          </a:xfrm>
+          <a:prstGeom prst="rect">
+            <a:avLst/>
+          </a:prstGeom>
+          <a:solidFill>
+            <a:schemeClr val="accent4">
+              <a:lumMod val="60000"/>
+              <a:lumOff val="40000"/>
+            </a:schemeClr>
+          </a:solidFill>
+          <a:ln>
+            <a:noFill/>
+          </a:ln>
+        </p:spPr>
+        <p:style>
+          <a:lnRef idx="2">
+            <a:schemeClr val="accent1">
+              <a:shade val="50000"/>
+            </a:schemeClr>
+          </a:lnRef>
+          <a:fillRef idx="1">
+            <a:schemeClr val="accent1"/>
+          </a:fillRef>
+          <a:effectRef idx="0">
+            <a:schemeClr val="accent1"/>
+          </a:effectRef>
+          <a:fontRef idx="minor">
+            <a:schemeClr val="lt1"/>
+          </a:fontRef>
+        </p:style>
+        <p:txBody>
+          <a:bodyPr rtlCol="0" anchor="ctr"/>
+          <a:lstStyle/>
+          <a:p>
+            <a:pPr algn="ctr"/>
+            <a:endParaRPr lang="de-DE"/>
+          </a:p>
+        </p:txBody>
+      </p:sp>
+      <p:sp>
+        <p:nvSpPr>
+          <p:cNvPr id="7" name="Rechteck 6">
+            <a:extLst>
+              <a:ext uri="{FF2B5EF4-FFF2-40B4-BE49-F238E27FC236}">
+                <a16:creationId xmlns:a16="http://schemas.microsoft.com/office/drawing/2014/main" id="{74471B95-FD78-4E23-ABD0-01E801FB1163}"/>
+              </a:ext>
+            </a:extLst>
+          </p:cNvPr>
+          <p:cNvSpPr/>
+          <p:nvPr/>
+        </p:nvSpPr>
+        <p:spPr>
+          <a:xfrm rot="18480692">
+            <a:off x="9518891" y="4316941"/>
+            <a:ext cx="3057525" cy="3157537"/>
+          </a:xfrm>
+          <a:prstGeom prst="rect">
+            <a:avLst/>
+          </a:prstGeom>
+          <a:solidFill>
+            <a:schemeClr val="accent1">
+              <a:lumMod val="40000"/>
+              <a:lumOff val="60000"/>
+            </a:schemeClr>
+          </a:solidFill>
+          <a:ln>
+            <a:noFill/>
+          </a:ln>
+        </p:spPr>
+        <p:style>
+          <a:lnRef idx="2">
+            <a:schemeClr val="accent1">
+              <a:shade val="50000"/>
+            </a:schemeClr>
+          </a:lnRef>
+          <a:fillRef idx="1">
+            <a:schemeClr val="accent1"/>
+          </a:fillRef>
+          <a:effectRef idx="0">
+            <a:schemeClr val="accent1"/>
+          </a:effectRef>
+          <a:fontRef idx="minor">
+            <a:schemeClr val="lt1"/>
+          </a:fontRef>
+        </p:style>
+        <p:txBody>
+          <a:bodyPr rtlCol="0" anchor="ctr"/>
+          <a:lstStyle/>
+          <a:p>
+            <a:pPr algn="ctr"/>
+            <a:endParaRPr lang="de-DE"/>
+          </a:p>
+        </p:txBody>
+      </p:sp>
+      <p:sp>
+        <p:nvSpPr>
+          <p:cNvPr id="8" name="Rechteck 7">
+            <a:extLst>
+              <a:ext uri="{FF2B5EF4-FFF2-40B4-BE49-F238E27FC236}">
+                <a16:creationId xmlns:a16="http://schemas.microsoft.com/office/drawing/2014/main" id="{3870FAA0-0AFC-465A-A02B-287D7942B268}"/>
+              </a:ext>
+            </a:extLst>
+          </p:cNvPr>
+          <p:cNvSpPr/>
+          <p:nvPr/>
+        </p:nvSpPr>
+        <p:spPr>
+          <a:xfrm rot="18480692">
+            <a:off x="8237857" y="5229351"/>
+            <a:ext cx="2381538" cy="1906940"/>
+          </a:xfrm>
+          <a:prstGeom prst="rect">
+            <a:avLst/>
+          </a:prstGeom>
+          <a:solidFill>
+            <a:schemeClr val="accent1">
+              <a:lumMod val="60000"/>
+              <a:lumOff val="40000"/>
+            </a:schemeClr>
+          </a:solidFill>
+          <a:ln>
+            <a:noFill/>
+          </a:ln>
+        </p:spPr>
+        <p:style>
+          <a:lnRef idx="2">
+            <a:schemeClr val="accent1">
+              <a:shade val="50000"/>
+            </a:schemeClr>
+          </a:lnRef>
+          <a:fillRef idx="1">
+            <a:schemeClr val="accent1"/>
+          </a:fillRef>
+          <a:effectRef idx="0">
+            <a:schemeClr val="accent1"/>
+          </a:effectRef>
+          <a:fontRef idx="minor">
+            <a:schemeClr val="lt1"/>
+          </a:fontRef>
+        </p:style>
+        <p:txBody>
+          <a:bodyPr rtlCol="0" anchor="ctr"/>
+          <a:lstStyle/>
+          <a:p>
+            <a:pPr algn="ctr"/>
+            <a:endParaRPr lang="de-DE"/>
+          </a:p>
+        </p:txBody>
+      </p:sp>
+      <p:sp>
+        <p:nvSpPr>
+          <p:cNvPr id="14" name="Textfeld 13">
+            <a:extLst>
+              <a:ext uri="{FF2B5EF4-FFF2-40B4-BE49-F238E27FC236}">
+                <a16:creationId xmlns:a16="http://schemas.microsoft.com/office/drawing/2014/main" id="{8CB33865-E13D-4CEF-B8E2-C3F8A9129937}"/>
+              </a:ext>
+            </a:extLst>
+          </p:cNvPr>
+          <p:cNvSpPr txBox="1"/>
+          <p:nvPr/>
+        </p:nvSpPr>
+        <p:spPr>
+          <a:xfrm>
+            <a:off x="713861" y="2246747"/>
+            <a:ext cx="5452737" cy="1637949"/>
+          </a:xfrm>
+          <a:prstGeom prst="rect">
+            <a:avLst/>
+          </a:prstGeom>
+          <a:noFill/>
+        </p:spPr>
+        <p:txBody>
+          <a:bodyPr wrap="square">
+            <a:spAutoFit/>
+          </a:bodyPr>
+          <a:lstStyle/>
+          <a:p>
+            <a:pPr lvl="0">
+              <a:lnSpc>
+                <a:spcPct val="107000"/>
+              </a:lnSpc>
+            </a:pPr>
+            <a:r>
+              <a:rPr lang="de-DE" sz="4800" dirty="0">
+                <a:effectLst/>
+                <a:latin typeface="Calibri" panose="020F0502020204030204" pitchFamily="34" charset="0"/>
+                <a:ea typeface="Calibri" panose="020F0502020204030204" pitchFamily="34" charset="0"/>
+                <a:cs typeface="Times New Roman" panose="02020603050405020304" pitchFamily="18" charset="0"/>
+              </a:rPr>
+              <a:t>Bernt Vogt </a:t>
+            </a:r>
+            <a:r>
+              <a:rPr lang="de-DE" sz="4800" dirty="0" err="1">
+                <a:effectLst/>
+                <a:latin typeface="Calibri" panose="020F0502020204030204" pitchFamily="34" charset="0"/>
+                <a:ea typeface="Calibri" panose="020F0502020204030204" pitchFamily="34" charset="0"/>
+                <a:cs typeface="Times New Roman" panose="02020603050405020304" pitchFamily="18" charset="0"/>
+              </a:rPr>
+              <a:t>has</a:t>
+            </a:r>
+            <a:r>
+              <a:rPr lang="de-DE" sz="4800" dirty="0">
+                <a:effectLst/>
+                <a:latin typeface="Calibri" panose="020F0502020204030204" pitchFamily="34" charset="0"/>
+                <a:ea typeface="Calibri" panose="020F0502020204030204" pitchFamily="34" charset="0"/>
+                <a:cs typeface="Times New Roman" panose="02020603050405020304" pitchFamily="18" charset="0"/>
+              </a:rPr>
+              <a:t> </a:t>
+            </a:r>
+            <a:r>
+              <a:rPr lang="de-DE" sz="4800" dirty="0" err="1">
+                <a:effectLst/>
+                <a:latin typeface="Calibri" panose="020F0502020204030204" pitchFamily="34" charset="0"/>
+                <a:ea typeface="Calibri" panose="020F0502020204030204" pitchFamily="34" charset="0"/>
+                <a:cs typeface="Times New Roman" panose="02020603050405020304" pitchFamily="18" charset="0"/>
+              </a:rPr>
+              <a:t>wrong</a:t>
+            </a:r>
+            <a:r>
+              <a:rPr lang="de-DE" sz="4800" dirty="0">
+                <a:effectLst/>
+                <a:latin typeface="Calibri" panose="020F0502020204030204" pitchFamily="34" charset="0"/>
+                <a:ea typeface="Calibri" panose="020F0502020204030204" pitchFamily="34" charset="0"/>
+                <a:cs typeface="Times New Roman" panose="02020603050405020304" pitchFamily="18" charset="0"/>
+              </a:rPr>
+              <a:t> </a:t>
+            </a:r>
+            <a:r>
+              <a:rPr lang="de-DE" sz="4800" dirty="0" err="1">
+                <a:effectLst/>
+                <a:latin typeface="Calibri" panose="020F0502020204030204" pitchFamily="34" charset="0"/>
+                <a:ea typeface="Calibri" panose="020F0502020204030204" pitchFamily="34" charset="0"/>
+                <a:cs typeface="Times New Roman" panose="02020603050405020304" pitchFamily="18" charset="0"/>
+              </a:rPr>
+              <a:t>permission</a:t>
+            </a:r>
+            <a:r>
+              <a:rPr lang="de-DE" sz="4800" dirty="0">
+                <a:effectLst/>
+                <a:latin typeface="Calibri" panose="020F0502020204030204" pitchFamily="34" charset="0"/>
+                <a:ea typeface="Calibri" panose="020F0502020204030204" pitchFamily="34" charset="0"/>
+                <a:cs typeface="Times New Roman" panose="02020603050405020304" pitchFamily="18" charset="0"/>
+              </a:rPr>
+              <a:t>  </a:t>
+            </a:r>
+          </a:p>
+        </p:txBody>
+      </p:sp>
+      <p:sp>
+        <p:nvSpPr>
+          <p:cNvPr id="16" name="Rechteck 15">
+            <a:extLst>
+              <a:ext uri="{FF2B5EF4-FFF2-40B4-BE49-F238E27FC236}">
+                <a16:creationId xmlns:a16="http://schemas.microsoft.com/office/drawing/2014/main" id="{A5B6AA5B-294B-4999-96BD-F0BBFE129FA4}"/>
+              </a:ext>
+            </a:extLst>
+          </p:cNvPr>
+          <p:cNvSpPr/>
+          <p:nvPr/>
+        </p:nvSpPr>
+        <p:spPr>
+          <a:xfrm rot="18686166">
+            <a:off x="360594" y="-116885"/>
+            <a:ext cx="6233518" cy="6667052"/>
+          </a:xfrm>
+          <a:prstGeom prst="rect">
+            <a:avLst/>
+          </a:prstGeom>
+          <a:noFill/>
+          <a:ln w="28575">
+            <a:solidFill>
+              <a:schemeClr val="bg1"/>
+            </a:solidFill>
+          </a:ln>
+        </p:spPr>
+        <p:style>
+          <a:lnRef idx="2">
+            <a:schemeClr val="accent1">
+              <a:shade val="50000"/>
+            </a:schemeClr>
+          </a:lnRef>
+          <a:fillRef idx="1">
+            <a:schemeClr val="accent1"/>
+          </a:fillRef>
+          <a:effectRef idx="0">
+            <a:schemeClr val="accent1"/>
+          </a:effectRef>
+          <a:fontRef idx="minor">
+            <a:schemeClr val="lt1"/>
+          </a:fontRef>
+        </p:style>
+        <p:txBody>
+          <a:bodyPr rtlCol="0" anchor="ctr"/>
+          <a:lstStyle/>
+          <a:p>
+            <a:pPr algn="ctr"/>
+            <a:endParaRPr lang="de-DE"/>
+          </a:p>
+        </p:txBody>
+      </p:sp>
+      <p:sp>
+        <p:nvSpPr>
+          <p:cNvPr id="17" name="Rechteck 16">
+            <a:extLst>
+              <a:ext uri="{FF2B5EF4-FFF2-40B4-BE49-F238E27FC236}">
+                <a16:creationId xmlns:a16="http://schemas.microsoft.com/office/drawing/2014/main" id="{A27D42E3-2C5B-461D-A317-950F158A3A9D}"/>
+              </a:ext>
+            </a:extLst>
+          </p:cNvPr>
+          <p:cNvSpPr/>
+          <p:nvPr/>
+        </p:nvSpPr>
+        <p:spPr>
+          <a:xfrm rot="18480692">
+            <a:off x="7332571" y="2377412"/>
+            <a:ext cx="1330172" cy="1400713"/>
+          </a:xfrm>
+          <a:prstGeom prst="rect">
+            <a:avLst/>
+          </a:prstGeom>
+          <a:solidFill>
+            <a:schemeClr val="bg1"/>
+          </a:solidFill>
+          <a:ln>
+            <a:noFill/>
+          </a:ln>
+        </p:spPr>
+        <p:style>
+          <a:lnRef idx="2">
+            <a:schemeClr val="accent1">
+              <a:shade val="50000"/>
+            </a:schemeClr>
+          </a:lnRef>
+          <a:fillRef idx="1">
+            <a:schemeClr val="accent1"/>
+          </a:fillRef>
+          <a:effectRef idx="0">
+            <a:schemeClr val="accent1"/>
+          </a:effectRef>
+          <a:fontRef idx="minor">
+            <a:schemeClr val="lt1"/>
+          </a:fontRef>
+        </p:style>
+        <p:txBody>
+          <a:bodyPr rtlCol="0" anchor="ctr"/>
+          <a:lstStyle/>
+          <a:p>
+            <a:pPr algn="ctr"/>
+            <a:endParaRPr lang="de-DE"/>
+          </a:p>
+        </p:txBody>
+      </p:sp>
+      <p:sp>
+        <p:nvSpPr>
+          <p:cNvPr id="18" name="Rechteck 17">
+            <a:extLst>
+              <a:ext uri="{FF2B5EF4-FFF2-40B4-BE49-F238E27FC236}">
+                <a16:creationId xmlns:a16="http://schemas.microsoft.com/office/drawing/2014/main" id="{2517B4E0-B508-437E-8A55-958496D6DDD0}"/>
+              </a:ext>
+            </a:extLst>
+          </p:cNvPr>
+          <p:cNvSpPr/>
+          <p:nvPr/>
+        </p:nvSpPr>
+        <p:spPr>
+          <a:xfrm rot="18480692">
+            <a:off x="7569677" y="2394666"/>
+            <a:ext cx="1330172" cy="1342112"/>
+          </a:xfrm>
+          <a:prstGeom prst="rect">
+            <a:avLst/>
+          </a:prstGeom>
+          <a:noFill/>
+          <a:ln w="28575">
+            <a:solidFill>
+              <a:schemeClr val="bg1"/>
+            </a:solidFill>
+          </a:ln>
+        </p:spPr>
+        <p:style>
+          <a:lnRef idx="2">
+            <a:schemeClr val="accent1">
+              <a:shade val="50000"/>
+            </a:schemeClr>
+          </a:lnRef>
+          <a:fillRef idx="1">
+            <a:schemeClr val="accent1"/>
+          </a:fillRef>
+          <a:effectRef idx="0">
+            <a:schemeClr val="accent1"/>
+          </a:effectRef>
+          <a:fontRef idx="minor">
+            <a:schemeClr val="lt1"/>
+          </a:fontRef>
+        </p:style>
+        <p:txBody>
+          <a:bodyPr rtlCol="0" anchor="ctr"/>
+          <a:lstStyle/>
+          <a:p>
+            <a:pPr algn="ctr"/>
+            <a:endParaRPr lang="de-DE"/>
+          </a:p>
+        </p:txBody>
+      </p:sp>
+    </p:spTree>
+    <p:extLst>
+      <p:ext uri="{BB962C8B-B14F-4D97-AF65-F5344CB8AC3E}">
+        <p14:creationId xmlns:p14="http://schemas.microsoft.com/office/powerpoint/2010/main" val="1542225479"/>
+      </p:ext>
+    </p:extLst>
+  </p:cSld>
+  <p:clrMapOvr>
+    <a:masterClrMapping/>
+  </p:clrMapOvr>
+</p:sld>
+</file>
+
+<file path=ppt/slides/slide14.xml><?xml version="1.0" encoding="utf-8"?>
+<p:sld xmlns:a="http://schemas.openxmlformats.org/drawingml/2006/main" xmlns:r="http://schemas.openxmlformats.org/officeDocument/2006/relationships" xmlns:p="http://schemas.openxmlformats.org/presentationml/2006/main">
+  <p:cSld>
+    <p:spTree>
+      <p:nvGrpSpPr>
+        <p:cNvPr id="1" name=""/>
+        <p:cNvGrpSpPr/>
+        <p:nvPr/>
+      </p:nvGrpSpPr>
+      <p:grpSpPr>
+        <a:xfrm>
+          <a:off x="0" y="0"/>
+          <a:ext cx="0" cy="0"/>
+          <a:chOff x="0" y="0"/>
+          <a:chExt cx="0" cy="0"/>
+        </a:xfrm>
+      </p:grpSpPr>
+      <p:sp>
+        <p:nvSpPr>
+          <p:cNvPr id="4" name="Rechteck 3">
+            <a:extLst>
+              <a:ext uri="{FF2B5EF4-FFF2-40B4-BE49-F238E27FC236}">
+                <a16:creationId xmlns:a16="http://schemas.microsoft.com/office/drawing/2014/main" id="{E91038F5-D706-4E86-B4CE-2E468F0C1321}"/>
+              </a:ext>
+            </a:extLst>
+          </p:cNvPr>
+          <p:cNvSpPr/>
+          <p:nvPr/>
+        </p:nvSpPr>
+        <p:spPr>
+          <a:xfrm>
+            <a:off x="0" y="0"/>
+            <a:ext cx="12191999" cy="6858000"/>
+          </a:xfrm>
+          <a:prstGeom prst="rect">
+            <a:avLst/>
+          </a:prstGeom>
+          <a:solidFill>
+            <a:schemeClr val="bg1">
+              <a:lumMod val="85000"/>
+            </a:schemeClr>
+          </a:solidFill>
+        </p:spPr>
+        <p:style>
+          <a:lnRef idx="2">
+            <a:schemeClr val="accent1">
+              <a:shade val="50000"/>
+            </a:schemeClr>
+          </a:lnRef>
+          <a:fillRef idx="1">
+            <a:schemeClr val="accent1"/>
+          </a:fillRef>
+          <a:effectRef idx="0">
+            <a:schemeClr val="accent1"/>
+          </a:effectRef>
+          <a:fontRef idx="minor">
+            <a:schemeClr val="lt1"/>
+          </a:fontRef>
+        </p:style>
+        <p:txBody>
+          <a:bodyPr rtlCol="0" anchor="ctr"/>
+          <a:lstStyle/>
+          <a:p>
+            <a:pPr algn="ctr"/>
+            <a:endParaRPr lang="de-DE" u="sng" dirty="0"/>
+          </a:p>
+        </p:txBody>
+      </p:sp>
+      <p:sp>
+        <p:nvSpPr>
+          <p:cNvPr id="15" name="Rechteck 14">
+            <a:extLst>
+              <a:ext uri="{FF2B5EF4-FFF2-40B4-BE49-F238E27FC236}">
+                <a16:creationId xmlns:a16="http://schemas.microsoft.com/office/drawing/2014/main" id="{8DAAEEAE-5CA1-4B17-9CAB-1FC906B74D94}"/>
+              </a:ext>
+            </a:extLst>
+          </p:cNvPr>
+          <p:cNvSpPr/>
+          <p:nvPr/>
+        </p:nvSpPr>
+        <p:spPr>
+          <a:xfrm rot="18686166">
+            <a:off x="-190289" y="-303623"/>
+            <a:ext cx="6474453" cy="7011954"/>
+          </a:xfrm>
+          <a:prstGeom prst="rect">
+            <a:avLst/>
+          </a:prstGeom>
+          <a:solidFill>
+            <a:schemeClr val="bg1"/>
+          </a:solidFill>
+          <a:ln>
+            <a:noFill/>
+          </a:ln>
+        </p:spPr>
+        <p:style>
+          <a:lnRef idx="2">
+            <a:schemeClr val="accent1">
+              <a:shade val="50000"/>
+            </a:schemeClr>
+          </a:lnRef>
+          <a:fillRef idx="1">
+            <a:schemeClr val="accent1"/>
+          </a:fillRef>
+          <a:effectRef idx="0">
+            <a:schemeClr val="accent1"/>
+          </a:effectRef>
+          <a:fontRef idx="minor">
+            <a:schemeClr val="lt1"/>
+          </a:fontRef>
+        </p:style>
+        <p:txBody>
+          <a:bodyPr rtlCol="0" anchor="ctr"/>
+          <a:lstStyle/>
+          <a:p>
+            <a:pPr algn="ctr"/>
+            <a:endParaRPr lang="de-DE"/>
+          </a:p>
+        </p:txBody>
+      </p:sp>
+      <p:sp>
+        <p:nvSpPr>
+          <p:cNvPr id="5" name="Rechteck 4">
+            <a:extLst>
+              <a:ext uri="{FF2B5EF4-FFF2-40B4-BE49-F238E27FC236}">
+                <a16:creationId xmlns:a16="http://schemas.microsoft.com/office/drawing/2014/main" id="{6505C48D-1BB5-4A0A-9981-8C4BCC228182}"/>
+              </a:ext>
+            </a:extLst>
+          </p:cNvPr>
+          <p:cNvSpPr/>
+          <p:nvPr/>
+        </p:nvSpPr>
+        <p:spPr>
+          <a:xfrm rot="18480692">
+            <a:off x="9077324" y="-1443037"/>
+            <a:ext cx="3057525" cy="3157537"/>
+          </a:xfrm>
+          <a:prstGeom prst="rect">
+            <a:avLst/>
+          </a:prstGeom>
+          <a:solidFill>
+            <a:schemeClr val="accent4">
+              <a:lumMod val="40000"/>
+              <a:lumOff val="60000"/>
+            </a:schemeClr>
+          </a:solidFill>
+          <a:ln>
+            <a:noFill/>
+          </a:ln>
+        </p:spPr>
+        <p:style>
+          <a:lnRef idx="2">
+            <a:schemeClr val="accent1">
+              <a:shade val="50000"/>
+            </a:schemeClr>
+          </a:lnRef>
+          <a:fillRef idx="1">
+            <a:schemeClr val="accent1"/>
+          </a:fillRef>
+          <a:effectRef idx="0">
+            <a:schemeClr val="accent1"/>
+          </a:effectRef>
+          <a:fontRef idx="minor">
+            <a:schemeClr val="lt1"/>
+          </a:fontRef>
+        </p:style>
+        <p:txBody>
+          <a:bodyPr rtlCol="0" anchor="ctr"/>
+          <a:lstStyle/>
+          <a:p>
+            <a:pPr algn="ctr"/>
+            <a:endParaRPr lang="de-DE"/>
+          </a:p>
+        </p:txBody>
+      </p:sp>
+      <p:sp>
+        <p:nvSpPr>
+          <p:cNvPr id="6" name="Rechteck 5">
+            <a:extLst>
+              <a:ext uri="{FF2B5EF4-FFF2-40B4-BE49-F238E27FC236}">
+                <a16:creationId xmlns:a16="http://schemas.microsoft.com/office/drawing/2014/main" id="{C2508899-2B3A-4B41-B7EF-81C1618C0F49}"/>
+              </a:ext>
+            </a:extLst>
+          </p:cNvPr>
+          <p:cNvSpPr/>
+          <p:nvPr/>
+        </p:nvSpPr>
+        <p:spPr>
+          <a:xfrm rot="18480692">
+            <a:off x="11107813" y="653845"/>
+            <a:ext cx="1330172" cy="1224903"/>
+          </a:xfrm>
+          <a:prstGeom prst="rect">
+            <a:avLst/>
+          </a:prstGeom>
+          <a:solidFill>
+            <a:schemeClr val="accent4">
+              <a:lumMod val="60000"/>
+              <a:lumOff val="40000"/>
+            </a:schemeClr>
+          </a:solidFill>
+          <a:ln>
+            <a:noFill/>
+          </a:ln>
+        </p:spPr>
+        <p:style>
+          <a:lnRef idx="2">
+            <a:schemeClr val="accent1">
+              <a:shade val="50000"/>
+            </a:schemeClr>
+          </a:lnRef>
+          <a:fillRef idx="1">
+            <a:schemeClr val="accent1"/>
+          </a:fillRef>
+          <a:effectRef idx="0">
+            <a:schemeClr val="accent1"/>
+          </a:effectRef>
+          <a:fontRef idx="minor">
+            <a:schemeClr val="lt1"/>
+          </a:fontRef>
+        </p:style>
+        <p:txBody>
+          <a:bodyPr rtlCol="0" anchor="ctr"/>
+          <a:lstStyle/>
+          <a:p>
+            <a:pPr algn="ctr"/>
+            <a:endParaRPr lang="de-DE"/>
+          </a:p>
+        </p:txBody>
+      </p:sp>
+      <p:sp>
+        <p:nvSpPr>
+          <p:cNvPr id="7" name="Rechteck 6">
+            <a:extLst>
+              <a:ext uri="{FF2B5EF4-FFF2-40B4-BE49-F238E27FC236}">
+                <a16:creationId xmlns:a16="http://schemas.microsoft.com/office/drawing/2014/main" id="{74471B95-FD78-4E23-ABD0-01E801FB1163}"/>
+              </a:ext>
+            </a:extLst>
+          </p:cNvPr>
+          <p:cNvSpPr/>
+          <p:nvPr/>
+        </p:nvSpPr>
+        <p:spPr>
+          <a:xfrm rot="18480692">
+            <a:off x="9518891" y="4316941"/>
+            <a:ext cx="3057525" cy="3157537"/>
+          </a:xfrm>
+          <a:prstGeom prst="rect">
+            <a:avLst/>
+          </a:prstGeom>
+          <a:solidFill>
+            <a:schemeClr val="accent1">
+              <a:lumMod val="40000"/>
+              <a:lumOff val="60000"/>
+            </a:schemeClr>
+          </a:solidFill>
+          <a:ln>
+            <a:noFill/>
+          </a:ln>
+        </p:spPr>
+        <p:style>
+          <a:lnRef idx="2">
+            <a:schemeClr val="accent1">
+              <a:shade val="50000"/>
+            </a:schemeClr>
+          </a:lnRef>
+          <a:fillRef idx="1">
+            <a:schemeClr val="accent1"/>
+          </a:fillRef>
+          <a:effectRef idx="0">
+            <a:schemeClr val="accent1"/>
+          </a:effectRef>
+          <a:fontRef idx="minor">
+            <a:schemeClr val="lt1"/>
+          </a:fontRef>
+        </p:style>
+        <p:txBody>
+          <a:bodyPr rtlCol="0" anchor="ctr"/>
+          <a:lstStyle/>
+          <a:p>
+            <a:pPr algn="ctr"/>
+            <a:endParaRPr lang="de-DE"/>
+          </a:p>
+        </p:txBody>
+      </p:sp>
+      <p:sp>
+        <p:nvSpPr>
+          <p:cNvPr id="8" name="Rechteck 7">
+            <a:extLst>
+              <a:ext uri="{FF2B5EF4-FFF2-40B4-BE49-F238E27FC236}">
+                <a16:creationId xmlns:a16="http://schemas.microsoft.com/office/drawing/2014/main" id="{3870FAA0-0AFC-465A-A02B-287D7942B268}"/>
+              </a:ext>
+            </a:extLst>
+          </p:cNvPr>
+          <p:cNvSpPr/>
+          <p:nvPr/>
+        </p:nvSpPr>
+        <p:spPr>
+          <a:xfrm rot="18480692">
+            <a:off x="8237857" y="5229351"/>
+            <a:ext cx="2381538" cy="1906940"/>
+          </a:xfrm>
+          <a:prstGeom prst="rect">
+            <a:avLst/>
+          </a:prstGeom>
+          <a:solidFill>
+            <a:schemeClr val="accent1">
+              <a:lumMod val="60000"/>
+              <a:lumOff val="40000"/>
+            </a:schemeClr>
+          </a:solidFill>
+          <a:ln>
+            <a:noFill/>
+          </a:ln>
+        </p:spPr>
+        <p:style>
+          <a:lnRef idx="2">
+            <a:schemeClr val="accent1">
+              <a:shade val="50000"/>
+            </a:schemeClr>
+          </a:lnRef>
+          <a:fillRef idx="1">
+            <a:schemeClr val="accent1"/>
+          </a:fillRef>
+          <a:effectRef idx="0">
+            <a:schemeClr val="accent1"/>
+          </a:effectRef>
+          <a:fontRef idx="minor">
+            <a:schemeClr val="lt1"/>
+          </a:fontRef>
+        </p:style>
+        <p:txBody>
+          <a:bodyPr rtlCol="0" anchor="ctr"/>
+          <a:lstStyle/>
+          <a:p>
+            <a:pPr algn="ctr"/>
+            <a:endParaRPr lang="de-DE"/>
+          </a:p>
+        </p:txBody>
+      </p:sp>
+      <p:sp>
+        <p:nvSpPr>
+          <p:cNvPr id="14" name="Textfeld 13">
+            <a:extLst>
+              <a:ext uri="{FF2B5EF4-FFF2-40B4-BE49-F238E27FC236}">
+                <a16:creationId xmlns:a16="http://schemas.microsoft.com/office/drawing/2014/main" id="{8CB33865-E13D-4CEF-B8E2-C3F8A9129937}"/>
+              </a:ext>
+            </a:extLst>
+          </p:cNvPr>
+          <p:cNvSpPr txBox="1"/>
+          <p:nvPr/>
+        </p:nvSpPr>
+        <p:spPr>
+          <a:xfrm>
+            <a:off x="538921" y="2641920"/>
+            <a:ext cx="5452737" cy="847604"/>
+          </a:xfrm>
+          <a:prstGeom prst="rect">
+            <a:avLst/>
+          </a:prstGeom>
+          <a:noFill/>
+        </p:spPr>
+        <p:txBody>
+          <a:bodyPr wrap="square">
+            <a:spAutoFit/>
+          </a:bodyPr>
+          <a:lstStyle/>
+          <a:p>
+            <a:pPr lvl="0">
+              <a:lnSpc>
+                <a:spcPct val="107000"/>
+              </a:lnSpc>
+            </a:pPr>
+            <a:r>
+              <a:rPr lang="de-DE" sz="4800" dirty="0">
+                <a:effectLst/>
+                <a:latin typeface="Calibri" panose="020F0502020204030204" pitchFamily="34" charset="0"/>
+                <a:ea typeface="Calibri" panose="020F0502020204030204" pitchFamily="34" charset="0"/>
+                <a:cs typeface="Times New Roman" panose="02020603050405020304" pitchFamily="18" charset="0"/>
+              </a:rPr>
+              <a:t>Automatisation</a:t>
+            </a:r>
+          </a:p>
+        </p:txBody>
+      </p:sp>
+      <p:sp>
+        <p:nvSpPr>
+          <p:cNvPr id="16" name="Rechteck 15">
+            <a:extLst>
+              <a:ext uri="{FF2B5EF4-FFF2-40B4-BE49-F238E27FC236}">
+                <a16:creationId xmlns:a16="http://schemas.microsoft.com/office/drawing/2014/main" id="{A5B6AA5B-294B-4999-96BD-F0BBFE129FA4}"/>
+              </a:ext>
+            </a:extLst>
+          </p:cNvPr>
+          <p:cNvSpPr/>
+          <p:nvPr/>
+        </p:nvSpPr>
+        <p:spPr>
+          <a:xfrm rot="18686166">
+            <a:off x="360594" y="-116885"/>
+            <a:ext cx="6233518" cy="6667052"/>
+          </a:xfrm>
+          <a:prstGeom prst="rect">
+            <a:avLst/>
+          </a:prstGeom>
+          <a:noFill/>
+          <a:ln w="28575">
+            <a:solidFill>
+              <a:schemeClr val="bg1"/>
+            </a:solidFill>
+          </a:ln>
+        </p:spPr>
+        <p:style>
+          <a:lnRef idx="2">
+            <a:schemeClr val="accent1">
+              <a:shade val="50000"/>
+            </a:schemeClr>
+          </a:lnRef>
+          <a:fillRef idx="1">
+            <a:schemeClr val="accent1"/>
+          </a:fillRef>
+          <a:effectRef idx="0">
+            <a:schemeClr val="accent1"/>
+          </a:effectRef>
+          <a:fontRef idx="minor">
+            <a:schemeClr val="lt1"/>
+          </a:fontRef>
+        </p:style>
+        <p:txBody>
+          <a:bodyPr rtlCol="0" anchor="ctr"/>
+          <a:lstStyle/>
+          <a:p>
+            <a:pPr algn="ctr"/>
+            <a:endParaRPr lang="de-DE"/>
+          </a:p>
+        </p:txBody>
+      </p:sp>
+      <p:sp>
+        <p:nvSpPr>
+          <p:cNvPr id="17" name="Rechteck 16">
+            <a:extLst>
+              <a:ext uri="{FF2B5EF4-FFF2-40B4-BE49-F238E27FC236}">
+                <a16:creationId xmlns:a16="http://schemas.microsoft.com/office/drawing/2014/main" id="{A27D42E3-2C5B-461D-A317-950F158A3A9D}"/>
+              </a:ext>
+            </a:extLst>
+          </p:cNvPr>
+          <p:cNvSpPr/>
+          <p:nvPr/>
+        </p:nvSpPr>
+        <p:spPr>
+          <a:xfrm rot="18480692">
+            <a:off x="7332571" y="2377412"/>
+            <a:ext cx="1330172" cy="1400713"/>
+          </a:xfrm>
+          <a:prstGeom prst="rect">
+            <a:avLst/>
+          </a:prstGeom>
+          <a:solidFill>
+            <a:schemeClr val="bg1"/>
+          </a:solidFill>
+          <a:ln>
+            <a:noFill/>
+          </a:ln>
+        </p:spPr>
+        <p:style>
+          <a:lnRef idx="2">
+            <a:schemeClr val="accent1">
+              <a:shade val="50000"/>
+            </a:schemeClr>
+          </a:lnRef>
+          <a:fillRef idx="1">
+            <a:schemeClr val="accent1"/>
+          </a:fillRef>
+          <a:effectRef idx="0">
+            <a:schemeClr val="accent1"/>
+          </a:effectRef>
+          <a:fontRef idx="minor">
+            <a:schemeClr val="lt1"/>
+          </a:fontRef>
+        </p:style>
+        <p:txBody>
+          <a:bodyPr rtlCol="0" anchor="ctr"/>
+          <a:lstStyle/>
+          <a:p>
+            <a:pPr algn="ctr"/>
+            <a:endParaRPr lang="de-DE"/>
+          </a:p>
+        </p:txBody>
+      </p:sp>
+      <p:sp>
+        <p:nvSpPr>
+          <p:cNvPr id="18" name="Rechteck 17">
+            <a:extLst>
+              <a:ext uri="{FF2B5EF4-FFF2-40B4-BE49-F238E27FC236}">
+                <a16:creationId xmlns:a16="http://schemas.microsoft.com/office/drawing/2014/main" id="{2517B4E0-B508-437E-8A55-958496D6DDD0}"/>
+              </a:ext>
+            </a:extLst>
+          </p:cNvPr>
+          <p:cNvSpPr/>
+          <p:nvPr/>
+        </p:nvSpPr>
+        <p:spPr>
+          <a:xfrm rot="18480692">
+            <a:off x="7569677" y="2394666"/>
+            <a:ext cx="1330172" cy="1342112"/>
+          </a:xfrm>
+          <a:prstGeom prst="rect">
+            <a:avLst/>
+          </a:prstGeom>
+          <a:noFill/>
+          <a:ln w="28575">
+            <a:solidFill>
+              <a:schemeClr val="bg1"/>
+            </a:solidFill>
+          </a:ln>
+        </p:spPr>
+        <p:style>
+          <a:lnRef idx="2">
+            <a:schemeClr val="accent1">
+              <a:shade val="50000"/>
+            </a:schemeClr>
+          </a:lnRef>
+          <a:fillRef idx="1">
+            <a:schemeClr val="accent1"/>
+          </a:fillRef>
+          <a:effectRef idx="0">
+            <a:schemeClr val="accent1"/>
+          </a:effectRef>
+          <a:fontRef idx="minor">
+            <a:schemeClr val="lt1"/>
+          </a:fontRef>
+        </p:style>
+        <p:txBody>
+          <a:bodyPr rtlCol="0" anchor="ctr"/>
+          <a:lstStyle/>
+          <a:p>
+            <a:pPr algn="ctr"/>
+            <a:endParaRPr lang="de-DE"/>
+          </a:p>
+        </p:txBody>
+      </p:sp>
+    </p:spTree>
+    <p:extLst>
+      <p:ext uri="{BB962C8B-B14F-4D97-AF65-F5344CB8AC3E}">
+        <p14:creationId xmlns:p14="http://schemas.microsoft.com/office/powerpoint/2010/main" val="708234563"/>
+      </p:ext>
+    </p:extLst>
+  </p:cSld>
+  <p:clrMapOvr>
+    <a:masterClrMapping/>
+  </p:clrMapOvr>
+</p:sld>
+</file>
+
+<file path=ppt/slides/slide15.xml><?xml version="1.0" encoding="utf-8"?>
+<p:sld xmlns:a="http://schemas.openxmlformats.org/drawingml/2006/main" xmlns:r="http://schemas.openxmlformats.org/officeDocument/2006/relationships" xmlns:p="http://schemas.openxmlformats.org/presentationml/2006/main">
+  <p:cSld>
+    <p:spTree>
+      <p:nvGrpSpPr>
+        <p:cNvPr id="1" name=""/>
+        <p:cNvGrpSpPr/>
+        <p:nvPr/>
+      </p:nvGrpSpPr>
+      <p:grpSpPr>
+        <a:xfrm>
+          <a:off x="0" y="0"/>
+          <a:ext cx="0" cy="0"/>
+          <a:chOff x="0" y="0"/>
+          <a:chExt cx="0" cy="0"/>
+        </a:xfrm>
+      </p:grpSpPr>
+      <p:sp>
+        <p:nvSpPr>
+          <p:cNvPr id="4" name="Rechteck 3">
+            <a:extLst>
+              <a:ext uri="{FF2B5EF4-FFF2-40B4-BE49-F238E27FC236}">
+                <a16:creationId xmlns:a16="http://schemas.microsoft.com/office/drawing/2014/main" id="{E91038F5-D706-4E86-B4CE-2E468F0C1321}"/>
+              </a:ext>
+            </a:extLst>
+          </p:cNvPr>
+          <p:cNvSpPr/>
+          <p:nvPr/>
+        </p:nvSpPr>
+        <p:spPr>
+          <a:xfrm>
+            <a:off x="0" y="0"/>
+            <a:ext cx="12191999" cy="6858000"/>
+          </a:xfrm>
+          <a:prstGeom prst="rect">
+            <a:avLst/>
+          </a:prstGeom>
+          <a:solidFill>
+            <a:schemeClr val="bg1">
+              <a:lumMod val="85000"/>
+            </a:schemeClr>
+          </a:solidFill>
+        </p:spPr>
+        <p:style>
+          <a:lnRef idx="2">
+            <a:schemeClr val="accent1">
+              <a:shade val="50000"/>
+            </a:schemeClr>
+          </a:lnRef>
+          <a:fillRef idx="1">
+            <a:schemeClr val="accent1"/>
+          </a:fillRef>
+          <a:effectRef idx="0">
+            <a:schemeClr val="accent1"/>
+          </a:effectRef>
+          <a:fontRef idx="minor">
+            <a:schemeClr val="lt1"/>
+          </a:fontRef>
+        </p:style>
+        <p:txBody>
+          <a:bodyPr rtlCol="0" anchor="ctr"/>
+          <a:lstStyle/>
+          <a:p>
+            <a:pPr algn="ctr"/>
+            <a:endParaRPr lang="de-DE" u="sng" dirty="0"/>
+          </a:p>
+        </p:txBody>
+      </p:sp>
+      <p:sp>
+        <p:nvSpPr>
+          <p:cNvPr id="15" name="Rechteck 14">
+            <a:extLst>
+              <a:ext uri="{FF2B5EF4-FFF2-40B4-BE49-F238E27FC236}">
+                <a16:creationId xmlns:a16="http://schemas.microsoft.com/office/drawing/2014/main" id="{8DAAEEAE-5CA1-4B17-9CAB-1FC906B74D94}"/>
+              </a:ext>
+            </a:extLst>
+          </p:cNvPr>
+          <p:cNvSpPr/>
+          <p:nvPr/>
+        </p:nvSpPr>
+        <p:spPr>
+          <a:xfrm rot="18686166">
+            <a:off x="-190289" y="-303623"/>
+            <a:ext cx="6474453" cy="7011954"/>
+          </a:xfrm>
+          <a:prstGeom prst="rect">
+            <a:avLst/>
+          </a:prstGeom>
+          <a:solidFill>
+            <a:schemeClr val="bg1"/>
+          </a:solidFill>
+          <a:ln>
+            <a:noFill/>
+          </a:ln>
+        </p:spPr>
+        <p:style>
+          <a:lnRef idx="2">
+            <a:schemeClr val="accent1">
+              <a:shade val="50000"/>
+            </a:schemeClr>
+          </a:lnRef>
+          <a:fillRef idx="1">
+            <a:schemeClr val="accent1"/>
+          </a:fillRef>
+          <a:effectRef idx="0">
+            <a:schemeClr val="accent1"/>
+          </a:effectRef>
+          <a:fontRef idx="minor">
+            <a:schemeClr val="lt1"/>
+          </a:fontRef>
+        </p:style>
+        <p:txBody>
+          <a:bodyPr rtlCol="0" anchor="ctr"/>
+          <a:lstStyle/>
+          <a:p>
+            <a:pPr algn="ctr"/>
+            <a:endParaRPr lang="de-DE"/>
+          </a:p>
+        </p:txBody>
+      </p:sp>
+      <p:sp>
+        <p:nvSpPr>
+          <p:cNvPr id="5" name="Rechteck 4">
+            <a:extLst>
+              <a:ext uri="{FF2B5EF4-FFF2-40B4-BE49-F238E27FC236}">
+                <a16:creationId xmlns:a16="http://schemas.microsoft.com/office/drawing/2014/main" id="{6505C48D-1BB5-4A0A-9981-8C4BCC228182}"/>
+              </a:ext>
+            </a:extLst>
+          </p:cNvPr>
+          <p:cNvSpPr/>
+          <p:nvPr/>
+        </p:nvSpPr>
+        <p:spPr>
+          <a:xfrm rot="18480692">
+            <a:off x="9077324" y="-1443037"/>
+            <a:ext cx="3057525" cy="3157537"/>
+          </a:xfrm>
+          <a:prstGeom prst="rect">
+            <a:avLst/>
+          </a:prstGeom>
+          <a:solidFill>
+            <a:schemeClr val="accent4">
+              <a:lumMod val="40000"/>
+              <a:lumOff val="60000"/>
+            </a:schemeClr>
+          </a:solidFill>
+          <a:ln>
+            <a:noFill/>
+          </a:ln>
+        </p:spPr>
+        <p:style>
+          <a:lnRef idx="2">
+            <a:schemeClr val="accent1">
+              <a:shade val="50000"/>
+            </a:schemeClr>
+          </a:lnRef>
+          <a:fillRef idx="1">
+            <a:schemeClr val="accent1"/>
+          </a:fillRef>
+          <a:effectRef idx="0">
+            <a:schemeClr val="accent1"/>
+          </a:effectRef>
+          <a:fontRef idx="minor">
+            <a:schemeClr val="lt1"/>
+          </a:fontRef>
+        </p:style>
+        <p:txBody>
+          <a:bodyPr rtlCol="0" anchor="ctr"/>
+          <a:lstStyle/>
+          <a:p>
+            <a:pPr algn="ctr"/>
+            <a:endParaRPr lang="de-DE"/>
+          </a:p>
+        </p:txBody>
+      </p:sp>
+      <p:sp>
+        <p:nvSpPr>
+          <p:cNvPr id="6" name="Rechteck 5">
+            <a:extLst>
+              <a:ext uri="{FF2B5EF4-FFF2-40B4-BE49-F238E27FC236}">
+                <a16:creationId xmlns:a16="http://schemas.microsoft.com/office/drawing/2014/main" id="{C2508899-2B3A-4B41-B7EF-81C1618C0F49}"/>
+              </a:ext>
+            </a:extLst>
+          </p:cNvPr>
+          <p:cNvSpPr/>
+          <p:nvPr/>
+        </p:nvSpPr>
+        <p:spPr>
+          <a:xfrm rot="18480692">
+            <a:off x="11107813" y="653845"/>
+            <a:ext cx="1330172" cy="1224903"/>
+          </a:xfrm>
+          <a:prstGeom prst="rect">
+            <a:avLst/>
+          </a:prstGeom>
+          <a:solidFill>
+            <a:schemeClr val="accent4">
+              <a:lumMod val="60000"/>
+              <a:lumOff val="40000"/>
+            </a:schemeClr>
+          </a:solidFill>
+          <a:ln>
+            <a:noFill/>
+          </a:ln>
+        </p:spPr>
+        <p:style>
+          <a:lnRef idx="2">
+            <a:schemeClr val="accent1">
+              <a:shade val="50000"/>
+            </a:schemeClr>
+          </a:lnRef>
+          <a:fillRef idx="1">
+            <a:schemeClr val="accent1"/>
+          </a:fillRef>
+          <a:effectRef idx="0">
+            <a:schemeClr val="accent1"/>
+          </a:effectRef>
+          <a:fontRef idx="minor">
+            <a:schemeClr val="lt1"/>
+          </a:fontRef>
+        </p:style>
+        <p:txBody>
+          <a:bodyPr rtlCol="0" anchor="ctr"/>
+          <a:lstStyle/>
+          <a:p>
+            <a:pPr algn="ctr"/>
+            <a:endParaRPr lang="de-DE"/>
+          </a:p>
+        </p:txBody>
+      </p:sp>
+      <p:sp>
+        <p:nvSpPr>
+          <p:cNvPr id="7" name="Rechteck 6">
+            <a:extLst>
+              <a:ext uri="{FF2B5EF4-FFF2-40B4-BE49-F238E27FC236}">
+                <a16:creationId xmlns:a16="http://schemas.microsoft.com/office/drawing/2014/main" id="{74471B95-FD78-4E23-ABD0-01E801FB1163}"/>
+              </a:ext>
+            </a:extLst>
+          </p:cNvPr>
+          <p:cNvSpPr/>
+          <p:nvPr/>
+        </p:nvSpPr>
+        <p:spPr>
+          <a:xfrm rot="18480692">
+            <a:off x="9518891" y="4316941"/>
+            <a:ext cx="3057525" cy="3157537"/>
+          </a:xfrm>
+          <a:prstGeom prst="rect">
+            <a:avLst/>
+          </a:prstGeom>
+          <a:solidFill>
+            <a:schemeClr val="accent1">
+              <a:lumMod val="40000"/>
+              <a:lumOff val="60000"/>
+            </a:schemeClr>
+          </a:solidFill>
+          <a:ln>
+            <a:noFill/>
+          </a:ln>
+        </p:spPr>
+        <p:style>
+          <a:lnRef idx="2">
+            <a:schemeClr val="accent1">
+              <a:shade val="50000"/>
+            </a:schemeClr>
+          </a:lnRef>
+          <a:fillRef idx="1">
+            <a:schemeClr val="accent1"/>
+          </a:fillRef>
+          <a:effectRef idx="0">
+            <a:schemeClr val="accent1"/>
+          </a:effectRef>
+          <a:fontRef idx="minor">
+            <a:schemeClr val="lt1"/>
+          </a:fontRef>
+        </p:style>
+        <p:txBody>
+          <a:bodyPr rtlCol="0" anchor="ctr"/>
+          <a:lstStyle/>
+          <a:p>
+            <a:pPr algn="ctr"/>
+            <a:endParaRPr lang="de-DE"/>
+          </a:p>
+        </p:txBody>
+      </p:sp>
+      <p:sp>
+        <p:nvSpPr>
+          <p:cNvPr id="8" name="Rechteck 7">
+            <a:extLst>
+              <a:ext uri="{FF2B5EF4-FFF2-40B4-BE49-F238E27FC236}">
+                <a16:creationId xmlns:a16="http://schemas.microsoft.com/office/drawing/2014/main" id="{3870FAA0-0AFC-465A-A02B-287D7942B268}"/>
+              </a:ext>
+            </a:extLst>
+          </p:cNvPr>
+          <p:cNvSpPr/>
+          <p:nvPr/>
+        </p:nvSpPr>
+        <p:spPr>
+          <a:xfrm rot="18480692">
+            <a:off x="8237857" y="5229351"/>
+            <a:ext cx="2381538" cy="1906940"/>
+          </a:xfrm>
+          <a:prstGeom prst="rect">
+            <a:avLst/>
+          </a:prstGeom>
+          <a:solidFill>
+            <a:schemeClr val="accent1">
+              <a:lumMod val="60000"/>
+              <a:lumOff val="40000"/>
+            </a:schemeClr>
+          </a:solidFill>
+          <a:ln>
+            <a:noFill/>
+          </a:ln>
+        </p:spPr>
+        <p:style>
+          <a:lnRef idx="2">
+            <a:schemeClr val="accent1">
+              <a:shade val="50000"/>
+            </a:schemeClr>
+          </a:lnRef>
+          <a:fillRef idx="1">
+            <a:schemeClr val="accent1"/>
+          </a:fillRef>
+          <a:effectRef idx="0">
+            <a:schemeClr val="accent1"/>
+          </a:effectRef>
+          <a:fontRef idx="minor">
+            <a:schemeClr val="lt1"/>
+          </a:fontRef>
+        </p:style>
+        <p:txBody>
+          <a:bodyPr rtlCol="0" anchor="ctr"/>
+          <a:lstStyle/>
+          <a:p>
+            <a:pPr algn="ctr"/>
+            <a:endParaRPr lang="de-DE"/>
+          </a:p>
+        </p:txBody>
+      </p:sp>
+      <p:sp>
+        <p:nvSpPr>
+          <p:cNvPr id="14" name="Textfeld 13">
+            <a:extLst>
+              <a:ext uri="{FF2B5EF4-FFF2-40B4-BE49-F238E27FC236}">
+                <a16:creationId xmlns:a16="http://schemas.microsoft.com/office/drawing/2014/main" id="{8CB33865-E13D-4CEF-B8E2-C3F8A9129937}"/>
+              </a:ext>
+            </a:extLst>
+          </p:cNvPr>
+          <p:cNvSpPr txBox="1"/>
+          <p:nvPr/>
+        </p:nvSpPr>
+        <p:spPr>
+          <a:xfrm>
+            <a:off x="791773" y="1607322"/>
+            <a:ext cx="5452737" cy="3218638"/>
+          </a:xfrm>
+          <a:prstGeom prst="rect">
+            <a:avLst/>
+          </a:prstGeom>
+          <a:noFill/>
+        </p:spPr>
+        <p:txBody>
+          <a:bodyPr wrap="square">
+            <a:spAutoFit/>
+          </a:bodyPr>
+          <a:lstStyle/>
+          <a:p>
+            <a:pPr lvl="0">
+              <a:lnSpc>
+                <a:spcPct val="107000"/>
+              </a:lnSpc>
+            </a:pPr>
+            <a:r>
+              <a:rPr lang="de-DE" sz="4800" dirty="0">
+                <a:effectLst/>
+                <a:latin typeface="Calibri" panose="020F0502020204030204" pitchFamily="34" charset="0"/>
+                <a:ea typeface="Calibri" panose="020F0502020204030204" pitchFamily="34" charset="0"/>
+                <a:cs typeface="Times New Roman" panose="02020603050405020304" pitchFamily="18" charset="0"/>
+              </a:rPr>
+              <a:t>Rawezh Hama</a:t>
+            </a:r>
+          </a:p>
+          <a:p>
+            <a:pPr lvl="0">
+              <a:lnSpc>
+                <a:spcPct val="107000"/>
+              </a:lnSpc>
+            </a:pPr>
+            <a:r>
+              <a:rPr lang="de-DE" sz="4800" dirty="0">
+                <a:latin typeface="Calibri" panose="020F0502020204030204" pitchFamily="34" charset="0"/>
+                <a:ea typeface="Calibri" panose="020F0502020204030204" pitchFamily="34" charset="0"/>
+                <a:cs typeface="Times New Roman" panose="02020603050405020304" pitchFamily="18" charset="0"/>
+              </a:rPr>
+              <a:t>Andy </a:t>
+            </a:r>
+            <a:r>
+              <a:rPr lang="de-DE" sz="4800" dirty="0" err="1">
+                <a:latin typeface="Calibri" panose="020F0502020204030204" pitchFamily="34" charset="0"/>
+                <a:ea typeface="Calibri" panose="020F0502020204030204" pitchFamily="34" charset="0"/>
+                <a:cs typeface="Times New Roman" panose="02020603050405020304" pitchFamily="18" charset="0"/>
+              </a:rPr>
+              <a:t>Gahler</a:t>
+            </a:r>
+            <a:endParaRPr lang="de-DE" sz="4800" dirty="0">
+              <a:latin typeface="Calibri" panose="020F0502020204030204" pitchFamily="34" charset="0"/>
+              <a:ea typeface="Calibri" panose="020F0502020204030204" pitchFamily="34" charset="0"/>
+              <a:cs typeface="Times New Roman" panose="02020603050405020304" pitchFamily="18" charset="0"/>
+            </a:endParaRPr>
+          </a:p>
+          <a:p>
+            <a:pPr lvl="0">
+              <a:lnSpc>
+                <a:spcPct val="107000"/>
+              </a:lnSpc>
+            </a:pPr>
+            <a:r>
+              <a:rPr lang="de-DE" sz="4800" dirty="0">
+                <a:effectLst/>
+                <a:latin typeface="Calibri" panose="020F0502020204030204" pitchFamily="34" charset="0"/>
+                <a:ea typeface="Calibri" panose="020F0502020204030204" pitchFamily="34" charset="0"/>
+                <a:cs typeface="Times New Roman" panose="02020603050405020304" pitchFamily="18" charset="0"/>
+              </a:rPr>
+              <a:t>Emile Essam</a:t>
+            </a:r>
+          </a:p>
+          <a:p>
+            <a:pPr lvl="0">
+              <a:lnSpc>
+                <a:spcPct val="107000"/>
+              </a:lnSpc>
+            </a:pPr>
+            <a:r>
+              <a:rPr lang="de-DE" sz="4800" dirty="0">
+                <a:latin typeface="Calibri" panose="020F0502020204030204" pitchFamily="34" charset="0"/>
+                <a:ea typeface="Calibri" panose="020F0502020204030204" pitchFamily="34" charset="0"/>
+                <a:cs typeface="Times New Roman" panose="02020603050405020304" pitchFamily="18" charset="0"/>
+              </a:rPr>
+              <a:t>Joshua Sadowsky </a:t>
+            </a:r>
+            <a:endParaRPr lang="de-DE" sz="4800" dirty="0">
+              <a:effectLst/>
+              <a:latin typeface="Calibri" panose="020F0502020204030204" pitchFamily="34" charset="0"/>
+              <a:ea typeface="Calibri" panose="020F0502020204030204" pitchFamily="34" charset="0"/>
+              <a:cs typeface="Times New Roman" panose="02020603050405020304" pitchFamily="18" charset="0"/>
+            </a:endParaRPr>
+          </a:p>
+        </p:txBody>
+      </p:sp>
+      <p:sp>
+        <p:nvSpPr>
+          <p:cNvPr id="16" name="Rechteck 15">
+            <a:extLst>
+              <a:ext uri="{FF2B5EF4-FFF2-40B4-BE49-F238E27FC236}">
+                <a16:creationId xmlns:a16="http://schemas.microsoft.com/office/drawing/2014/main" id="{A5B6AA5B-294B-4999-96BD-F0BBFE129FA4}"/>
+              </a:ext>
+            </a:extLst>
+          </p:cNvPr>
+          <p:cNvSpPr/>
+          <p:nvPr/>
+        </p:nvSpPr>
+        <p:spPr>
+          <a:xfrm rot="18686166">
+            <a:off x="360594" y="-116885"/>
+            <a:ext cx="6233518" cy="6667052"/>
+          </a:xfrm>
+          <a:prstGeom prst="rect">
+            <a:avLst/>
+          </a:prstGeom>
+          <a:noFill/>
+          <a:ln w="28575">
+            <a:solidFill>
+              <a:schemeClr val="bg1"/>
+            </a:solidFill>
+          </a:ln>
+        </p:spPr>
+        <p:style>
+          <a:lnRef idx="2">
+            <a:schemeClr val="accent1">
+              <a:shade val="50000"/>
+            </a:schemeClr>
+          </a:lnRef>
+          <a:fillRef idx="1">
+            <a:schemeClr val="accent1"/>
+          </a:fillRef>
+          <a:effectRef idx="0">
+            <a:schemeClr val="accent1"/>
+          </a:effectRef>
+          <a:fontRef idx="minor">
+            <a:schemeClr val="lt1"/>
+          </a:fontRef>
+        </p:style>
+        <p:txBody>
+          <a:bodyPr rtlCol="0" anchor="ctr"/>
+          <a:lstStyle/>
+          <a:p>
+            <a:pPr algn="ctr"/>
+            <a:endParaRPr lang="de-DE"/>
+          </a:p>
+        </p:txBody>
+      </p:sp>
+      <p:sp>
+        <p:nvSpPr>
+          <p:cNvPr id="17" name="Rechteck 16">
+            <a:extLst>
+              <a:ext uri="{FF2B5EF4-FFF2-40B4-BE49-F238E27FC236}">
+                <a16:creationId xmlns:a16="http://schemas.microsoft.com/office/drawing/2014/main" id="{A27D42E3-2C5B-461D-A317-950F158A3A9D}"/>
+              </a:ext>
+            </a:extLst>
+          </p:cNvPr>
+          <p:cNvSpPr/>
+          <p:nvPr/>
+        </p:nvSpPr>
+        <p:spPr>
+          <a:xfrm rot="18480692">
+            <a:off x="7332571" y="2377412"/>
+            <a:ext cx="1330172" cy="1400713"/>
+          </a:xfrm>
+          <a:prstGeom prst="rect">
+            <a:avLst/>
+          </a:prstGeom>
+          <a:solidFill>
+            <a:schemeClr val="bg1"/>
+          </a:solidFill>
+          <a:ln>
+            <a:noFill/>
+          </a:ln>
+        </p:spPr>
+        <p:style>
+          <a:lnRef idx="2">
+            <a:schemeClr val="accent1">
+              <a:shade val="50000"/>
+            </a:schemeClr>
+          </a:lnRef>
+          <a:fillRef idx="1">
+            <a:schemeClr val="accent1"/>
+          </a:fillRef>
+          <a:effectRef idx="0">
+            <a:schemeClr val="accent1"/>
+          </a:effectRef>
+          <a:fontRef idx="minor">
+            <a:schemeClr val="lt1"/>
+          </a:fontRef>
+        </p:style>
+        <p:txBody>
+          <a:bodyPr rtlCol="0" anchor="ctr"/>
+          <a:lstStyle/>
+          <a:p>
+            <a:pPr algn="ctr"/>
+            <a:endParaRPr lang="de-DE"/>
+          </a:p>
+        </p:txBody>
+      </p:sp>
+      <p:sp>
+        <p:nvSpPr>
+          <p:cNvPr id="18" name="Rechteck 17">
+            <a:extLst>
+              <a:ext uri="{FF2B5EF4-FFF2-40B4-BE49-F238E27FC236}">
+                <a16:creationId xmlns:a16="http://schemas.microsoft.com/office/drawing/2014/main" id="{2517B4E0-B508-437E-8A55-958496D6DDD0}"/>
+              </a:ext>
+            </a:extLst>
+          </p:cNvPr>
+          <p:cNvSpPr/>
+          <p:nvPr/>
+        </p:nvSpPr>
+        <p:spPr>
+          <a:xfrm rot="18480692">
+            <a:off x="7569677" y="2394666"/>
+            <a:ext cx="1330172" cy="1342112"/>
+          </a:xfrm>
+          <a:prstGeom prst="rect">
+            <a:avLst/>
+          </a:prstGeom>
+          <a:noFill/>
+          <a:ln w="28575">
+            <a:solidFill>
+              <a:schemeClr val="bg1"/>
+            </a:solidFill>
+          </a:ln>
+        </p:spPr>
+        <p:style>
+          <a:lnRef idx="2">
+            <a:schemeClr val="accent1">
+              <a:shade val="50000"/>
+            </a:schemeClr>
+          </a:lnRef>
+          <a:fillRef idx="1">
+            <a:schemeClr val="accent1"/>
+          </a:fillRef>
+          <a:effectRef idx="0">
+            <a:schemeClr val="accent1"/>
+          </a:effectRef>
+          <a:fontRef idx="minor">
+            <a:schemeClr val="lt1"/>
+          </a:fontRef>
+        </p:style>
+        <p:txBody>
+          <a:bodyPr rtlCol="0" anchor="ctr"/>
+          <a:lstStyle/>
+          <a:p>
+            <a:pPr algn="ctr"/>
+            <a:endParaRPr lang="de-DE"/>
+          </a:p>
+        </p:txBody>
+      </p:sp>
+    </p:spTree>
+    <p:extLst>
+      <p:ext uri="{BB962C8B-B14F-4D97-AF65-F5344CB8AC3E}">
+        <p14:creationId xmlns:p14="http://schemas.microsoft.com/office/powerpoint/2010/main" val="2543416579"/>
+      </p:ext>
+    </p:extLst>
+  </p:cSld>
+  <p:clrMapOvr>
+    <a:masterClrMapping/>
+  </p:clrMapOvr>
+</p:sld>
+</file>
+
+<file path=ppt/slides/slide16.xml><?xml version="1.0" encoding="utf-8"?>
+<p:sld xmlns:a="http://schemas.openxmlformats.org/drawingml/2006/main" xmlns:r="http://schemas.openxmlformats.org/officeDocument/2006/relationships" xmlns:p="http://schemas.openxmlformats.org/presentationml/2006/main">
+  <p:cSld>
+    <p:spTree>
+      <p:nvGrpSpPr>
+        <p:cNvPr id="1" name=""/>
+        <p:cNvGrpSpPr/>
+        <p:nvPr/>
+      </p:nvGrpSpPr>
+      <p:grpSpPr>
+        <a:xfrm>
+          <a:off x="0" y="0"/>
+          <a:ext cx="0" cy="0"/>
+          <a:chOff x="0" y="0"/>
+          <a:chExt cx="0" cy="0"/>
+        </a:xfrm>
+      </p:grpSpPr>
+      <p:sp>
+        <p:nvSpPr>
+          <p:cNvPr id="4" name="Rechteck 3">
+            <a:extLst>
+              <a:ext uri="{FF2B5EF4-FFF2-40B4-BE49-F238E27FC236}">
+                <a16:creationId xmlns:a16="http://schemas.microsoft.com/office/drawing/2014/main" id="{E91038F5-D706-4E86-B4CE-2E468F0C1321}"/>
+              </a:ext>
+            </a:extLst>
+          </p:cNvPr>
+          <p:cNvSpPr/>
+          <p:nvPr/>
+        </p:nvSpPr>
+        <p:spPr>
+          <a:xfrm>
+            <a:off x="0" y="0"/>
+            <a:ext cx="12191999" cy="6858000"/>
+          </a:xfrm>
+          <a:prstGeom prst="rect">
+            <a:avLst/>
+          </a:prstGeom>
+          <a:solidFill>
+            <a:schemeClr val="bg1">
+              <a:lumMod val="85000"/>
+            </a:schemeClr>
+          </a:solidFill>
+        </p:spPr>
+        <p:style>
+          <a:lnRef idx="2">
+            <a:schemeClr val="accent1">
+              <a:shade val="50000"/>
+            </a:schemeClr>
+          </a:lnRef>
+          <a:fillRef idx="1">
+            <a:schemeClr val="accent1"/>
+          </a:fillRef>
+          <a:effectRef idx="0">
+            <a:schemeClr val="accent1"/>
+          </a:effectRef>
+          <a:fontRef idx="minor">
+            <a:schemeClr val="lt1"/>
+          </a:fontRef>
+        </p:style>
+        <p:txBody>
+          <a:bodyPr rtlCol="0" anchor="ctr"/>
+          <a:lstStyle/>
+          <a:p>
+            <a:pPr algn="ctr"/>
+            <a:endParaRPr lang="de-DE" u="sng" dirty="0"/>
+          </a:p>
+        </p:txBody>
+      </p:sp>
+      <p:sp>
+        <p:nvSpPr>
+          <p:cNvPr id="15" name="Rechteck 14">
+            <a:extLst>
+              <a:ext uri="{FF2B5EF4-FFF2-40B4-BE49-F238E27FC236}">
+                <a16:creationId xmlns:a16="http://schemas.microsoft.com/office/drawing/2014/main" id="{8DAAEEAE-5CA1-4B17-9CAB-1FC906B74D94}"/>
+              </a:ext>
+            </a:extLst>
+          </p:cNvPr>
+          <p:cNvSpPr/>
+          <p:nvPr/>
+        </p:nvSpPr>
+        <p:spPr>
+          <a:xfrm rot="18686166">
+            <a:off x="-190289" y="-303623"/>
+            <a:ext cx="6474453" cy="7011954"/>
+          </a:xfrm>
+          <a:prstGeom prst="rect">
+            <a:avLst/>
+          </a:prstGeom>
+          <a:solidFill>
+            <a:schemeClr val="bg1"/>
+          </a:solidFill>
+          <a:ln>
+            <a:noFill/>
+          </a:ln>
+        </p:spPr>
+        <p:style>
+          <a:lnRef idx="2">
+            <a:schemeClr val="accent1">
+              <a:shade val="50000"/>
+            </a:schemeClr>
+          </a:lnRef>
+          <a:fillRef idx="1">
+            <a:schemeClr val="accent1"/>
+          </a:fillRef>
+          <a:effectRef idx="0">
+            <a:schemeClr val="accent1"/>
+          </a:effectRef>
+          <a:fontRef idx="minor">
+            <a:schemeClr val="lt1"/>
+          </a:fontRef>
+        </p:style>
+        <p:txBody>
+          <a:bodyPr rtlCol="0" anchor="ctr"/>
+          <a:lstStyle/>
+          <a:p>
+            <a:pPr algn="ctr"/>
+            <a:endParaRPr lang="de-DE"/>
+          </a:p>
+        </p:txBody>
+      </p:sp>
+      <p:sp>
+        <p:nvSpPr>
+          <p:cNvPr id="5" name="Rechteck 4">
+            <a:extLst>
+              <a:ext uri="{FF2B5EF4-FFF2-40B4-BE49-F238E27FC236}">
+                <a16:creationId xmlns:a16="http://schemas.microsoft.com/office/drawing/2014/main" id="{6505C48D-1BB5-4A0A-9981-8C4BCC228182}"/>
+              </a:ext>
+            </a:extLst>
+          </p:cNvPr>
+          <p:cNvSpPr/>
+          <p:nvPr/>
+        </p:nvSpPr>
+        <p:spPr>
+          <a:xfrm rot="18480692">
+            <a:off x="9077324" y="-1443037"/>
+            <a:ext cx="3057525" cy="3157537"/>
+          </a:xfrm>
+          <a:prstGeom prst="rect">
+            <a:avLst/>
+          </a:prstGeom>
+          <a:solidFill>
+            <a:schemeClr val="accent4">
+              <a:lumMod val="40000"/>
+              <a:lumOff val="60000"/>
+            </a:schemeClr>
+          </a:solidFill>
+          <a:ln>
+            <a:noFill/>
+          </a:ln>
+        </p:spPr>
+        <p:style>
+          <a:lnRef idx="2">
+            <a:schemeClr val="accent1">
+              <a:shade val="50000"/>
+            </a:schemeClr>
+          </a:lnRef>
+          <a:fillRef idx="1">
+            <a:schemeClr val="accent1"/>
+          </a:fillRef>
+          <a:effectRef idx="0">
+            <a:schemeClr val="accent1"/>
+          </a:effectRef>
+          <a:fontRef idx="minor">
+            <a:schemeClr val="lt1"/>
+          </a:fontRef>
+        </p:style>
+        <p:txBody>
+          <a:bodyPr rtlCol="0" anchor="ctr"/>
+          <a:lstStyle/>
+          <a:p>
+            <a:pPr algn="ctr"/>
+            <a:endParaRPr lang="de-DE"/>
+          </a:p>
+        </p:txBody>
+      </p:sp>
+      <p:sp>
+        <p:nvSpPr>
+          <p:cNvPr id="6" name="Rechteck 5">
+            <a:extLst>
+              <a:ext uri="{FF2B5EF4-FFF2-40B4-BE49-F238E27FC236}">
+                <a16:creationId xmlns:a16="http://schemas.microsoft.com/office/drawing/2014/main" id="{C2508899-2B3A-4B41-B7EF-81C1618C0F49}"/>
+              </a:ext>
+            </a:extLst>
+          </p:cNvPr>
+          <p:cNvSpPr/>
+          <p:nvPr/>
+        </p:nvSpPr>
+        <p:spPr>
+          <a:xfrm rot="18480692">
+            <a:off x="11107813" y="653845"/>
+            <a:ext cx="1330172" cy="1224903"/>
+          </a:xfrm>
+          <a:prstGeom prst="rect">
+            <a:avLst/>
+          </a:prstGeom>
+          <a:solidFill>
+            <a:schemeClr val="accent4">
+              <a:lumMod val="60000"/>
+              <a:lumOff val="40000"/>
+            </a:schemeClr>
+          </a:solidFill>
+          <a:ln>
+            <a:noFill/>
+          </a:ln>
+        </p:spPr>
+        <p:style>
+          <a:lnRef idx="2">
+            <a:schemeClr val="accent1">
+              <a:shade val="50000"/>
+            </a:schemeClr>
+          </a:lnRef>
+          <a:fillRef idx="1">
+            <a:schemeClr val="accent1"/>
+          </a:fillRef>
+          <a:effectRef idx="0">
+            <a:schemeClr val="accent1"/>
+          </a:effectRef>
+          <a:fontRef idx="minor">
+            <a:schemeClr val="lt1"/>
+          </a:fontRef>
+        </p:style>
+        <p:txBody>
+          <a:bodyPr rtlCol="0" anchor="ctr"/>
+          <a:lstStyle/>
+          <a:p>
+            <a:pPr algn="ctr"/>
+            <a:endParaRPr lang="de-DE"/>
+          </a:p>
+        </p:txBody>
+      </p:sp>
+      <p:sp>
+        <p:nvSpPr>
+          <p:cNvPr id="7" name="Rechteck 6">
+            <a:extLst>
+              <a:ext uri="{FF2B5EF4-FFF2-40B4-BE49-F238E27FC236}">
+                <a16:creationId xmlns:a16="http://schemas.microsoft.com/office/drawing/2014/main" id="{74471B95-FD78-4E23-ABD0-01E801FB1163}"/>
+              </a:ext>
+            </a:extLst>
+          </p:cNvPr>
+          <p:cNvSpPr/>
+          <p:nvPr/>
+        </p:nvSpPr>
+        <p:spPr>
+          <a:xfrm rot="18480692">
+            <a:off x="9518891" y="4316941"/>
+            <a:ext cx="3057525" cy="3157537"/>
+          </a:xfrm>
+          <a:prstGeom prst="rect">
+            <a:avLst/>
+          </a:prstGeom>
+          <a:solidFill>
+            <a:schemeClr val="accent1">
+              <a:lumMod val="40000"/>
+              <a:lumOff val="60000"/>
+            </a:schemeClr>
+          </a:solidFill>
+          <a:ln>
+            <a:noFill/>
+          </a:ln>
+        </p:spPr>
+        <p:style>
+          <a:lnRef idx="2">
+            <a:schemeClr val="accent1">
+              <a:shade val="50000"/>
+            </a:schemeClr>
+          </a:lnRef>
+          <a:fillRef idx="1">
+            <a:schemeClr val="accent1"/>
+          </a:fillRef>
+          <a:effectRef idx="0">
+            <a:schemeClr val="accent1"/>
+          </a:effectRef>
+          <a:fontRef idx="minor">
+            <a:schemeClr val="lt1"/>
+          </a:fontRef>
+        </p:style>
+        <p:txBody>
+          <a:bodyPr rtlCol="0" anchor="ctr"/>
+          <a:lstStyle/>
+          <a:p>
+            <a:pPr algn="ctr"/>
+            <a:endParaRPr lang="de-DE"/>
+          </a:p>
+        </p:txBody>
+      </p:sp>
+      <p:sp>
+        <p:nvSpPr>
+          <p:cNvPr id="8" name="Rechteck 7">
+            <a:extLst>
+              <a:ext uri="{FF2B5EF4-FFF2-40B4-BE49-F238E27FC236}">
+                <a16:creationId xmlns:a16="http://schemas.microsoft.com/office/drawing/2014/main" id="{3870FAA0-0AFC-465A-A02B-287D7942B268}"/>
+              </a:ext>
+            </a:extLst>
+          </p:cNvPr>
+          <p:cNvSpPr/>
+          <p:nvPr/>
+        </p:nvSpPr>
+        <p:spPr>
+          <a:xfrm rot="18480692">
+            <a:off x="8237857" y="5229351"/>
+            <a:ext cx="2381538" cy="1906940"/>
+          </a:xfrm>
+          <a:prstGeom prst="rect">
+            <a:avLst/>
+          </a:prstGeom>
+          <a:solidFill>
+            <a:schemeClr val="accent1">
+              <a:lumMod val="60000"/>
+              <a:lumOff val="40000"/>
+            </a:schemeClr>
+          </a:solidFill>
+          <a:ln>
+            <a:noFill/>
+          </a:ln>
+        </p:spPr>
+        <p:style>
+          <a:lnRef idx="2">
+            <a:schemeClr val="accent1">
+              <a:shade val="50000"/>
+            </a:schemeClr>
+          </a:lnRef>
+          <a:fillRef idx="1">
+            <a:schemeClr val="accent1"/>
+          </a:fillRef>
+          <a:effectRef idx="0">
+            <a:schemeClr val="accent1"/>
+          </a:effectRef>
+          <a:fontRef idx="minor">
+            <a:schemeClr val="lt1"/>
+          </a:fontRef>
+        </p:style>
+        <p:txBody>
+          <a:bodyPr rtlCol="0" anchor="ctr"/>
+          <a:lstStyle/>
+          <a:p>
+            <a:pPr algn="ctr"/>
+            <a:endParaRPr lang="de-DE"/>
+          </a:p>
+        </p:txBody>
+      </p:sp>
+      <p:sp>
+        <p:nvSpPr>
+          <p:cNvPr id="14" name="Textfeld 13">
+            <a:extLst>
+              <a:ext uri="{FF2B5EF4-FFF2-40B4-BE49-F238E27FC236}">
+                <a16:creationId xmlns:a16="http://schemas.microsoft.com/office/drawing/2014/main" id="{8CB33865-E13D-4CEF-B8E2-C3F8A9129937}"/>
+              </a:ext>
+            </a:extLst>
+          </p:cNvPr>
+          <p:cNvSpPr txBox="1"/>
+          <p:nvPr/>
+        </p:nvSpPr>
+        <p:spPr>
+          <a:xfrm>
+            <a:off x="663614" y="2214853"/>
+            <a:ext cx="5452737" cy="2428293"/>
+          </a:xfrm>
+          <a:prstGeom prst="rect">
+            <a:avLst/>
+          </a:prstGeom>
+          <a:noFill/>
+        </p:spPr>
+        <p:txBody>
+          <a:bodyPr wrap="square">
+            <a:spAutoFit/>
+          </a:bodyPr>
+          <a:lstStyle/>
+          <a:p>
+            <a:pPr lvl="0">
+              <a:lnSpc>
+                <a:spcPct val="107000"/>
+              </a:lnSpc>
+            </a:pPr>
+            <a:r>
+              <a:rPr lang="de-DE" sz="4800" dirty="0" err="1">
+                <a:effectLst/>
+                <a:latin typeface="Calibri" panose="020F0502020204030204" pitchFamily="34" charset="0"/>
+                <a:ea typeface="Calibri" panose="020F0502020204030204" pitchFamily="34" charset="0"/>
+                <a:cs typeface="Times New Roman" panose="02020603050405020304" pitchFamily="18" charset="0"/>
+              </a:rPr>
+              <a:t>We</a:t>
+            </a:r>
+            <a:r>
+              <a:rPr lang="de-DE" sz="4800" dirty="0">
+                <a:effectLst/>
+                <a:latin typeface="Calibri" panose="020F0502020204030204" pitchFamily="34" charset="0"/>
+                <a:ea typeface="Calibri" panose="020F0502020204030204" pitchFamily="34" charset="0"/>
+                <a:cs typeface="Times New Roman" panose="02020603050405020304" pitchFamily="18" charset="0"/>
+              </a:rPr>
+              <a:t> </a:t>
+            </a:r>
+            <a:r>
+              <a:rPr lang="de-DE" sz="4800" dirty="0" err="1">
+                <a:effectLst/>
+                <a:latin typeface="Calibri" panose="020F0502020204030204" pitchFamily="34" charset="0"/>
+                <a:ea typeface="Calibri" panose="020F0502020204030204" pitchFamily="34" charset="0"/>
+                <a:cs typeface="Times New Roman" panose="02020603050405020304" pitchFamily="18" charset="0"/>
+              </a:rPr>
+              <a:t>are</a:t>
+            </a:r>
+            <a:r>
+              <a:rPr lang="de-DE" sz="4800" dirty="0">
+                <a:effectLst/>
+                <a:latin typeface="Calibri" panose="020F0502020204030204" pitchFamily="34" charset="0"/>
+                <a:ea typeface="Calibri" panose="020F0502020204030204" pitchFamily="34" charset="0"/>
+                <a:cs typeface="Times New Roman" panose="02020603050405020304" pitchFamily="18" charset="0"/>
+              </a:rPr>
+              <a:t> </a:t>
+            </a:r>
+            <a:r>
+              <a:rPr lang="de-DE" sz="4800" dirty="0" err="1">
+                <a:effectLst/>
+                <a:latin typeface="Calibri" panose="020F0502020204030204" pitchFamily="34" charset="0"/>
+                <a:ea typeface="Calibri" panose="020F0502020204030204" pitchFamily="34" charset="0"/>
+                <a:cs typeface="Times New Roman" panose="02020603050405020304" pitchFamily="18" charset="0"/>
+              </a:rPr>
+              <a:t>very</a:t>
+            </a:r>
+            <a:r>
+              <a:rPr lang="de-DE" sz="4800" dirty="0">
+                <a:effectLst/>
+                <a:latin typeface="Calibri" panose="020F0502020204030204" pitchFamily="34" charset="0"/>
+                <a:ea typeface="Calibri" panose="020F0502020204030204" pitchFamily="34" charset="0"/>
+                <a:cs typeface="Times New Roman" panose="02020603050405020304" pitchFamily="18" charset="0"/>
+              </a:rPr>
+              <a:t> </a:t>
+            </a:r>
+            <a:r>
+              <a:rPr lang="de-DE" sz="4800" dirty="0" err="1">
+                <a:effectLst/>
+                <a:latin typeface="Calibri" panose="020F0502020204030204" pitchFamily="34" charset="0"/>
+                <a:ea typeface="Calibri" panose="020F0502020204030204" pitchFamily="34" charset="0"/>
+                <a:cs typeface="Times New Roman" panose="02020603050405020304" pitchFamily="18" charset="0"/>
+              </a:rPr>
+              <a:t>pleased</a:t>
+            </a:r>
+            <a:r>
+              <a:rPr lang="de-DE" sz="4800" dirty="0">
+                <a:effectLst/>
+                <a:latin typeface="Calibri" panose="020F0502020204030204" pitchFamily="34" charset="0"/>
+                <a:ea typeface="Calibri" panose="020F0502020204030204" pitchFamily="34" charset="0"/>
+                <a:cs typeface="Times New Roman" panose="02020603050405020304" pitchFamily="18" charset="0"/>
+              </a:rPr>
+              <a:t> </a:t>
+            </a:r>
+            <a:r>
+              <a:rPr lang="de-DE" sz="4800" dirty="0" err="1">
+                <a:effectLst/>
+                <a:latin typeface="Calibri" panose="020F0502020204030204" pitchFamily="34" charset="0"/>
+                <a:ea typeface="Calibri" panose="020F0502020204030204" pitchFamily="34" charset="0"/>
+                <a:cs typeface="Times New Roman" panose="02020603050405020304" pitchFamily="18" charset="0"/>
+              </a:rPr>
+              <a:t>when</a:t>
+            </a:r>
+            <a:r>
+              <a:rPr lang="de-DE" sz="4800" dirty="0">
+                <a:effectLst/>
+                <a:latin typeface="Calibri" panose="020F0502020204030204" pitchFamily="34" charset="0"/>
+                <a:ea typeface="Calibri" panose="020F0502020204030204" pitchFamily="34" charset="0"/>
+                <a:cs typeface="Times New Roman" panose="02020603050405020304" pitchFamily="18" charset="0"/>
+              </a:rPr>
+              <a:t> </a:t>
+            </a:r>
+            <a:r>
+              <a:rPr lang="de-DE" sz="4800" dirty="0" err="1">
+                <a:effectLst/>
+                <a:latin typeface="Calibri" panose="020F0502020204030204" pitchFamily="34" charset="0"/>
+                <a:ea typeface="Calibri" panose="020F0502020204030204" pitchFamily="34" charset="0"/>
+                <a:cs typeface="Times New Roman" panose="02020603050405020304" pitchFamily="18" charset="0"/>
+              </a:rPr>
+              <a:t>answere</a:t>
+            </a:r>
+            <a:r>
+              <a:rPr lang="de-DE" sz="4800" dirty="0">
+                <a:effectLst/>
+                <a:latin typeface="Calibri" panose="020F0502020204030204" pitchFamily="34" charset="0"/>
+                <a:ea typeface="Calibri" panose="020F0502020204030204" pitchFamily="34" charset="0"/>
+                <a:cs typeface="Times New Roman" panose="02020603050405020304" pitchFamily="18" charset="0"/>
+              </a:rPr>
+              <a:t> </a:t>
+            </a:r>
+            <a:r>
+              <a:rPr lang="de-DE" sz="4800" dirty="0" err="1">
+                <a:effectLst/>
+                <a:latin typeface="Calibri" panose="020F0502020204030204" pitchFamily="34" charset="0"/>
+                <a:ea typeface="Calibri" panose="020F0502020204030204" pitchFamily="34" charset="0"/>
+                <a:cs typeface="Times New Roman" panose="02020603050405020304" pitchFamily="18" charset="0"/>
+              </a:rPr>
+              <a:t>your</a:t>
+            </a:r>
+            <a:r>
+              <a:rPr lang="de-DE" sz="4800" dirty="0">
+                <a:effectLst/>
+                <a:latin typeface="Calibri" panose="020F0502020204030204" pitchFamily="34" charset="0"/>
+                <a:ea typeface="Calibri" panose="020F0502020204030204" pitchFamily="34" charset="0"/>
+                <a:cs typeface="Times New Roman" panose="02020603050405020304" pitchFamily="18" charset="0"/>
+              </a:rPr>
+              <a:t> </a:t>
+            </a:r>
+            <a:r>
+              <a:rPr lang="de-DE" sz="4800" dirty="0" err="1">
+                <a:effectLst/>
+                <a:latin typeface="Calibri" panose="020F0502020204030204" pitchFamily="34" charset="0"/>
+                <a:ea typeface="Calibri" panose="020F0502020204030204" pitchFamily="34" charset="0"/>
+                <a:cs typeface="Times New Roman" panose="02020603050405020304" pitchFamily="18" charset="0"/>
+              </a:rPr>
+              <a:t>question</a:t>
+            </a:r>
+            <a:r>
+              <a:rPr lang="de-DE" sz="4800" dirty="0">
+                <a:latin typeface="Calibri" panose="020F0502020204030204" pitchFamily="34" charset="0"/>
+                <a:ea typeface="Calibri" panose="020F0502020204030204" pitchFamily="34" charset="0"/>
+                <a:cs typeface="Times New Roman" panose="02020603050405020304" pitchFamily="18" charset="0"/>
+              </a:rPr>
+              <a:t> </a:t>
+            </a:r>
+            <a:r>
+              <a:rPr lang="de-DE" sz="4800" dirty="0">
+                <a:latin typeface="Calibri" panose="020F0502020204030204" pitchFamily="34" charset="0"/>
+                <a:ea typeface="Calibri" panose="020F0502020204030204" pitchFamily="34" charset="0"/>
+                <a:cs typeface="Times New Roman" panose="02020603050405020304" pitchFamily="18" charset="0"/>
+                <a:sym typeface="Wingdings" panose="05000000000000000000" pitchFamily="2" charset="2"/>
+              </a:rPr>
+              <a:t></a:t>
+            </a:r>
+            <a:endParaRPr lang="de-DE" sz="4800" dirty="0">
+              <a:effectLst/>
+              <a:latin typeface="Calibri" panose="020F0502020204030204" pitchFamily="34" charset="0"/>
+              <a:ea typeface="Calibri" panose="020F0502020204030204" pitchFamily="34" charset="0"/>
+              <a:cs typeface="Times New Roman" panose="02020603050405020304" pitchFamily="18" charset="0"/>
+            </a:endParaRPr>
+          </a:p>
+        </p:txBody>
+      </p:sp>
+      <p:sp>
+        <p:nvSpPr>
+          <p:cNvPr id="16" name="Rechteck 15">
+            <a:extLst>
+              <a:ext uri="{FF2B5EF4-FFF2-40B4-BE49-F238E27FC236}">
+                <a16:creationId xmlns:a16="http://schemas.microsoft.com/office/drawing/2014/main" id="{A5B6AA5B-294B-4999-96BD-F0BBFE129FA4}"/>
+              </a:ext>
+            </a:extLst>
+          </p:cNvPr>
+          <p:cNvSpPr/>
+          <p:nvPr/>
+        </p:nvSpPr>
+        <p:spPr>
+          <a:xfrm rot="18686166">
+            <a:off x="360594" y="-116885"/>
+            <a:ext cx="6233518" cy="6667052"/>
+          </a:xfrm>
+          <a:prstGeom prst="rect">
+            <a:avLst/>
+          </a:prstGeom>
+          <a:noFill/>
+          <a:ln w="28575">
+            <a:solidFill>
+              <a:schemeClr val="bg1"/>
+            </a:solidFill>
+          </a:ln>
+        </p:spPr>
+        <p:style>
+          <a:lnRef idx="2">
+            <a:schemeClr val="accent1">
+              <a:shade val="50000"/>
+            </a:schemeClr>
+          </a:lnRef>
+          <a:fillRef idx="1">
+            <a:schemeClr val="accent1"/>
+          </a:fillRef>
+          <a:effectRef idx="0">
+            <a:schemeClr val="accent1"/>
+          </a:effectRef>
+          <a:fontRef idx="minor">
+            <a:schemeClr val="lt1"/>
+          </a:fontRef>
+        </p:style>
+        <p:txBody>
+          <a:bodyPr rtlCol="0" anchor="ctr"/>
+          <a:lstStyle/>
+          <a:p>
+            <a:pPr algn="ctr"/>
+            <a:endParaRPr lang="de-DE"/>
+          </a:p>
+        </p:txBody>
+      </p:sp>
+      <p:sp>
+        <p:nvSpPr>
+          <p:cNvPr id="17" name="Rechteck 16">
+            <a:extLst>
+              <a:ext uri="{FF2B5EF4-FFF2-40B4-BE49-F238E27FC236}">
+                <a16:creationId xmlns:a16="http://schemas.microsoft.com/office/drawing/2014/main" id="{A27D42E3-2C5B-461D-A317-950F158A3A9D}"/>
+              </a:ext>
+            </a:extLst>
+          </p:cNvPr>
+          <p:cNvSpPr/>
+          <p:nvPr/>
+        </p:nvSpPr>
+        <p:spPr>
+          <a:xfrm rot="18480692">
+            <a:off x="7332571" y="2377412"/>
+            <a:ext cx="1330172" cy="1400713"/>
+          </a:xfrm>
+          <a:prstGeom prst="rect">
+            <a:avLst/>
+          </a:prstGeom>
+          <a:solidFill>
+            <a:schemeClr val="bg1"/>
+          </a:solidFill>
+          <a:ln>
+            <a:noFill/>
+          </a:ln>
+        </p:spPr>
+        <p:style>
+          <a:lnRef idx="2">
+            <a:schemeClr val="accent1">
+              <a:shade val="50000"/>
+            </a:schemeClr>
+          </a:lnRef>
+          <a:fillRef idx="1">
+            <a:schemeClr val="accent1"/>
+          </a:fillRef>
+          <a:effectRef idx="0">
+            <a:schemeClr val="accent1"/>
+          </a:effectRef>
+          <a:fontRef idx="minor">
+            <a:schemeClr val="lt1"/>
+          </a:fontRef>
+        </p:style>
+        <p:txBody>
+          <a:bodyPr rtlCol="0" anchor="ctr"/>
+          <a:lstStyle/>
+          <a:p>
+            <a:pPr algn="ctr"/>
+            <a:endParaRPr lang="de-DE"/>
+          </a:p>
+        </p:txBody>
+      </p:sp>
+      <p:sp>
+        <p:nvSpPr>
+          <p:cNvPr id="18" name="Rechteck 17">
+            <a:extLst>
+              <a:ext uri="{FF2B5EF4-FFF2-40B4-BE49-F238E27FC236}">
+                <a16:creationId xmlns:a16="http://schemas.microsoft.com/office/drawing/2014/main" id="{2517B4E0-B508-437E-8A55-958496D6DDD0}"/>
+              </a:ext>
+            </a:extLst>
+          </p:cNvPr>
+          <p:cNvSpPr/>
+          <p:nvPr/>
+        </p:nvSpPr>
+        <p:spPr>
+          <a:xfrm rot="18480692">
+            <a:off x="7569677" y="2394666"/>
+            <a:ext cx="1330172" cy="1342112"/>
+          </a:xfrm>
+          <a:prstGeom prst="rect">
+            <a:avLst/>
+          </a:prstGeom>
+          <a:noFill/>
+          <a:ln w="28575">
+            <a:solidFill>
+              <a:schemeClr val="bg1"/>
+            </a:solidFill>
+          </a:ln>
+        </p:spPr>
+        <p:style>
+          <a:lnRef idx="2">
+            <a:schemeClr val="accent1">
+              <a:shade val="50000"/>
+            </a:schemeClr>
+          </a:lnRef>
+          <a:fillRef idx="1">
+            <a:schemeClr val="accent1"/>
+          </a:fillRef>
+          <a:effectRef idx="0">
+            <a:schemeClr val="accent1"/>
+          </a:effectRef>
+          <a:fontRef idx="minor">
+            <a:schemeClr val="lt1"/>
+          </a:fontRef>
+        </p:style>
+        <p:txBody>
+          <a:bodyPr rtlCol="0" anchor="ctr"/>
+          <a:lstStyle/>
+          <a:p>
+            <a:pPr algn="ctr"/>
+            <a:endParaRPr lang="de-DE"/>
+          </a:p>
+        </p:txBody>
+      </p:sp>
+    </p:spTree>
+    <p:extLst>
+      <p:ext uri="{BB962C8B-B14F-4D97-AF65-F5344CB8AC3E}">
+        <p14:creationId xmlns:p14="http://schemas.microsoft.com/office/powerpoint/2010/main" val="1284316906"/>
       </p:ext>
     </p:extLst>
   </p:cSld>
@@ -4973,22 +10944,13 @@
               <a:buAutoNum type="arabicPeriod"/>
             </a:pPr>
             <a:r>
-              <a:rPr lang="de-DE" sz="3200" dirty="0" err="1">
-                <a:effectLst/>
-                <a:latin typeface="Calibri" panose="020F0502020204030204" pitchFamily="34" charset="0"/>
-                <a:ea typeface="Calibri" panose="020F0502020204030204" pitchFamily="34" charset="0"/>
-                <a:cs typeface="Times New Roman" panose="02020603050405020304" pitchFamily="18" charset="0"/>
-              </a:rPr>
-              <a:t>Automatisition</a:t>
-            </a:r>
-            <a:r>
               <a:rPr lang="de-DE" sz="3200" dirty="0">
                 <a:effectLst/>
                 <a:latin typeface="Calibri" panose="020F0502020204030204" pitchFamily="34" charset="0"/>
                 <a:ea typeface="Calibri" panose="020F0502020204030204" pitchFamily="34" charset="0"/>
                 <a:cs typeface="Times New Roman" panose="02020603050405020304" pitchFamily="18" charset="0"/>
               </a:rPr>
-              <a:t> </a:t>
+              <a:t>Automatisation </a:t>
             </a:r>
           </a:p>
           <a:p>
@@ -6108,10 +12070,2880 @@
           </a:p>
         </p:txBody>
       </p:sp>
+      <p:pic>
+        <p:nvPicPr>
+          <p:cNvPr id="9" name="Bild2">
+            <a:extLst>
+              <a:ext uri="{FF2B5EF4-FFF2-40B4-BE49-F238E27FC236}">
+                <a16:creationId xmlns:a16="http://schemas.microsoft.com/office/drawing/2014/main" id="{E8A00BAE-C59C-46B5-BBC8-DBB68DB93929}"/>
+              </a:ext>
+            </a:extLst>
+          </p:cNvPr>
+          <p:cNvPicPr/>
+          <p:nvPr/>
+        </p:nvPicPr>
+        <p:blipFill>
+          <a:blip r:embed="rId2">
+            <a:lum/>
+            <a:alphaModFix/>
+          </a:blip>
+          <a:srcRect l="6069" t="2477" r="4013" b="16848"/>
+          <a:stretch>
+            <a:fillRect/>
+          </a:stretch>
+        </p:blipFill>
+        <p:spPr>
+          <a:xfrm>
+            <a:off x="419100" y="295275"/>
+            <a:ext cx="4712847" cy="6286500"/>
+          </a:xfrm>
+          <a:prstGeom prst="rect">
+            <a:avLst/>
+          </a:prstGeom>
+        </p:spPr>
+      </p:pic>
+      <p:sp>
+        <p:nvSpPr>
+          <p:cNvPr id="10" name="Textfeld 9">
+            <a:extLst>
+              <a:ext uri="{FF2B5EF4-FFF2-40B4-BE49-F238E27FC236}">
+                <a16:creationId xmlns:a16="http://schemas.microsoft.com/office/drawing/2014/main" id="{88DF1D1F-39C2-494F-A85D-619B1662FCE2}"/>
+              </a:ext>
+            </a:extLst>
+          </p:cNvPr>
+          <p:cNvSpPr txBox="1"/>
+          <p:nvPr/>
+        </p:nvSpPr>
+        <p:spPr>
+          <a:xfrm>
+            <a:off x="5293762" y="2120881"/>
+            <a:ext cx="4546032" cy="847604"/>
+          </a:xfrm>
+          <a:prstGeom prst="rect">
+            <a:avLst/>
+          </a:prstGeom>
+          <a:noFill/>
+        </p:spPr>
+        <p:txBody>
+          <a:bodyPr wrap="square">
+            <a:spAutoFit/>
+          </a:bodyPr>
+          <a:lstStyle/>
+          <a:p>
+            <a:pPr lvl="0">
+              <a:lnSpc>
+                <a:spcPct val="107000"/>
+              </a:lnSpc>
+            </a:pPr>
+            <a:r>
+              <a:rPr lang="de-DE" sz="4800" dirty="0" err="1">
+                <a:latin typeface="Calibri" panose="020F0502020204030204" pitchFamily="34" charset="0"/>
+                <a:ea typeface="Calibri" panose="020F0502020204030204" pitchFamily="34" charset="0"/>
+                <a:cs typeface="Times New Roman" panose="02020603050405020304" pitchFamily="18" charset="0"/>
+              </a:rPr>
+              <a:t>Current</a:t>
+            </a:r>
+            <a:r>
+              <a:rPr lang="de-DE" sz="4800" dirty="0">
+                <a:latin typeface="Calibri" panose="020F0502020204030204" pitchFamily="34" charset="0"/>
+                <a:ea typeface="Calibri" panose="020F0502020204030204" pitchFamily="34" charset="0"/>
+                <a:cs typeface="Times New Roman" panose="02020603050405020304" pitchFamily="18" charset="0"/>
+              </a:rPr>
+              <a:t>-Standing</a:t>
+            </a:r>
+            <a:endParaRPr lang="de-DE" sz="4800" dirty="0">
+              <a:effectLst/>
+              <a:latin typeface="Calibri" panose="020F0502020204030204" pitchFamily="34" charset="0"/>
+              <a:ea typeface="Calibri" panose="020F0502020204030204" pitchFamily="34" charset="0"/>
+              <a:cs typeface="Times New Roman" panose="02020603050405020304" pitchFamily="18" charset="0"/>
+            </a:endParaRPr>
+          </a:p>
+        </p:txBody>
+      </p:sp>
+      <p:sp>
+        <p:nvSpPr>
+          <p:cNvPr id="11" name="Textfeld 10">
+            <a:extLst>
+              <a:ext uri="{FF2B5EF4-FFF2-40B4-BE49-F238E27FC236}">
+                <a16:creationId xmlns:a16="http://schemas.microsoft.com/office/drawing/2014/main" id="{02937789-A608-46A0-8E7C-86205D9BF3CC}"/>
+              </a:ext>
+            </a:extLst>
+          </p:cNvPr>
+          <p:cNvSpPr txBox="1"/>
+          <p:nvPr/>
+        </p:nvSpPr>
+        <p:spPr>
+          <a:xfrm>
+            <a:off x="5293762" y="2918746"/>
+            <a:ext cx="6619874" cy="595932"/>
+          </a:xfrm>
+          <a:prstGeom prst="rect">
+            <a:avLst/>
+          </a:prstGeom>
+          <a:noFill/>
+        </p:spPr>
+        <p:txBody>
+          <a:bodyPr wrap="square">
+            <a:spAutoFit/>
+          </a:bodyPr>
+          <a:lstStyle/>
+          <a:p>
+            <a:pPr lvl="0">
+              <a:lnSpc>
+                <a:spcPct val="107000"/>
+              </a:lnSpc>
+            </a:pPr>
+            <a:r>
+              <a:rPr lang="de-DE" sz="3200" dirty="0">
+                <a:effectLst/>
+                <a:latin typeface="Calibri" panose="020F0502020204030204" pitchFamily="34" charset="0"/>
+                <a:ea typeface="Calibri" panose="020F0502020204030204" pitchFamily="34" charset="0"/>
+                <a:cs typeface="Times New Roman" panose="02020603050405020304" pitchFamily="18" charset="0"/>
+              </a:rPr>
+              <a:t>The network </a:t>
+            </a:r>
+            <a:r>
+              <a:rPr lang="de-DE" sz="3200" dirty="0">
+                <a:latin typeface="Calibri" panose="020F0502020204030204" pitchFamily="34" charset="0"/>
+                <a:ea typeface="Calibri" panose="020F0502020204030204" pitchFamily="34" charset="0"/>
+                <a:cs typeface="Times New Roman" panose="02020603050405020304" pitchFamily="18" charset="0"/>
+              </a:rPr>
+              <a:t>at </a:t>
+            </a:r>
+            <a:r>
+              <a:rPr lang="de-DE" sz="3200" dirty="0" err="1">
+                <a:latin typeface="Calibri" panose="020F0502020204030204" pitchFamily="34" charset="0"/>
+                <a:ea typeface="Calibri" panose="020F0502020204030204" pitchFamily="34" charset="0"/>
+                <a:cs typeface="Times New Roman" panose="02020603050405020304" pitchFamily="18" charset="0"/>
+              </a:rPr>
+              <a:t>the</a:t>
+            </a:r>
+            <a:r>
+              <a:rPr lang="de-DE" sz="3200" dirty="0">
+                <a:latin typeface="Calibri" panose="020F0502020204030204" pitchFamily="34" charset="0"/>
+                <a:ea typeface="Calibri" panose="020F0502020204030204" pitchFamily="34" charset="0"/>
+                <a:cs typeface="Times New Roman" panose="02020603050405020304" pitchFamily="18" charset="0"/>
+              </a:rPr>
+              <a:t> </a:t>
+            </a:r>
+            <a:r>
+              <a:rPr lang="de-DE" sz="3200" dirty="0" err="1">
+                <a:latin typeface="Calibri" panose="020F0502020204030204" pitchFamily="34" charset="0"/>
+                <a:ea typeface="Calibri" panose="020F0502020204030204" pitchFamily="34" charset="0"/>
+                <a:cs typeface="Times New Roman" panose="02020603050405020304" pitchFamily="18" charset="0"/>
+              </a:rPr>
+              <a:t>begning</a:t>
+            </a:r>
+            <a:r>
+              <a:rPr lang="de-DE" sz="3200" dirty="0">
+                <a:latin typeface="Calibri" panose="020F0502020204030204" pitchFamily="34" charset="0"/>
+                <a:ea typeface="Calibri" panose="020F0502020204030204" pitchFamily="34" charset="0"/>
+                <a:cs typeface="Times New Roman" panose="02020603050405020304" pitchFamily="18" charset="0"/>
+              </a:rPr>
+              <a:t> </a:t>
+            </a:r>
+            <a:endParaRPr lang="de-DE" sz="3200" dirty="0">
+              <a:effectLst/>
+              <a:latin typeface="Calibri" panose="020F0502020204030204" pitchFamily="34" charset="0"/>
+              <a:ea typeface="Calibri" panose="020F0502020204030204" pitchFamily="34" charset="0"/>
+              <a:cs typeface="Times New Roman" panose="02020603050405020304" pitchFamily="18" charset="0"/>
+            </a:endParaRPr>
+          </a:p>
+        </p:txBody>
+      </p:sp>
     </p:spTree>
     <p:extLst>
       <p:ext uri="{BB962C8B-B14F-4D97-AF65-F5344CB8AC3E}">
         <p14:creationId xmlns:p14="http://schemas.microsoft.com/office/powerpoint/2010/main" val="384449394"/>
+      </p:ext>
+    </p:extLst>
+  </p:cSld>
+  <p:clrMapOvr>
+    <a:masterClrMapping/>
+  </p:clrMapOvr>
+</p:sld>
+</file>
+
+<file path=ppt/slides/slide5.xml><?xml version="1.0" encoding="utf-8"?>
+<p:sld xmlns:a="http://schemas.openxmlformats.org/drawingml/2006/main" xmlns:r="http://schemas.openxmlformats.org/officeDocument/2006/relationships" xmlns:p="http://schemas.openxmlformats.org/presentationml/2006/main">
+  <p:cSld>
+    <p:spTree>
+      <p:nvGrpSpPr>
+        <p:cNvPr id="1" name=""/>
+        <p:cNvGrpSpPr/>
+        <p:nvPr/>
+      </p:nvGrpSpPr>
+      <p:grpSpPr>
+        <a:xfrm>
+          <a:off x="0" y="0"/>
+          <a:ext cx="0" cy="0"/>
+          <a:chOff x="0" y="0"/>
+          <a:chExt cx="0" cy="0"/>
+        </a:xfrm>
+      </p:grpSpPr>
+      <p:sp>
+        <p:nvSpPr>
+          <p:cNvPr id="4" name="Rechteck 3">
+            <a:extLst>
+              <a:ext uri="{FF2B5EF4-FFF2-40B4-BE49-F238E27FC236}">
+                <a16:creationId xmlns:a16="http://schemas.microsoft.com/office/drawing/2014/main" id="{E91038F5-D706-4E86-B4CE-2E468F0C1321}"/>
+              </a:ext>
+            </a:extLst>
+          </p:cNvPr>
+          <p:cNvSpPr/>
+          <p:nvPr/>
+        </p:nvSpPr>
+        <p:spPr>
+          <a:xfrm>
+            <a:off x="0" y="0"/>
+            <a:ext cx="12191999" cy="6858000"/>
+          </a:xfrm>
+          <a:prstGeom prst="rect">
+            <a:avLst/>
+          </a:prstGeom>
+          <a:solidFill>
+            <a:schemeClr val="bg1">
+              <a:lumMod val="85000"/>
+            </a:schemeClr>
+          </a:solidFill>
+        </p:spPr>
+        <p:style>
+          <a:lnRef idx="2">
+            <a:schemeClr val="accent1">
+              <a:shade val="50000"/>
+            </a:schemeClr>
+          </a:lnRef>
+          <a:fillRef idx="1">
+            <a:schemeClr val="accent1"/>
+          </a:fillRef>
+          <a:effectRef idx="0">
+            <a:schemeClr val="accent1"/>
+          </a:effectRef>
+          <a:fontRef idx="minor">
+            <a:schemeClr val="lt1"/>
+          </a:fontRef>
+        </p:style>
+        <p:txBody>
+          <a:bodyPr rtlCol="0" anchor="ctr"/>
+          <a:lstStyle/>
+          <a:p>
+            <a:pPr algn="ctr"/>
+            <a:endParaRPr lang="de-DE" dirty="0"/>
+          </a:p>
+        </p:txBody>
+      </p:sp>
+      <p:sp>
+        <p:nvSpPr>
+          <p:cNvPr id="5" name="Rechteck 4">
+            <a:extLst>
+              <a:ext uri="{FF2B5EF4-FFF2-40B4-BE49-F238E27FC236}">
+                <a16:creationId xmlns:a16="http://schemas.microsoft.com/office/drawing/2014/main" id="{6505C48D-1BB5-4A0A-9981-8C4BCC228182}"/>
+              </a:ext>
+            </a:extLst>
+          </p:cNvPr>
+          <p:cNvSpPr/>
+          <p:nvPr/>
+        </p:nvSpPr>
+        <p:spPr>
+          <a:xfrm rot="18480692">
+            <a:off x="9077324" y="-1443037"/>
+            <a:ext cx="3057525" cy="3157537"/>
+          </a:xfrm>
+          <a:prstGeom prst="rect">
+            <a:avLst/>
+          </a:prstGeom>
+          <a:solidFill>
+            <a:schemeClr val="accent4">
+              <a:lumMod val="40000"/>
+              <a:lumOff val="60000"/>
+            </a:schemeClr>
+          </a:solidFill>
+          <a:ln>
+            <a:noFill/>
+          </a:ln>
+        </p:spPr>
+        <p:style>
+          <a:lnRef idx="2">
+            <a:schemeClr val="accent1">
+              <a:shade val="50000"/>
+            </a:schemeClr>
+          </a:lnRef>
+          <a:fillRef idx="1">
+            <a:schemeClr val="accent1"/>
+          </a:fillRef>
+          <a:effectRef idx="0">
+            <a:schemeClr val="accent1"/>
+          </a:effectRef>
+          <a:fontRef idx="minor">
+            <a:schemeClr val="lt1"/>
+          </a:fontRef>
+        </p:style>
+        <p:txBody>
+          <a:bodyPr rtlCol="0" anchor="ctr"/>
+          <a:lstStyle/>
+          <a:p>
+            <a:pPr algn="ctr"/>
+            <a:endParaRPr lang="de-DE"/>
+          </a:p>
+        </p:txBody>
+      </p:sp>
+      <p:sp>
+        <p:nvSpPr>
+          <p:cNvPr id="6" name="Rechteck 5">
+            <a:extLst>
+              <a:ext uri="{FF2B5EF4-FFF2-40B4-BE49-F238E27FC236}">
+                <a16:creationId xmlns:a16="http://schemas.microsoft.com/office/drawing/2014/main" id="{C2508899-2B3A-4B41-B7EF-81C1618C0F49}"/>
+              </a:ext>
+            </a:extLst>
+          </p:cNvPr>
+          <p:cNvSpPr/>
+          <p:nvPr/>
+        </p:nvSpPr>
+        <p:spPr>
+          <a:xfrm rot="18480692">
+            <a:off x="11107813" y="653845"/>
+            <a:ext cx="1330172" cy="1224903"/>
+          </a:xfrm>
+          <a:prstGeom prst="rect">
+            <a:avLst/>
+          </a:prstGeom>
+          <a:solidFill>
+            <a:schemeClr val="accent4">
+              <a:lumMod val="60000"/>
+              <a:lumOff val="40000"/>
+            </a:schemeClr>
+          </a:solidFill>
+          <a:ln>
+            <a:noFill/>
+          </a:ln>
+        </p:spPr>
+        <p:style>
+          <a:lnRef idx="2">
+            <a:schemeClr val="accent1">
+              <a:shade val="50000"/>
+            </a:schemeClr>
+          </a:lnRef>
+          <a:fillRef idx="1">
+            <a:schemeClr val="accent1"/>
+          </a:fillRef>
+          <a:effectRef idx="0">
+            <a:schemeClr val="accent1"/>
+          </a:effectRef>
+          <a:fontRef idx="minor">
+            <a:schemeClr val="lt1"/>
+          </a:fontRef>
+        </p:style>
+        <p:txBody>
+          <a:bodyPr rtlCol="0" anchor="ctr"/>
+          <a:lstStyle/>
+          <a:p>
+            <a:pPr algn="ctr"/>
+            <a:endParaRPr lang="de-DE"/>
+          </a:p>
+        </p:txBody>
+      </p:sp>
+      <p:sp>
+        <p:nvSpPr>
+          <p:cNvPr id="7" name="Rechteck 6">
+            <a:extLst>
+              <a:ext uri="{FF2B5EF4-FFF2-40B4-BE49-F238E27FC236}">
+                <a16:creationId xmlns:a16="http://schemas.microsoft.com/office/drawing/2014/main" id="{74471B95-FD78-4E23-ABD0-01E801FB1163}"/>
+              </a:ext>
+            </a:extLst>
+          </p:cNvPr>
+          <p:cNvSpPr/>
+          <p:nvPr/>
+        </p:nvSpPr>
+        <p:spPr>
+          <a:xfrm rot="18480692">
+            <a:off x="9518891" y="4316941"/>
+            <a:ext cx="3057525" cy="3157537"/>
+          </a:xfrm>
+          <a:prstGeom prst="rect">
+            <a:avLst/>
+          </a:prstGeom>
+          <a:solidFill>
+            <a:schemeClr val="accent1">
+              <a:lumMod val="40000"/>
+              <a:lumOff val="60000"/>
+            </a:schemeClr>
+          </a:solidFill>
+          <a:ln>
+            <a:noFill/>
+          </a:ln>
+        </p:spPr>
+        <p:style>
+          <a:lnRef idx="2">
+            <a:schemeClr val="accent1">
+              <a:shade val="50000"/>
+            </a:schemeClr>
+          </a:lnRef>
+          <a:fillRef idx="1">
+            <a:schemeClr val="accent1"/>
+          </a:fillRef>
+          <a:effectRef idx="0">
+            <a:schemeClr val="accent1"/>
+          </a:effectRef>
+          <a:fontRef idx="minor">
+            <a:schemeClr val="lt1"/>
+          </a:fontRef>
+        </p:style>
+        <p:txBody>
+          <a:bodyPr rtlCol="0" anchor="ctr"/>
+          <a:lstStyle/>
+          <a:p>
+            <a:pPr algn="ctr"/>
+            <a:endParaRPr lang="de-DE"/>
+          </a:p>
+        </p:txBody>
+      </p:sp>
+      <p:sp>
+        <p:nvSpPr>
+          <p:cNvPr id="8" name="Rechteck 7">
+            <a:extLst>
+              <a:ext uri="{FF2B5EF4-FFF2-40B4-BE49-F238E27FC236}">
+                <a16:creationId xmlns:a16="http://schemas.microsoft.com/office/drawing/2014/main" id="{3870FAA0-0AFC-465A-A02B-287D7942B268}"/>
+              </a:ext>
+            </a:extLst>
+          </p:cNvPr>
+          <p:cNvSpPr/>
+          <p:nvPr/>
+        </p:nvSpPr>
+        <p:spPr>
+          <a:xfrm rot="18480692">
+            <a:off x="8237857" y="5229351"/>
+            <a:ext cx="2381538" cy="1906940"/>
+          </a:xfrm>
+          <a:prstGeom prst="rect">
+            <a:avLst/>
+          </a:prstGeom>
+          <a:solidFill>
+            <a:schemeClr val="accent1">
+              <a:lumMod val="60000"/>
+              <a:lumOff val="40000"/>
+            </a:schemeClr>
+          </a:solidFill>
+          <a:ln>
+            <a:noFill/>
+          </a:ln>
+        </p:spPr>
+        <p:style>
+          <a:lnRef idx="2">
+            <a:schemeClr val="accent1">
+              <a:shade val="50000"/>
+            </a:schemeClr>
+          </a:lnRef>
+          <a:fillRef idx="1">
+            <a:schemeClr val="accent1"/>
+          </a:fillRef>
+          <a:effectRef idx="0">
+            <a:schemeClr val="accent1"/>
+          </a:effectRef>
+          <a:fontRef idx="minor">
+            <a:schemeClr val="lt1"/>
+          </a:fontRef>
+        </p:style>
+        <p:txBody>
+          <a:bodyPr rtlCol="0" anchor="ctr"/>
+          <a:lstStyle/>
+          <a:p>
+            <a:pPr algn="ctr"/>
+            <a:endParaRPr lang="de-DE"/>
+          </a:p>
+        </p:txBody>
+      </p:sp>
+      <p:sp>
+        <p:nvSpPr>
+          <p:cNvPr id="10" name="Textfeld 9">
+            <a:extLst>
+              <a:ext uri="{FF2B5EF4-FFF2-40B4-BE49-F238E27FC236}">
+                <a16:creationId xmlns:a16="http://schemas.microsoft.com/office/drawing/2014/main" id="{88DF1D1F-39C2-494F-A85D-619B1662FCE2}"/>
+              </a:ext>
+            </a:extLst>
+          </p:cNvPr>
+          <p:cNvSpPr txBox="1"/>
+          <p:nvPr/>
+        </p:nvSpPr>
+        <p:spPr>
+          <a:xfrm>
+            <a:off x="5369740" y="2258348"/>
+            <a:ext cx="4546032" cy="847604"/>
+          </a:xfrm>
+          <a:prstGeom prst="rect">
+            <a:avLst/>
+          </a:prstGeom>
+          <a:noFill/>
+        </p:spPr>
+        <p:txBody>
+          <a:bodyPr wrap="square">
+            <a:spAutoFit/>
+          </a:bodyPr>
+          <a:lstStyle/>
+          <a:p>
+            <a:pPr lvl="0">
+              <a:lnSpc>
+                <a:spcPct val="107000"/>
+              </a:lnSpc>
+            </a:pPr>
+            <a:r>
+              <a:rPr lang="de-DE" sz="4800" dirty="0">
+                <a:latin typeface="Calibri" panose="020F0502020204030204" pitchFamily="34" charset="0"/>
+                <a:ea typeface="Calibri" panose="020F0502020204030204" pitchFamily="34" charset="0"/>
+                <a:cs typeface="Times New Roman" panose="02020603050405020304" pitchFamily="18" charset="0"/>
+              </a:rPr>
+              <a:t>Future-Standing</a:t>
+            </a:r>
+            <a:endParaRPr lang="de-DE" sz="4800" dirty="0">
+              <a:effectLst/>
+              <a:latin typeface="Calibri" panose="020F0502020204030204" pitchFamily="34" charset="0"/>
+              <a:ea typeface="Calibri" panose="020F0502020204030204" pitchFamily="34" charset="0"/>
+              <a:cs typeface="Times New Roman" panose="02020603050405020304" pitchFamily="18" charset="0"/>
+            </a:endParaRPr>
+          </a:p>
+        </p:txBody>
+      </p:sp>
+      <p:sp>
+        <p:nvSpPr>
+          <p:cNvPr id="11" name="Textfeld 10">
+            <a:extLst>
+              <a:ext uri="{FF2B5EF4-FFF2-40B4-BE49-F238E27FC236}">
+                <a16:creationId xmlns:a16="http://schemas.microsoft.com/office/drawing/2014/main" id="{02937789-A608-46A0-8E7C-86205D9BF3CC}"/>
+              </a:ext>
+            </a:extLst>
+          </p:cNvPr>
+          <p:cNvSpPr txBox="1"/>
+          <p:nvPr/>
+        </p:nvSpPr>
+        <p:spPr>
+          <a:xfrm>
+            <a:off x="5369740" y="3056213"/>
+            <a:ext cx="6619874" cy="595932"/>
+          </a:xfrm>
+          <a:prstGeom prst="rect">
+            <a:avLst/>
+          </a:prstGeom>
+          <a:noFill/>
+        </p:spPr>
+        <p:txBody>
+          <a:bodyPr wrap="square">
+            <a:spAutoFit/>
+          </a:bodyPr>
+          <a:lstStyle/>
+          <a:p>
+            <a:pPr lvl="0">
+              <a:lnSpc>
+                <a:spcPct val="107000"/>
+              </a:lnSpc>
+            </a:pPr>
+            <a:r>
+              <a:rPr lang="de-DE" sz="3200" dirty="0">
+                <a:effectLst/>
+                <a:latin typeface="Calibri" panose="020F0502020204030204" pitchFamily="34" charset="0"/>
+                <a:ea typeface="Calibri" panose="020F0502020204030204" pitchFamily="34" charset="0"/>
+                <a:cs typeface="Times New Roman" panose="02020603050405020304" pitchFamily="18" charset="0"/>
+              </a:rPr>
+              <a:t>The network </a:t>
+            </a:r>
+            <a:r>
+              <a:rPr lang="de-DE" sz="3200" dirty="0">
+                <a:latin typeface="Calibri" panose="020F0502020204030204" pitchFamily="34" charset="0"/>
+                <a:ea typeface="Calibri" panose="020F0502020204030204" pitchFamily="34" charset="0"/>
+                <a:cs typeface="Times New Roman" panose="02020603050405020304" pitchFamily="18" charset="0"/>
+              </a:rPr>
+              <a:t>at </a:t>
+            </a:r>
+            <a:r>
+              <a:rPr lang="de-DE" sz="3200" dirty="0" err="1">
+                <a:latin typeface="Calibri" panose="020F0502020204030204" pitchFamily="34" charset="0"/>
+                <a:ea typeface="Calibri" panose="020F0502020204030204" pitchFamily="34" charset="0"/>
+                <a:cs typeface="Times New Roman" panose="02020603050405020304" pitchFamily="18" charset="0"/>
+              </a:rPr>
+              <a:t>the</a:t>
+            </a:r>
+            <a:r>
+              <a:rPr lang="de-DE" sz="3200" dirty="0">
+                <a:latin typeface="Calibri" panose="020F0502020204030204" pitchFamily="34" charset="0"/>
+                <a:ea typeface="Calibri" panose="020F0502020204030204" pitchFamily="34" charset="0"/>
+                <a:cs typeface="Times New Roman" panose="02020603050405020304" pitchFamily="18" charset="0"/>
+              </a:rPr>
+              <a:t> end </a:t>
+            </a:r>
+            <a:endParaRPr lang="de-DE" sz="3200" dirty="0">
+              <a:effectLst/>
+              <a:latin typeface="Calibri" panose="020F0502020204030204" pitchFamily="34" charset="0"/>
+              <a:ea typeface="Calibri" panose="020F0502020204030204" pitchFamily="34" charset="0"/>
+              <a:cs typeface="Times New Roman" panose="02020603050405020304" pitchFamily="18" charset="0"/>
+            </a:endParaRPr>
+          </a:p>
+        </p:txBody>
+      </p:sp>
+      <p:pic>
+        <p:nvPicPr>
+          <p:cNvPr id="3" name="Grafik 2">
+            <a:extLst>
+              <a:ext uri="{FF2B5EF4-FFF2-40B4-BE49-F238E27FC236}">
+                <a16:creationId xmlns:a16="http://schemas.microsoft.com/office/drawing/2014/main" id="{D506A1D8-18B8-477A-A5C4-D7BF130DAE36}"/>
+              </a:ext>
+            </a:extLst>
+          </p:cNvPr>
+          <p:cNvPicPr>
+            <a:picLocks noChangeAspect="1"/>
+          </p:cNvPicPr>
+          <p:nvPr/>
+        </p:nvPicPr>
+        <p:blipFill>
+          <a:blip r:embed="rId2">
+            <a:extLst>
+              <a:ext uri="{28A0092B-C50C-407E-A947-70E740481C1C}">
+                <a14:useLocalDpi xmlns:a14="http://schemas.microsoft.com/office/drawing/2010/main" val="0"/>
+              </a:ext>
+            </a:extLst>
+          </a:blip>
+          <a:stretch>
+            <a:fillRect/>
+          </a:stretch>
+        </p:blipFill>
+        <p:spPr>
+          <a:xfrm>
+            <a:off x="333886" y="365124"/>
+            <a:ext cx="4833470" cy="6175724"/>
+          </a:xfrm>
+          <a:prstGeom prst="rect">
+            <a:avLst/>
+          </a:prstGeom>
+        </p:spPr>
+      </p:pic>
+    </p:spTree>
+    <p:extLst>
+      <p:ext uri="{BB962C8B-B14F-4D97-AF65-F5344CB8AC3E}">
+        <p14:creationId xmlns:p14="http://schemas.microsoft.com/office/powerpoint/2010/main" val="3574333877"/>
+      </p:ext>
+    </p:extLst>
+  </p:cSld>
+  <p:clrMapOvr>
+    <a:masterClrMapping/>
+  </p:clrMapOvr>
+</p:sld>
+</file>
+
+<file path=ppt/slides/slide6.xml><?xml version="1.0" encoding="utf-8"?>
+<p:sld xmlns:a="http://schemas.openxmlformats.org/drawingml/2006/main" xmlns:r="http://schemas.openxmlformats.org/officeDocument/2006/relationships" xmlns:p="http://schemas.openxmlformats.org/presentationml/2006/main">
+  <p:cSld>
+    <p:spTree>
+      <p:nvGrpSpPr>
+        <p:cNvPr id="1" name=""/>
+        <p:cNvGrpSpPr/>
+        <p:nvPr/>
+      </p:nvGrpSpPr>
+      <p:grpSpPr>
+        <a:xfrm>
+          <a:off x="0" y="0"/>
+          <a:ext cx="0" cy="0"/>
+          <a:chOff x="0" y="0"/>
+          <a:chExt cx="0" cy="0"/>
+        </a:xfrm>
+      </p:grpSpPr>
+      <p:sp>
+        <p:nvSpPr>
+          <p:cNvPr id="4" name="Rechteck 3">
+            <a:extLst>
+              <a:ext uri="{FF2B5EF4-FFF2-40B4-BE49-F238E27FC236}">
+                <a16:creationId xmlns:a16="http://schemas.microsoft.com/office/drawing/2014/main" id="{E91038F5-D706-4E86-B4CE-2E468F0C1321}"/>
+              </a:ext>
+            </a:extLst>
+          </p:cNvPr>
+          <p:cNvSpPr/>
+          <p:nvPr/>
+        </p:nvSpPr>
+        <p:spPr>
+          <a:xfrm>
+            <a:off x="0" y="0"/>
+            <a:ext cx="12191999" cy="6858000"/>
+          </a:xfrm>
+          <a:prstGeom prst="rect">
+            <a:avLst/>
+          </a:prstGeom>
+          <a:solidFill>
+            <a:schemeClr val="bg1">
+              <a:lumMod val="85000"/>
+            </a:schemeClr>
+          </a:solidFill>
+        </p:spPr>
+        <p:style>
+          <a:lnRef idx="2">
+            <a:schemeClr val="accent1">
+              <a:shade val="50000"/>
+            </a:schemeClr>
+          </a:lnRef>
+          <a:fillRef idx="1">
+            <a:schemeClr val="accent1"/>
+          </a:fillRef>
+          <a:effectRef idx="0">
+            <a:schemeClr val="accent1"/>
+          </a:effectRef>
+          <a:fontRef idx="minor">
+            <a:schemeClr val="lt1"/>
+          </a:fontRef>
+        </p:style>
+        <p:txBody>
+          <a:bodyPr rtlCol="0" anchor="ctr"/>
+          <a:lstStyle/>
+          <a:p>
+            <a:pPr algn="ctr"/>
+            <a:endParaRPr lang="de-DE" dirty="0"/>
+          </a:p>
+        </p:txBody>
+      </p:sp>
+      <p:sp>
+        <p:nvSpPr>
+          <p:cNvPr id="5" name="Rechteck 4">
+            <a:extLst>
+              <a:ext uri="{FF2B5EF4-FFF2-40B4-BE49-F238E27FC236}">
+                <a16:creationId xmlns:a16="http://schemas.microsoft.com/office/drawing/2014/main" id="{6505C48D-1BB5-4A0A-9981-8C4BCC228182}"/>
+              </a:ext>
+            </a:extLst>
+          </p:cNvPr>
+          <p:cNvSpPr/>
+          <p:nvPr/>
+        </p:nvSpPr>
+        <p:spPr>
+          <a:xfrm rot="18480692">
+            <a:off x="9077324" y="-1443037"/>
+            <a:ext cx="3057525" cy="3157537"/>
+          </a:xfrm>
+          <a:prstGeom prst="rect">
+            <a:avLst/>
+          </a:prstGeom>
+          <a:solidFill>
+            <a:schemeClr val="accent4">
+              <a:lumMod val="40000"/>
+              <a:lumOff val="60000"/>
+            </a:schemeClr>
+          </a:solidFill>
+          <a:ln>
+            <a:noFill/>
+          </a:ln>
+        </p:spPr>
+        <p:style>
+          <a:lnRef idx="2">
+            <a:schemeClr val="accent1">
+              <a:shade val="50000"/>
+            </a:schemeClr>
+          </a:lnRef>
+          <a:fillRef idx="1">
+            <a:schemeClr val="accent1"/>
+          </a:fillRef>
+          <a:effectRef idx="0">
+            <a:schemeClr val="accent1"/>
+          </a:effectRef>
+          <a:fontRef idx="minor">
+            <a:schemeClr val="lt1"/>
+          </a:fontRef>
+        </p:style>
+        <p:txBody>
+          <a:bodyPr rtlCol="0" anchor="ctr"/>
+          <a:lstStyle/>
+          <a:p>
+            <a:pPr algn="ctr"/>
+            <a:endParaRPr lang="de-DE"/>
+          </a:p>
+        </p:txBody>
+      </p:sp>
+      <p:sp>
+        <p:nvSpPr>
+          <p:cNvPr id="6" name="Rechteck 5">
+            <a:extLst>
+              <a:ext uri="{FF2B5EF4-FFF2-40B4-BE49-F238E27FC236}">
+                <a16:creationId xmlns:a16="http://schemas.microsoft.com/office/drawing/2014/main" id="{C2508899-2B3A-4B41-B7EF-81C1618C0F49}"/>
+              </a:ext>
+            </a:extLst>
+          </p:cNvPr>
+          <p:cNvSpPr/>
+          <p:nvPr/>
+        </p:nvSpPr>
+        <p:spPr>
+          <a:xfrm rot="18480692">
+            <a:off x="11107813" y="653845"/>
+            <a:ext cx="1330172" cy="1224903"/>
+          </a:xfrm>
+          <a:prstGeom prst="rect">
+            <a:avLst/>
+          </a:prstGeom>
+          <a:solidFill>
+            <a:schemeClr val="accent4">
+              <a:lumMod val="60000"/>
+              <a:lumOff val="40000"/>
+            </a:schemeClr>
+          </a:solidFill>
+          <a:ln>
+            <a:noFill/>
+          </a:ln>
+        </p:spPr>
+        <p:style>
+          <a:lnRef idx="2">
+            <a:schemeClr val="accent1">
+              <a:shade val="50000"/>
+            </a:schemeClr>
+          </a:lnRef>
+          <a:fillRef idx="1">
+            <a:schemeClr val="accent1"/>
+          </a:fillRef>
+          <a:effectRef idx="0">
+            <a:schemeClr val="accent1"/>
+          </a:effectRef>
+          <a:fontRef idx="minor">
+            <a:schemeClr val="lt1"/>
+          </a:fontRef>
+        </p:style>
+        <p:txBody>
+          <a:bodyPr rtlCol="0" anchor="ctr"/>
+          <a:lstStyle/>
+          <a:p>
+            <a:pPr algn="ctr"/>
+            <a:endParaRPr lang="de-DE"/>
+          </a:p>
+        </p:txBody>
+      </p:sp>
+      <p:sp>
+        <p:nvSpPr>
+          <p:cNvPr id="7" name="Rechteck 6">
+            <a:extLst>
+              <a:ext uri="{FF2B5EF4-FFF2-40B4-BE49-F238E27FC236}">
+                <a16:creationId xmlns:a16="http://schemas.microsoft.com/office/drawing/2014/main" id="{74471B95-FD78-4E23-ABD0-01E801FB1163}"/>
+              </a:ext>
+            </a:extLst>
+          </p:cNvPr>
+          <p:cNvSpPr/>
+          <p:nvPr/>
+        </p:nvSpPr>
+        <p:spPr>
+          <a:xfrm rot="18480692">
+            <a:off x="9518891" y="4316941"/>
+            <a:ext cx="3057525" cy="3157537"/>
+          </a:xfrm>
+          <a:prstGeom prst="rect">
+            <a:avLst/>
+          </a:prstGeom>
+          <a:solidFill>
+            <a:schemeClr val="accent1">
+              <a:lumMod val="40000"/>
+              <a:lumOff val="60000"/>
+            </a:schemeClr>
+          </a:solidFill>
+          <a:ln>
+            <a:noFill/>
+          </a:ln>
+        </p:spPr>
+        <p:style>
+          <a:lnRef idx="2">
+            <a:schemeClr val="accent1">
+              <a:shade val="50000"/>
+            </a:schemeClr>
+          </a:lnRef>
+          <a:fillRef idx="1">
+            <a:schemeClr val="accent1"/>
+          </a:fillRef>
+          <a:effectRef idx="0">
+            <a:schemeClr val="accent1"/>
+          </a:effectRef>
+          <a:fontRef idx="minor">
+            <a:schemeClr val="lt1"/>
+          </a:fontRef>
+        </p:style>
+        <p:txBody>
+          <a:bodyPr rtlCol="0" anchor="ctr"/>
+          <a:lstStyle/>
+          <a:p>
+            <a:pPr algn="ctr"/>
+            <a:endParaRPr lang="de-DE"/>
+          </a:p>
+        </p:txBody>
+      </p:sp>
+      <p:sp>
+        <p:nvSpPr>
+          <p:cNvPr id="8" name="Rechteck 7">
+            <a:extLst>
+              <a:ext uri="{FF2B5EF4-FFF2-40B4-BE49-F238E27FC236}">
+                <a16:creationId xmlns:a16="http://schemas.microsoft.com/office/drawing/2014/main" id="{3870FAA0-0AFC-465A-A02B-287D7942B268}"/>
+              </a:ext>
+            </a:extLst>
+          </p:cNvPr>
+          <p:cNvSpPr/>
+          <p:nvPr/>
+        </p:nvSpPr>
+        <p:spPr>
+          <a:xfrm rot="18480692">
+            <a:off x="8237857" y="5229351"/>
+            <a:ext cx="2381538" cy="1906940"/>
+          </a:xfrm>
+          <a:prstGeom prst="rect">
+            <a:avLst/>
+          </a:prstGeom>
+          <a:solidFill>
+            <a:schemeClr val="accent1">
+              <a:lumMod val="60000"/>
+              <a:lumOff val="40000"/>
+            </a:schemeClr>
+          </a:solidFill>
+          <a:ln>
+            <a:noFill/>
+          </a:ln>
+        </p:spPr>
+        <p:style>
+          <a:lnRef idx="2">
+            <a:schemeClr val="accent1">
+              <a:shade val="50000"/>
+            </a:schemeClr>
+          </a:lnRef>
+          <a:fillRef idx="1">
+            <a:schemeClr val="accent1"/>
+          </a:fillRef>
+          <a:effectRef idx="0">
+            <a:schemeClr val="accent1"/>
+          </a:effectRef>
+          <a:fontRef idx="minor">
+            <a:schemeClr val="lt1"/>
+          </a:fontRef>
+        </p:style>
+        <p:txBody>
+          <a:bodyPr rtlCol="0" anchor="ctr"/>
+          <a:lstStyle/>
+          <a:p>
+            <a:pPr algn="ctr"/>
+            <a:endParaRPr lang="de-DE"/>
+          </a:p>
+        </p:txBody>
+      </p:sp>
+      <p:sp>
+        <p:nvSpPr>
+          <p:cNvPr id="10" name="Textfeld 9">
+            <a:extLst>
+              <a:ext uri="{FF2B5EF4-FFF2-40B4-BE49-F238E27FC236}">
+                <a16:creationId xmlns:a16="http://schemas.microsoft.com/office/drawing/2014/main" id="{88DF1D1F-39C2-494F-A85D-619B1662FCE2}"/>
+              </a:ext>
+            </a:extLst>
+          </p:cNvPr>
+          <p:cNvSpPr txBox="1"/>
+          <p:nvPr/>
+        </p:nvSpPr>
+        <p:spPr>
+          <a:xfrm>
+            <a:off x="4896724" y="2312461"/>
+            <a:ext cx="6435158" cy="847603"/>
+          </a:xfrm>
+          <a:prstGeom prst="rect">
+            <a:avLst/>
+          </a:prstGeom>
+          <a:noFill/>
+        </p:spPr>
+        <p:txBody>
+          <a:bodyPr wrap="square">
+            <a:spAutoFit/>
+          </a:bodyPr>
+          <a:lstStyle/>
+          <a:p>
+            <a:pPr lvl="0">
+              <a:lnSpc>
+                <a:spcPct val="107000"/>
+              </a:lnSpc>
+            </a:pPr>
+            <a:r>
+              <a:rPr lang="de-DE" sz="4800" dirty="0">
+                <a:latin typeface="Calibri" panose="020F0502020204030204" pitchFamily="34" charset="0"/>
+                <a:ea typeface="Calibri" panose="020F0502020204030204" pitchFamily="34" charset="0"/>
+                <a:cs typeface="Times New Roman" panose="02020603050405020304" pitchFamily="18" charset="0"/>
+              </a:rPr>
+              <a:t>Network </a:t>
+            </a:r>
+            <a:r>
+              <a:rPr lang="de-DE" sz="4800" dirty="0" err="1">
+                <a:latin typeface="Calibri" panose="020F0502020204030204" pitchFamily="34" charset="0"/>
+                <a:ea typeface="Calibri" panose="020F0502020204030204" pitchFamily="34" charset="0"/>
+                <a:cs typeface="Times New Roman" panose="02020603050405020304" pitchFamily="18" charset="0"/>
+              </a:rPr>
+              <a:t>documentation</a:t>
+            </a:r>
+            <a:endParaRPr lang="de-DE" sz="4800" dirty="0">
+              <a:effectLst/>
+              <a:latin typeface="Calibri" panose="020F0502020204030204" pitchFamily="34" charset="0"/>
+              <a:ea typeface="Calibri" panose="020F0502020204030204" pitchFamily="34" charset="0"/>
+              <a:cs typeface="Times New Roman" panose="02020603050405020304" pitchFamily="18" charset="0"/>
+            </a:endParaRPr>
+          </a:p>
+        </p:txBody>
+      </p:sp>
+      <p:sp>
+        <p:nvSpPr>
+          <p:cNvPr id="11" name="Textfeld 10">
+            <a:extLst>
+              <a:ext uri="{FF2B5EF4-FFF2-40B4-BE49-F238E27FC236}">
+                <a16:creationId xmlns:a16="http://schemas.microsoft.com/office/drawing/2014/main" id="{02937789-A608-46A0-8E7C-86205D9BF3CC}"/>
+              </a:ext>
+            </a:extLst>
+          </p:cNvPr>
+          <p:cNvSpPr txBox="1"/>
+          <p:nvPr/>
+        </p:nvSpPr>
+        <p:spPr>
+          <a:xfrm>
+            <a:off x="4896724" y="3032682"/>
+            <a:ext cx="6619874" cy="1649811"/>
+          </a:xfrm>
+          <a:prstGeom prst="rect">
+            <a:avLst/>
+          </a:prstGeom>
+          <a:noFill/>
+        </p:spPr>
+        <p:txBody>
+          <a:bodyPr wrap="square">
+            <a:spAutoFit/>
+          </a:bodyPr>
+          <a:lstStyle/>
+          <a:p>
+            <a:pPr lvl="0">
+              <a:lnSpc>
+                <a:spcPct val="107000"/>
+              </a:lnSpc>
+            </a:pPr>
+            <a:r>
+              <a:rPr lang="de-DE" sz="3200" dirty="0">
+                <a:effectLst/>
+                <a:latin typeface="Calibri" panose="020F0502020204030204" pitchFamily="34" charset="0"/>
+                <a:ea typeface="Calibri" panose="020F0502020204030204" pitchFamily="34" charset="0"/>
+                <a:cs typeface="Times New Roman" panose="02020603050405020304" pitchFamily="18" charset="0"/>
+              </a:rPr>
+              <a:t>All </a:t>
+            </a:r>
+            <a:r>
+              <a:rPr lang="de-DE" sz="3200" dirty="0" err="1">
+                <a:effectLst/>
+                <a:latin typeface="Calibri" panose="020F0502020204030204" pitchFamily="34" charset="0"/>
+                <a:ea typeface="Calibri" panose="020F0502020204030204" pitchFamily="34" charset="0"/>
+                <a:cs typeface="Times New Roman" panose="02020603050405020304" pitchFamily="18" charset="0"/>
+              </a:rPr>
+              <a:t>about</a:t>
+            </a:r>
+            <a:r>
+              <a:rPr lang="de-DE" sz="3200" dirty="0">
+                <a:effectLst/>
+                <a:latin typeface="Calibri" panose="020F0502020204030204" pitchFamily="34" charset="0"/>
+                <a:ea typeface="Calibri" panose="020F0502020204030204" pitchFamily="34" charset="0"/>
+                <a:cs typeface="Times New Roman" panose="02020603050405020304" pitchFamily="18" charset="0"/>
+              </a:rPr>
+              <a:t> </a:t>
+            </a:r>
+            <a:r>
+              <a:rPr lang="de-DE" sz="3200" dirty="0" err="1">
+                <a:effectLst/>
+                <a:latin typeface="Calibri" panose="020F0502020204030204" pitchFamily="34" charset="0"/>
+                <a:ea typeface="Calibri" panose="020F0502020204030204" pitchFamily="34" charset="0"/>
+                <a:cs typeface="Times New Roman" panose="02020603050405020304" pitchFamily="18" charset="0"/>
+              </a:rPr>
+              <a:t>the</a:t>
+            </a:r>
+            <a:r>
+              <a:rPr lang="de-DE" sz="3200" dirty="0">
+                <a:effectLst/>
+                <a:latin typeface="Calibri" panose="020F0502020204030204" pitchFamily="34" charset="0"/>
+                <a:ea typeface="Calibri" panose="020F0502020204030204" pitchFamily="34" charset="0"/>
+                <a:cs typeface="Times New Roman" panose="02020603050405020304" pitchFamily="18" charset="0"/>
+              </a:rPr>
+              <a:t> network and </a:t>
+            </a:r>
+            <a:r>
+              <a:rPr lang="de-DE" sz="3200" dirty="0" err="1">
+                <a:effectLst/>
+                <a:latin typeface="Calibri" panose="020F0502020204030204" pitchFamily="34" charset="0"/>
+                <a:ea typeface="Calibri" panose="020F0502020204030204" pitchFamily="34" charset="0"/>
+                <a:cs typeface="Times New Roman" panose="02020603050405020304" pitchFamily="18" charset="0"/>
+              </a:rPr>
+              <a:t>the</a:t>
+            </a:r>
+            <a:r>
+              <a:rPr lang="de-DE" sz="3200" dirty="0">
+                <a:effectLst/>
+                <a:latin typeface="Calibri" panose="020F0502020204030204" pitchFamily="34" charset="0"/>
+                <a:ea typeface="Calibri" panose="020F0502020204030204" pitchFamily="34" charset="0"/>
+                <a:cs typeface="Times New Roman" panose="02020603050405020304" pitchFamily="18" charset="0"/>
+              </a:rPr>
+              <a:t> </a:t>
+            </a:r>
+            <a:r>
+              <a:rPr lang="de-DE" sz="3200" dirty="0" err="1">
+                <a:effectLst/>
+                <a:latin typeface="Calibri" panose="020F0502020204030204" pitchFamily="34" charset="0"/>
+                <a:ea typeface="Calibri" panose="020F0502020204030204" pitchFamily="34" charset="0"/>
+                <a:cs typeface="Times New Roman" panose="02020603050405020304" pitchFamily="18" charset="0"/>
+              </a:rPr>
+              <a:t>planing</a:t>
+            </a:r>
+            <a:r>
+              <a:rPr lang="de-DE" sz="3200" dirty="0">
+                <a:effectLst/>
+                <a:latin typeface="Calibri" panose="020F0502020204030204" pitchFamily="34" charset="0"/>
+                <a:ea typeface="Calibri" panose="020F0502020204030204" pitchFamily="34" charset="0"/>
+                <a:cs typeface="Times New Roman" panose="02020603050405020304" pitchFamily="18" charset="0"/>
+              </a:rPr>
+              <a:t> </a:t>
+            </a:r>
+          </a:p>
+          <a:p>
+            <a:pPr lvl="0">
+              <a:lnSpc>
+                <a:spcPct val="107000"/>
+              </a:lnSpc>
+            </a:pPr>
+            <a:r>
+              <a:rPr lang="de-DE" sz="3200" dirty="0" err="1">
+                <a:latin typeface="Calibri" panose="020F0502020204030204" pitchFamily="34" charset="0"/>
+                <a:ea typeface="Calibri" panose="020F0502020204030204" pitchFamily="34" charset="0"/>
+                <a:cs typeface="Times New Roman" panose="02020603050405020304" pitchFamily="18" charset="0"/>
+              </a:rPr>
+              <a:t>y</a:t>
+            </a:r>
+            <a:r>
+              <a:rPr lang="de-DE" sz="3200" dirty="0" err="1">
+                <a:effectLst/>
+                <a:latin typeface="Calibri" panose="020F0502020204030204" pitchFamily="34" charset="0"/>
+                <a:ea typeface="Calibri" panose="020F0502020204030204" pitchFamily="34" charset="0"/>
+                <a:cs typeface="Times New Roman" panose="02020603050405020304" pitchFamily="18" charset="0"/>
+              </a:rPr>
+              <a:t>ou</a:t>
+            </a:r>
+            <a:r>
+              <a:rPr lang="de-DE" sz="3200" dirty="0">
+                <a:effectLst/>
+                <a:latin typeface="Calibri" panose="020F0502020204030204" pitchFamily="34" charset="0"/>
+                <a:ea typeface="Calibri" panose="020F0502020204030204" pitchFamily="34" charset="0"/>
+                <a:cs typeface="Times New Roman" panose="02020603050405020304" pitchFamily="18" charset="0"/>
+              </a:rPr>
+              <a:t> will find in </a:t>
+            </a:r>
+            <a:r>
+              <a:rPr lang="de-DE" sz="3200" dirty="0" err="1">
+                <a:effectLst/>
+                <a:latin typeface="Calibri" panose="020F0502020204030204" pitchFamily="34" charset="0"/>
+                <a:ea typeface="Calibri" panose="020F0502020204030204" pitchFamily="34" charset="0"/>
+                <a:cs typeface="Times New Roman" panose="02020603050405020304" pitchFamily="18" charset="0"/>
+              </a:rPr>
+              <a:t>ou</a:t>
+            </a:r>
+            <a:r>
+              <a:rPr lang="de-DE" sz="3200" dirty="0" err="1">
+                <a:latin typeface="Calibri" panose="020F0502020204030204" pitchFamily="34" charset="0"/>
+                <a:ea typeface="Calibri" panose="020F0502020204030204" pitchFamily="34" charset="0"/>
+                <a:cs typeface="Times New Roman" panose="02020603050405020304" pitchFamily="18" charset="0"/>
+              </a:rPr>
+              <a:t>r</a:t>
+            </a:r>
+            <a:r>
+              <a:rPr lang="de-DE" sz="3200" dirty="0">
+                <a:latin typeface="Calibri" panose="020F0502020204030204" pitchFamily="34" charset="0"/>
+                <a:ea typeface="Calibri" panose="020F0502020204030204" pitchFamily="34" charset="0"/>
+                <a:cs typeface="Times New Roman" panose="02020603050405020304" pitchFamily="18" charset="0"/>
+              </a:rPr>
+              <a:t> network </a:t>
+            </a:r>
+            <a:r>
+              <a:rPr lang="de-DE" sz="3200" dirty="0" err="1">
+                <a:latin typeface="Calibri" panose="020F0502020204030204" pitchFamily="34" charset="0"/>
+                <a:ea typeface="Calibri" panose="020F0502020204030204" pitchFamily="34" charset="0"/>
+                <a:cs typeface="Times New Roman" panose="02020603050405020304" pitchFamily="18" charset="0"/>
+              </a:rPr>
+              <a:t>documenation</a:t>
+            </a:r>
+            <a:endParaRPr lang="de-DE" sz="3200" dirty="0">
+              <a:effectLst/>
+              <a:latin typeface="Calibri" panose="020F0502020204030204" pitchFamily="34" charset="0"/>
+              <a:ea typeface="Calibri" panose="020F0502020204030204" pitchFamily="34" charset="0"/>
+              <a:cs typeface="Times New Roman" panose="02020603050405020304" pitchFamily="18" charset="0"/>
+            </a:endParaRPr>
+          </a:p>
+        </p:txBody>
+      </p:sp>
+      <p:graphicFrame>
+        <p:nvGraphicFramePr>
+          <p:cNvPr id="2" name="Objekt 1">
+            <a:extLst>
+              <a:ext uri="{FF2B5EF4-FFF2-40B4-BE49-F238E27FC236}">
+                <a16:creationId xmlns:a16="http://schemas.microsoft.com/office/drawing/2014/main" id="{79920D57-8174-4AE5-93BF-31A694D7AFA0}"/>
+              </a:ext>
+            </a:extLst>
+          </p:cNvPr>
+          <p:cNvGraphicFramePr>
+            <a:graphicFrameLocks noChangeAspect="1"/>
+          </p:cNvGraphicFramePr>
+          <p:nvPr>
+            <p:extLst>
+              <p:ext uri="{D42A27DB-BD31-4B8C-83A1-F6EECF244321}">
+                <p14:modId xmlns:p14="http://schemas.microsoft.com/office/powerpoint/2010/main" val="1073531483"/>
+              </p:ext>
+            </p:extLst>
+          </p:nvPr>
+        </p:nvGraphicFramePr>
+        <p:xfrm>
+          <a:off x="387103" y="382863"/>
+          <a:ext cx="4370668" cy="6185046"/>
+        </p:xfrm>
+        <a:graphic>
+          <a:graphicData uri="http://schemas.openxmlformats.org/presentationml/2006/ole">
+            <mc:AlternateContent xmlns:mc="http://schemas.openxmlformats.org/markup-compatibility/2006">
+              <mc:Choice xmlns:v="urn:schemas-microsoft-com:vml" Requires="v">
+                <p:oleObj name="Acrobat Document" r:id="rId2" imgW="3777942" imgH="5346465" progId="AcroExch.Document.DC">
+                  <p:embed/>
+                </p:oleObj>
+              </mc:Choice>
+              <mc:Fallback>
+                <p:oleObj name="Acrobat Document" r:id="rId2" imgW="3777942" imgH="5346465" progId="AcroExch.Document.DC">
+                  <p:embed/>
+                  <p:pic>
+                    <p:nvPicPr>
+                      <p:cNvPr id="0" name=""/>
+                      <p:cNvPicPr/>
+                      <p:nvPr/>
+                    </p:nvPicPr>
+                    <p:blipFill>
+                      <a:blip r:embed="rId3"/>
+                      <a:stretch>
+                        <a:fillRect/>
+                      </a:stretch>
+                    </p:blipFill>
+                    <p:spPr>
+                      <a:xfrm>
+                        <a:off x="387103" y="382863"/>
+                        <a:ext cx="4370668" cy="6185046"/>
+                      </a:xfrm>
+                      <a:prstGeom prst="rect">
+                        <a:avLst/>
+                      </a:prstGeom>
+                    </p:spPr>
+                  </p:pic>
+                </p:oleObj>
+              </mc:Fallback>
+            </mc:AlternateContent>
+          </a:graphicData>
+        </a:graphic>
+      </p:graphicFrame>
+    </p:spTree>
+    <p:extLst>
+      <p:ext uri="{BB962C8B-B14F-4D97-AF65-F5344CB8AC3E}">
+        <p14:creationId xmlns:p14="http://schemas.microsoft.com/office/powerpoint/2010/main" val="2420740129"/>
+      </p:ext>
+    </p:extLst>
+  </p:cSld>
+  <p:clrMapOvr>
+    <a:masterClrMapping/>
+  </p:clrMapOvr>
+</p:sld>
+</file>
+
+<file path=ppt/slides/slide7.xml><?xml version="1.0" encoding="utf-8"?>
+<p:sld xmlns:a="http://schemas.openxmlformats.org/drawingml/2006/main" xmlns:r="http://schemas.openxmlformats.org/officeDocument/2006/relationships" xmlns:p="http://schemas.openxmlformats.org/presentationml/2006/main">
+  <p:cSld>
+    <p:spTree>
+      <p:nvGrpSpPr>
+        <p:cNvPr id="1" name=""/>
+        <p:cNvGrpSpPr/>
+        <p:nvPr/>
+      </p:nvGrpSpPr>
+      <p:grpSpPr>
+        <a:xfrm>
+          <a:off x="0" y="0"/>
+          <a:ext cx="0" cy="0"/>
+          <a:chOff x="0" y="0"/>
+          <a:chExt cx="0" cy="0"/>
+        </a:xfrm>
+      </p:grpSpPr>
+      <p:sp>
+        <p:nvSpPr>
+          <p:cNvPr id="4" name="Rechteck 3">
+            <a:extLst>
+              <a:ext uri="{FF2B5EF4-FFF2-40B4-BE49-F238E27FC236}">
+                <a16:creationId xmlns:a16="http://schemas.microsoft.com/office/drawing/2014/main" id="{E91038F5-D706-4E86-B4CE-2E468F0C1321}"/>
+              </a:ext>
+            </a:extLst>
+          </p:cNvPr>
+          <p:cNvSpPr/>
+          <p:nvPr/>
+        </p:nvSpPr>
+        <p:spPr>
+          <a:xfrm>
+            <a:off x="0" y="0"/>
+            <a:ext cx="12191999" cy="6858000"/>
+          </a:xfrm>
+          <a:prstGeom prst="rect">
+            <a:avLst/>
+          </a:prstGeom>
+          <a:solidFill>
+            <a:schemeClr val="bg1">
+              <a:lumMod val="85000"/>
+            </a:schemeClr>
+          </a:solidFill>
+        </p:spPr>
+        <p:style>
+          <a:lnRef idx="2">
+            <a:schemeClr val="accent1">
+              <a:shade val="50000"/>
+            </a:schemeClr>
+          </a:lnRef>
+          <a:fillRef idx="1">
+            <a:schemeClr val="accent1"/>
+          </a:fillRef>
+          <a:effectRef idx="0">
+            <a:schemeClr val="accent1"/>
+          </a:effectRef>
+          <a:fontRef idx="minor">
+            <a:schemeClr val="lt1"/>
+          </a:fontRef>
+        </p:style>
+        <p:txBody>
+          <a:bodyPr rtlCol="0" anchor="ctr"/>
+          <a:lstStyle/>
+          <a:p>
+            <a:pPr algn="ctr"/>
+            <a:endParaRPr lang="de-DE" u="sng" dirty="0"/>
+          </a:p>
+        </p:txBody>
+      </p:sp>
+      <p:sp>
+        <p:nvSpPr>
+          <p:cNvPr id="15" name="Rechteck 14">
+            <a:extLst>
+              <a:ext uri="{FF2B5EF4-FFF2-40B4-BE49-F238E27FC236}">
+                <a16:creationId xmlns:a16="http://schemas.microsoft.com/office/drawing/2014/main" id="{8DAAEEAE-5CA1-4B17-9CAB-1FC906B74D94}"/>
+              </a:ext>
+            </a:extLst>
+          </p:cNvPr>
+          <p:cNvSpPr/>
+          <p:nvPr/>
+        </p:nvSpPr>
+        <p:spPr>
+          <a:xfrm rot="18686166">
+            <a:off x="-190289" y="-303623"/>
+            <a:ext cx="6474453" cy="7011954"/>
+          </a:xfrm>
+          <a:prstGeom prst="rect">
+            <a:avLst/>
+          </a:prstGeom>
+          <a:solidFill>
+            <a:schemeClr val="bg1"/>
+          </a:solidFill>
+          <a:ln>
+            <a:noFill/>
+          </a:ln>
+        </p:spPr>
+        <p:style>
+          <a:lnRef idx="2">
+            <a:schemeClr val="accent1">
+              <a:shade val="50000"/>
+            </a:schemeClr>
+          </a:lnRef>
+          <a:fillRef idx="1">
+            <a:schemeClr val="accent1"/>
+          </a:fillRef>
+          <a:effectRef idx="0">
+            <a:schemeClr val="accent1"/>
+          </a:effectRef>
+          <a:fontRef idx="minor">
+            <a:schemeClr val="lt1"/>
+          </a:fontRef>
+        </p:style>
+        <p:txBody>
+          <a:bodyPr rtlCol="0" anchor="ctr"/>
+          <a:lstStyle/>
+          <a:p>
+            <a:pPr algn="ctr"/>
+            <a:endParaRPr lang="de-DE"/>
+          </a:p>
+        </p:txBody>
+      </p:sp>
+      <p:sp>
+        <p:nvSpPr>
+          <p:cNvPr id="5" name="Rechteck 4">
+            <a:extLst>
+              <a:ext uri="{FF2B5EF4-FFF2-40B4-BE49-F238E27FC236}">
+                <a16:creationId xmlns:a16="http://schemas.microsoft.com/office/drawing/2014/main" id="{6505C48D-1BB5-4A0A-9981-8C4BCC228182}"/>
+              </a:ext>
+            </a:extLst>
+          </p:cNvPr>
+          <p:cNvSpPr/>
+          <p:nvPr/>
+        </p:nvSpPr>
+        <p:spPr>
+          <a:xfrm rot="18480692">
+            <a:off x="9077324" y="-1443037"/>
+            <a:ext cx="3057525" cy="3157537"/>
+          </a:xfrm>
+          <a:prstGeom prst="rect">
+            <a:avLst/>
+          </a:prstGeom>
+          <a:solidFill>
+            <a:schemeClr val="accent4">
+              <a:lumMod val="40000"/>
+              <a:lumOff val="60000"/>
+            </a:schemeClr>
+          </a:solidFill>
+          <a:ln>
+            <a:noFill/>
+          </a:ln>
+        </p:spPr>
+        <p:style>
+          <a:lnRef idx="2">
+            <a:schemeClr val="accent1">
+              <a:shade val="50000"/>
+            </a:schemeClr>
+          </a:lnRef>
+          <a:fillRef idx="1">
+            <a:schemeClr val="accent1"/>
+          </a:fillRef>
+          <a:effectRef idx="0">
+            <a:schemeClr val="accent1"/>
+          </a:effectRef>
+          <a:fontRef idx="minor">
+            <a:schemeClr val="lt1"/>
+          </a:fontRef>
+        </p:style>
+        <p:txBody>
+          <a:bodyPr rtlCol="0" anchor="ctr"/>
+          <a:lstStyle/>
+          <a:p>
+            <a:pPr algn="ctr"/>
+            <a:endParaRPr lang="de-DE"/>
+          </a:p>
+        </p:txBody>
+      </p:sp>
+      <p:sp>
+        <p:nvSpPr>
+          <p:cNvPr id="6" name="Rechteck 5">
+            <a:extLst>
+              <a:ext uri="{FF2B5EF4-FFF2-40B4-BE49-F238E27FC236}">
+                <a16:creationId xmlns:a16="http://schemas.microsoft.com/office/drawing/2014/main" id="{C2508899-2B3A-4B41-B7EF-81C1618C0F49}"/>
+              </a:ext>
+            </a:extLst>
+          </p:cNvPr>
+          <p:cNvSpPr/>
+          <p:nvPr/>
+        </p:nvSpPr>
+        <p:spPr>
+          <a:xfrm rot="18480692">
+            <a:off x="11107813" y="653845"/>
+            <a:ext cx="1330172" cy="1224903"/>
+          </a:xfrm>
+          <a:prstGeom prst="rect">
+            <a:avLst/>
+          </a:prstGeom>
+          <a:solidFill>
+            <a:schemeClr val="accent4">
+              <a:lumMod val="60000"/>
+              <a:lumOff val="40000"/>
+            </a:schemeClr>
+          </a:solidFill>
+          <a:ln>
+            <a:noFill/>
+          </a:ln>
+        </p:spPr>
+        <p:style>
+          <a:lnRef idx="2">
+            <a:schemeClr val="accent1">
+              <a:shade val="50000"/>
+            </a:schemeClr>
+          </a:lnRef>
+          <a:fillRef idx="1">
+            <a:schemeClr val="accent1"/>
+          </a:fillRef>
+          <a:effectRef idx="0">
+            <a:schemeClr val="accent1"/>
+          </a:effectRef>
+          <a:fontRef idx="minor">
+            <a:schemeClr val="lt1"/>
+          </a:fontRef>
+        </p:style>
+        <p:txBody>
+          <a:bodyPr rtlCol="0" anchor="ctr"/>
+          <a:lstStyle/>
+          <a:p>
+            <a:pPr algn="ctr"/>
+            <a:endParaRPr lang="de-DE"/>
+          </a:p>
+        </p:txBody>
+      </p:sp>
+      <p:sp>
+        <p:nvSpPr>
+          <p:cNvPr id="7" name="Rechteck 6">
+            <a:extLst>
+              <a:ext uri="{FF2B5EF4-FFF2-40B4-BE49-F238E27FC236}">
+                <a16:creationId xmlns:a16="http://schemas.microsoft.com/office/drawing/2014/main" id="{74471B95-FD78-4E23-ABD0-01E801FB1163}"/>
+              </a:ext>
+            </a:extLst>
+          </p:cNvPr>
+          <p:cNvSpPr/>
+          <p:nvPr/>
+        </p:nvSpPr>
+        <p:spPr>
+          <a:xfrm rot="18480692">
+            <a:off x="9518891" y="4316941"/>
+            <a:ext cx="3057525" cy="3157537"/>
+          </a:xfrm>
+          <a:prstGeom prst="rect">
+            <a:avLst/>
+          </a:prstGeom>
+          <a:solidFill>
+            <a:schemeClr val="accent1">
+              <a:lumMod val="40000"/>
+              <a:lumOff val="60000"/>
+            </a:schemeClr>
+          </a:solidFill>
+          <a:ln>
+            <a:noFill/>
+          </a:ln>
+        </p:spPr>
+        <p:style>
+          <a:lnRef idx="2">
+            <a:schemeClr val="accent1">
+              <a:shade val="50000"/>
+            </a:schemeClr>
+          </a:lnRef>
+          <a:fillRef idx="1">
+            <a:schemeClr val="accent1"/>
+          </a:fillRef>
+          <a:effectRef idx="0">
+            <a:schemeClr val="accent1"/>
+          </a:effectRef>
+          <a:fontRef idx="minor">
+            <a:schemeClr val="lt1"/>
+          </a:fontRef>
+        </p:style>
+        <p:txBody>
+          <a:bodyPr rtlCol="0" anchor="ctr"/>
+          <a:lstStyle/>
+          <a:p>
+            <a:pPr algn="ctr"/>
+            <a:endParaRPr lang="de-DE"/>
+          </a:p>
+        </p:txBody>
+      </p:sp>
+      <p:sp>
+        <p:nvSpPr>
+          <p:cNvPr id="8" name="Rechteck 7">
+            <a:extLst>
+              <a:ext uri="{FF2B5EF4-FFF2-40B4-BE49-F238E27FC236}">
+                <a16:creationId xmlns:a16="http://schemas.microsoft.com/office/drawing/2014/main" id="{3870FAA0-0AFC-465A-A02B-287D7942B268}"/>
+              </a:ext>
+            </a:extLst>
+          </p:cNvPr>
+          <p:cNvSpPr/>
+          <p:nvPr/>
+        </p:nvSpPr>
+        <p:spPr>
+          <a:xfrm rot="18480692">
+            <a:off x="8237857" y="5229351"/>
+            <a:ext cx="2381538" cy="1906940"/>
+          </a:xfrm>
+          <a:prstGeom prst="rect">
+            <a:avLst/>
+          </a:prstGeom>
+          <a:solidFill>
+            <a:schemeClr val="accent1">
+              <a:lumMod val="60000"/>
+              <a:lumOff val="40000"/>
+            </a:schemeClr>
+          </a:solidFill>
+          <a:ln>
+            <a:noFill/>
+          </a:ln>
+        </p:spPr>
+        <p:style>
+          <a:lnRef idx="2">
+            <a:schemeClr val="accent1">
+              <a:shade val="50000"/>
+            </a:schemeClr>
+          </a:lnRef>
+          <a:fillRef idx="1">
+            <a:schemeClr val="accent1"/>
+          </a:fillRef>
+          <a:effectRef idx="0">
+            <a:schemeClr val="accent1"/>
+          </a:effectRef>
+          <a:fontRef idx="minor">
+            <a:schemeClr val="lt1"/>
+          </a:fontRef>
+        </p:style>
+        <p:txBody>
+          <a:bodyPr rtlCol="0" anchor="ctr"/>
+          <a:lstStyle/>
+          <a:p>
+            <a:pPr algn="ctr"/>
+            <a:endParaRPr lang="de-DE"/>
+          </a:p>
+        </p:txBody>
+      </p:sp>
+      <p:sp>
+        <p:nvSpPr>
+          <p:cNvPr id="14" name="Textfeld 13">
+            <a:extLst>
+              <a:ext uri="{FF2B5EF4-FFF2-40B4-BE49-F238E27FC236}">
+                <a16:creationId xmlns:a16="http://schemas.microsoft.com/office/drawing/2014/main" id="{8CB33865-E13D-4CEF-B8E2-C3F8A9129937}"/>
+              </a:ext>
+            </a:extLst>
+          </p:cNvPr>
+          <p:cNvSpPr txBox="1"/>
+          <p:nvPr/>
+        </p:nvSpPr>
+        <p:spPr>
+          <a:xfrm>
+            <a:off x="760327" y="2388811"/>
+            <a:ext cx="5452737" cy="1637949"/>
+          </a:xfrm>
+          <a:prstGeom prst="rect">
+            <a:avLst/>
+          </a:prstGeom>
+          <a:noFill/>
+        </p:spPr>
+        <p:txBody>
+          <a:bodyPr wrap="square">
+            <a:spAutoFit/>
+          </a:bodyPr>
+          <a:lstStyle/>
+          <a:p>
+            <a:pPr lvl="0">
+              <a:lnSpc>
+                <a:spcPct val="107000"/>
+              </a:lnSpc>
+            </a:pPr>
+            <a:r>
+              <a:rPr lang="de-DE" sz="4800" dirty="0">
+                <a:effectLst/>
+                <a:latin typeface="Calibri" panose="020F0502020204030204" pitchFamily="34" charset="0"/>
+                <a:ea typeface="Calibri" panose="020F0502020204030204" pitchFamily="34" charset="0"/>
+                <a:cs typeface="Times New Roman" panose="02020603050405020304" pitchFamily="18" charset="0"/>
+              </a:rPr>
+              <a:t>The </a:t>
+            </a:r>
+            <a:r>
+              <a:rPr lang="de-DE" sz="4800" dirty="0" err="1">
+                <a:effectLst/>
+                <a:latin typeface="Calibri" panose="020F0502020204030204" pitchFamily="34" charset="0"/>
+                <a:ea typeface="Calibri" panose="020F0502020204030204" pitchFamily="34" charset="0"/>
+                <a:cs typeface="Times New Roman" panose="02020603050405020304" pitchFamily="18" charset="0"/>
+              </a:rPr>
+              <a:t>new</a:t>
+            </a:r>
+            <a:r>
+              <a:rPr lang="de-DE" sz="4800" dirty="0">
+                <a:effectLst/>
+                <a:latin typeface="Calibri" panose="020F0502020204030204" pitchFamily="34" charset="0"/>
+                <a:ea typeface="Calibri" panose="020F0502020204030204" pitchFamily="34" charset="0"/>
+                <a:cs typeface="Times New Roman" panose="02020603050405020304" pitchFamily="18" charset="0"/>
+              </a:rPr>
+              <a:t> </a:t>
+            </a:r>
+            <a:r>
+              <a:rPr lang="de-DE" sz="4800" dirty="0" err="1">
+                <a:effectLst/>
+                <a:latin typeface="Calibri" panose="020F0502020204030204" pitchFamily="34" charset="0"/>
+                <a:ea typeface="Calibri" panose="020F0502020204030204" pitchFamily="34" charset="0"/>
+                <a:cs typeface="Times New Roman" panose="02020603050405020304" pitchFamily="18" charset="0"/>
+              </a:rPr>
+              <a:t>user</a:t>
+            </a:r>
+            <a:r>
+              <a:rPr lang="de-DE" sz="4800" dirty="0">
+                <a:effectLst/>
+                <a:latin typeface="Calibri" panose="020F0502020204030204" pitchFamily="34" charset="0"/>
+                <a:ea typeface="Calibri" panose="020F0502020204030204" pitchFamily="34" charset="0"/>
+                <a:cs typeface="Times New Roman" panose="02020603050405020304" pitchFamily="18" charset="0"/>
+              </a:rPr>
+              <a:t> and </a:t>
+            </a:r>
+            <a:r>
+              <a:rPr lang="de-DE" sz="4800" dirty="0" err="1">
+                <a:effectLst/>
+                <a:latin typeface="Calibri" panose="020F0502020204030204" pitchFamily="34" charset="0"/>
+                <a:ea typeface="Calibri" panose="020F0502020204030204" pitchFamily="34" charset="0"/>
+                <a:cs typeface="Times New Roman" panose="02020603050405020304" pitchFamily="18" charset="0"/>
+              </a:rPr>
+              <a:t>the</a:t>
+            </a:r>
+            <a:r>
+              <a:rPr lang="de-DE" sz="4800" dirty="0">
+                <a:effectLst/>
+                <a:latin typeface="Calibri" panose="020F0502020204030204" pitchFamily="34" charset="0"/>
+                <a:ea typeface="Calibri" panose="020F0502020204030204" pitchFamily="34" charset="0"/>
+                <a:cs typeface="Times New Roman" panose="02020603050405020304" pitchFamily="18" charset="0"/>
+              </a:rPr>
+              <a:t> </a:t>
+            </a:r>
+            <a:r>
+              <a:rPr lang="de-DE" sz="4800" dirty="0" err="1">
+                <a:effectLst/>
+                <a:latin typeface="Calibri" panose="020F0502020204030204" pitchFamily="34" charset="0"/>
+                <a:ea typeface="Calibri" panose="020F0502020204030204" pitchFamily="34" charset="0"/>
+                <a:cs typeface="Times New Roman" panose="02020603050405020304" pitchFamily="18" charset="0"/>
+              </a:rPr>
+              <a:t>server</a:t>
+            </a:r>
+            <a:endParaRPr lang="de-DE" sz="4800" dirty="0">
+              <a:effectLst/>
+              <a:latin typeface="Calibri" panose="020F0502020204030204" pitchFamily="34" charset="0"/>
+              <a:ea typeface="Calibri" panose="020F0502020204030204" pitchFamily="34" charset="0"/>
+              <a:cs typeface="Times New Roman" panose="02020603050405020304" pitchFamily="18" charset="0"/>
+            </a:endParaRPr>
+          </a:p>
+        </p:txBody>
+      </p:sp>
+      <p:sp>
+        <p:nvSpPr>
+          <p:cNvPr id="16" name="Rechteck 15">
+            <a:extLst>
+              <a:ext uri="{FF2B5EF4-FFF2-40B4-BE49-F238E27FC236}">
+                <a16:creationId xmlns:a16="http://schemas.microsoft.com/office/drawing/2014/main" id="{A5B6AA5B-294B-4999-96BD-F0BBFE129FA4}"/>
+              </a:ext>
+            </a:extLst>
+          </p:cNvPr>
+          <p:cNvSpPr/>
+          <p:nvPr/>
+        </p:nvSpPr>
+        <p:spPr>
+          <a:xfrm rot="18686166">
+            <a:off x="360594" y="-116885"/>
+            <a:ext cx="6233518" cy="6667052"/>
+          </a:xfrm>
+          <a:prstGeom prst="rect">
+            <a:avLst/>
+          </a:prstGeom>
+          <a:noFill/>
+          <a:ln w="28575">
+            <a:solidFill>
+              <a:schemeClr val="bg1"/>
+            </a:solidFill>
+          </a:ln>
+        </p:spPr>
+        <p:style>
+          <a:lnRef idx="2">
+            <a:schemeClr val="accent1">
+              <a:shade val="50000"/>
+            </a:schemeClr>
+          </a:lnRef>
+          <a:fillRef idx="1">
+            <a:schemeClr val="accent1"/>
+          </a:fillRef>
+          <a:effectRef idx="0">
+            <a:schemeClr val="accent1"/>
+          </a:effectRef>
+          <a:fontRef idx="minor">
+            <a:schemeClr val="lt1"/>
+          </a:fontRef>
+        </p:style>
+        <p:txBody>
+          <a:bodyPr rtlCol="0" anchor="ctr"/>
+          <a:lstStyle/>
+          <a:p>
+            <a:pPr algn="ctr"/>
+            <a:endParaRPr lang="de-DE"/>
+          </a:p>
+        </p:txBody>
+      </p:sp>
+      <p:sp>
+        <p:nvSpPr>
+          <p:cNvPr id="17" name="Rechteck 16">
+            <a:extLst>
+              <a:ext uri="{FF2B5EF4-FFF2-40B4-BE49-F238E27FC236}">
+                <a16:creationId xmlns:a16="http://schemas.microsoft.com/office/drawing/2014/main" id="{A27D42E3-2C5B-461D-A317-950F158A3A9D}"/>
+              </a:ext>
+            </a:extLst>
+          </p:cNvPr>
+          <p:cNvSpPr/>
+          <p:nvPr/>
+        </p:nvSpPr>
+        <p:spPr>
+          <a:xfrm rot="18480692">
+            <a:off x="7332571" y="2377412"/>
+            <a:ext cx="1330172" cy="1400713"/>
+          </a:xfrm>
+          <a:prstGeom prst="rect">
+            <a:avLst/>
+          </a:prstGeom>
+          <a:solidFill>
+            <a:schemeClr val="bg1"/>
+          </a:solidFill>
+          <a:ln>
+            <a:noFill/>
+          </a:ln>
+        </p:spPr>
+        <p:style>
+          <a:lnRef idx="2">
+            <a:schemeClr val="accent1">
+              <a:shade val="50000"/>
+            </a:schemeClr>
+          </a:lnRef>
+          <a:fillRef idx="1">
+            <a:schemeClr val="accent1"/>
+          </a:fillRef>
+          <a:effectRef idx="0">
+            <a:schemeClr val="accent1"/>
+          </a:effectRef>
+          <a:fontRef idx="minor">
+            <a:schemeClr val="lt1"/>
+          </a:fontRef>
+        </p:style>
+        <p:txBody>
+          <a:bodyPr rtlCol="0" anchor="ctr"/>
+          <a:lstStyle/>
+          <a:p>
+            <a:pPr algn="ctr"/>
+            <a:endParaRPr lang="de-DE"/>
+          </a:p>
+        </p:txBody>
+      </p:sp>
+      <p:sp>
+        <p:nvSpPr>
+          <p:cNvPr id="18" name="Rechteck 17">
+            <a:extLst>
+              <a:ext uri="{FF2B5EF4-FFF2-40B4-BE49-F238E27FC236}">
+                <a16:creationId xmlns:a16="http://schemas.microsoft.com/office/drawing/2014/main" id="{2517B4E0-B508-437E-8A55-958496D6DDD0}"/>
+              </a:ext>
+            </a:extLst>
+          </p:cNvPr>
+          <p:cNvSpPr/>
+          <p:nvPr/>
+        </p:nvSpPr>
+        <p:spPr>
+          <a:xfrm rot="18480692">
+            <a:off x="7569677" y="2394666"/>
+            <a:ext cx="1330172" cy="1342112"/>
+          </a:xfrm>
+          <a:prstGeom prst="rect">
+            <a:avLst/>
+          </a:prstGeom>
+          <a:noFill/>
+          <a:ln w="28575">
+            <a:solidFill>
+              <a:schemeClr val="bg1"/>
+            </a:solidFill>
+          </a:ln>
+        </p:spPr>
+        <p:style>
+          <a:lnRef idx="2">
+            <a:schemeClr val="accent1">
+              <a:shade val="50000"/>
+            </a:schemeClr>
+          </a:lnRef>
+          <a:fillRef idx="1">
+            <a:schemeClr val="accent1"/>
+          </a:fillRef>
+          <a:effectRef idx="0">
+            <a:schemeClr val="accent1"/>
+          </a:effectRef>
+          <a:fontRef idx="minor">
+            <a:schemeClr val="lt1"/>
+          </a:fontRef>
+        </p:style>
+        <p:txBody>
+          <a:bodyPr rtlCol="0" anchor="ctr"/>
+          <a:lstStyle/>
+          <a:p>
+            <a:pPr algn="ctr"/>
+            <a:endParaRPr lang="de-DE"/>
+          </a:p>
+        </p:txBody>
+      </p:sp>
+    </p:spTree>
+    <p:extLst>
+      <p:ext uri="{BB962C8B-B14F-4D97-AF65-F5344CB8AC3E}">
+        <p14:creationId xmlns:p14="http://schemas.microsoft.com/office/powerpoint/2010/main" val="778614140"/>
+      </p:ext>
+    </p:extLst>
+  </p:cSld>
+  <p:clrMapOvr>
+    <a:masterClrMapping/>
+  </p:clrMapOvr>
+</p:sld>
+</file>
+
+<file path=ppt/slides/slide8.xml><?xml version="1.0" encoding="utf-8"?>
+<p:sld xmlns:a="http://schemas.openxmlformats.org/drawingml/2006/main" xmlns:r="http://schemas.openxmlformats.org/officeDocument/2006/relationships" xmlns:p="http://schemas.openxmlformats.org/presentationml/2006/main">
+  <p:cSld>
+    <p:spTree>
+      <p:nvGrpSpPr>
+        <p:cNvPr id="1" name=""/>
+        <p:cNvGrpSpPr/>
+        <p:nvPr/>
+      </p:nvGrpSpPr>
+      <p:grpSpPr>
+        <a:xfrm>
+          <a:off x="0" y="0"/>
+          <a:ext cx="0" cy="0"/>
+          <a:chOff x="0" y="0"/>
+          <a:chExt cx="0" cy="0"/>
+        </a:xfrm>
+      </p:grpSpPr>
+      <p:sp>
+        <p:nvSpPr>
+          <p:cNvPr id="4" name="Rechteck 3">
+            <a:extLst>
+              <a:ext uri="{FF2B5EF4-FFF2-40B4-BE49-F238E27FC236}">
+                <a16:creationId xmlns:a16="http://schemas.microsoft.com/office/drawing/2014/main" id="{E91038F5-D706-4E86-B4CE-2E468F0C1321}"/>
+              </a:ext>
+            </a:extLst>
+          </p:cNvPr>
+          <p:cNvSpPr/>
+          <p:nvPr/>
+        </p:nvSpPr>
+        <p:spPr>
+          <a:xfrm>
+            <a:off x="0" y="0"/>
+            <a:ext cx="12191999" cy="6858000"/>
+          </a:xfrm>
+          <a:prstGeom prst="rect">
+            <a:avLst/>
+          </a:prstGeom>
+          <a:solidFill>
+            <a:schemeClr val="bg1">
+              <a:lumMod val="85000"/>
+            </a:schemeClr>
+          </a:solidFill>
+        </p:spPr>
+        <p:style>
+          <a:lnRef idx="2">
+            <a:schemeClr val="accent1">
+              <a:shade val="50000"/>
+            </a:schemeClr>
+          </a:lnRef>
+          <a:fillRef idx="1">
+            <a:schemeClr val="accent1"/>
+          </a:fillRef>
+          <a:effectRef idx="0">
+            <a:schemeClr val="accent1"/>
+          </a:effectRef>
+          <a:fontRef idx="minor">
+            <a:schemeClr val="lt1"/>
+          </a:fontRef>
+        </p:style>
+        <p:txBody>
+          <a:bodyPr rtlCol="0" anchor="ctr"/>
+          <a:lstStyle/>
+          <a:p>
+            <a:pPr algn="ctr"/>
+            <a:endParaRPr lang="de-DE" u="sng" dirty="0"/>
+          </a:p>
+        </p:txBody>
+      </p:sp>
+      <p:sp>
+        <p:nvSpPr>
+          <p:cNvPr id="15" name="Rechteck 14">
+            <a:extLst>
+              <a:ext uri="{FF2B5EF4-FFF2-40B4-BE49-F238E27FC236}">
+                <a16:creationId xmlns:a16="http://schemas.microsoft.com/office/drawing/2014/main" id="{8DAAEEAE-5CA1-4B17-9CAB-1FC906B74D94}"/>
+              </a:ext>
+            </a:extLst>
+          </p:cNvPr>
+          <p:cNvSpPr/>
+          <p:nvPr/>
+        </p:nvSpPr>
+        <p:spPr>
+          <a:xfrm rot="18686166">
+            <a:off x="-190289" y="-303623"/>
+            <a:ext cx="6474453" cy="7011954"/>
+          </a:xfrm>
+          <a:prstGeom prst="rect">
+            <a:avLst/>
+          </a:prstGeom>
+          <a:solidFill>
+            <a:schemeClr val="bg1"/>
+          </a:solidFill>
+          <a:ln>
+            <a:noFill/>
+          </a:ln>
+        </p:spPr>
+        <p:style>
+          <a:lnRef idx="2">
+            <a:schemeClr val="accent1">
+              <a:shade val="50000"/>
+            </a:schemeClr>
+          </a:lnRef>
+          <a:fillRef idx="1">
+            <a:schemeClr val="accent1"/>
+          </a:fillRef>
+          <a:effectRef idx="0">
+            <a:schemeClr val="accent1"/>
+          </a:effectRef>
+          <a:fontRef idx="minor">
+            <a:schemeClr val="lt1"/>
+          </a:fontRef>
+        </p:style>
+        <p:txBody>
+          <a:bodyPr rtlCol="0" anchor="ctr"/>
+          <a:lstStyle/>
+          <a:p>
+            <a:pPr algn="ctr"/>
+            <a:endParaRPr lang="de-DE"/>
+          </a:p>
+        </p:txBody>
+      </p:sp>
+      <p:sp>
+        <p:nvSpPr>
+          <p:cNvPr id="5" name="Rechteck 4">
+            <a:extLst>
+              <a:ext uri="{FF2B5EF4-FFF2-40B4-BE49-F238E27FC236}">
+                <a16:creationId xmlns:a16="http://schemas.microsoft.com/office/drawing/2014/main" id="{6505C48D-1BB5-4A0A-9981-8C4BCC228182}"/>
+              </a:ext>
+            </a:extLst>
+          </p:cNvPr>
+          <p:cNvSpPr/>
+          <p:nvPr/>
+        </p:nvSpPr>
+        <p:spPr>
+          <a:xfrm rot="18480692">
+            <a:off x="9077324" y="-1443037"/>
+            <a:ext cx="3057525" cy="3157537"/>
+          </a:xfrm>
+          <a:prstGeom prst="rect">
+            <a:avLst/>
+          </a:prstGeom>
+          <a:solidFill>
+            <a:schemeClr val="accent4">
+              <a:lumMod val="40000"/>
+              <a:lumOff val="60000"/>
+            </a:schemeClr>
+          </a:solidFill>
+          <a:ln>
+            <a:noFill/>
+          </a:ln>
+        </p:spPr>
+        <p:style>
+          <a:lnRef idx="2">
+            <a:schemeClr val="accent1">
+              <a:shade val="50000"/>
+            </a:schemeClr>
+          </a:lnRef>
+          <a:fillRef idx="1">
+            <a:schemeClr val="accent1"/>
+          </a:fillRef>
+          <a:effectRef idx="0">
+            <a:schemeClr val="accent1"/>
+          </a:effectRef>
+          <a:fontRef idx="minor">
+            <a:schemeClr val="lt1"/>
+          </a:fontRef>
+        </p:style>
+        <p:txBody>
+          <a:bodyPr rtlCol="0" anchor="ctr"/>
+          <a:lstStyle/>
+          <a:p>
+            <a:pPr algn="ctr"/>
+            <a:endParaRPr lang="de-DE"/>
+          </a:p>
+        </p:txBody>
+      </p:sp>
+      <p:sp>
+        <p:nvSpPr>
+          <p:cNvPr id="6" name="Rechteck 5">
+            <a:extLst>
+              <a:ext uri="{FF2B5EF4-FFF2-40B4-BE49-F238E27FC236}">
+                <a16:creationId xmlns:a16="http://schemas.microsoft.com/office/drawing/2014/main" id="{C2508899-2B3A-4B41-B7EF-81C1618C0F49}"/>
+              </a:ext>
+            </a:extLst>
+          </p:cNvPr>
+          <p:cNvSpPr/>
+          <p:nvPr/>
+        </p:nvSpPr>
+        <p:spPr>
+          <a:xfrm rot="18480692">
+            <a:off x="11107813" y="653845"/>
+            <a:ext cx="1330172" cy="1224903"/>
+          </a:xfrm>
+          <a:prstGeom prst="rect">
+            <a:avLst/>
+          </a:prstGeom>
+          <a:solidFill>
+            <a:schemeClr val="accent4">
+              <a:lumMod val="60000"/>
+              <a:lumOff val="40000"/>
+            </a:schemeClr>
+          </a:solidFill>
+          <a:ln>
+            <a:noFill/>
+          </a:ln>
+        </p:spPr>
+        <p:style>
+          <a:lnRef idx="2">
+            <a:schemeClr val="accent1">
+              <a:shade val="50000"/>
+            </a:schemeClr>
+          </a:lnRef>
+          <a:fillRef idx="1">
+            <a:schemeClr val="accent1"/>
+          </a:fillRef>
+          <a:effectRef idx="0">
+            <a:schemeClr val="accent1"/>
+          </a:effectRef>
+          <a:fontRef idx="minor">
+            <a:schemeClr val="lt1"/>
+          </a:fontRef>
+        </p:style>
+        <p:txBody>
+          <a:bodyPr rtlCol="0" anchor="ctr"/>
+          <a:lstStyle/>
+          <a:p>
+            <a:pPr algn="ctr"/>
+            <a:endParaRPr lang="de-DE"/>
+          </a:p>
+        </p:txBody>
+      </p:sp>
+      <p:sp>
+        <p:nvSpPr>
+          <p:cNvPr id="7" name="Rechteck 6">
+            <a:extLst>
+              <a:ext uri="{FF2B5EF4-FFF2-40B4-BE49-F238E27FC236}">
+                <a16:creationId xmlns:a16="http://schemas.microsoft.com/office/drawing/2014/main" id="{74471B95-FD78-4E23-ABD0-01E801FB1163}"/>
+              </a:ext>
+            </a:extLst>
+          </p:cNvPr>
+          <p:cNvSpPr/>
+          <p:nvPr/>
+        </p:nvSpPr>
+        <p:spPr>
+          <a:xfrm rot="18480692">
+            <a:off x="9518891" y="4316941"/>
+            <a:ext cx="3057525" cy="3157537"/>
+          </a:xfrm>
+          <a:prstGeom prst="rect">
+            <a:avLst/>
+          </a:prstGeom>
+          <a:solidFill>
+            <a:schemeClr val="accent1">
+              <a:lumMod val="40000"/>
+              <a:lumOff val="60000"/>
+            </a:schemeClr>
+          </a:solidFill>
+          <a:ln>
+            <a:noFill/>
+          </a:ln>
+        </p:spPr>
+        <p:style>
+          <a:lnRef idx="2">
+            <a:schemeClr val="accent1">
+              <a:shade val="50000"/>
+            </a:schemeClr>
+          </a:lnRef>
+          <a:fillRef idx="1">
+            <a:schemeClr val="accent1"/>
+          </a:fillRef>
+          <a:effectRef idx="0">
+            <a:schemeClr val="accent1"/>
+          </a:effectRef>
+          <a:fontRef idx="minor">
+            <a:schemeClr val="lt1"/>
+          </a:fontRef>
+        </p:style>
+        <p:txBody>
+          <a:bodyPr rtlCol="0" anchor="ctr"/>
+          <a:lstStyle/>
+          <a:p>
+            <a:pPr algn="ctr"/>
+            <a:endParaRPr lang="de-DE"/>
+          </a:p>
+        </p:txBody>
+      </p:sp>
+      <p:sp>
+        <p:nvSpPr>
+          <p:cNvPr id="8" name="Rechteck 7">
+            <a:extLst>
+              <a:ext uri="{FF2B5EF4-FFF2-40B4-BE49-F238E27FC236}">
+                <a16:creationId xmlns:a16="http://schemas.microsoft.com/office/drawing/2014/main" id="{3870FAA0-0AFC-465A-A02B-287D7942B268}"/>
+              </a:ext>
+            </a:extLst>
+          </p:cNvPr>
+          <p:cNvSpPr/>
+          <p:nvPr/>
+        </p:nvSpPr>
+        <p:spPr>
+          <a:xfrm rot="18480692">
+            <a:off x="8237857" y="5229351"/>
+            <a:ext cx="2381538" cy="1906940"/>
+          </a:xfrm>
+          <a:prstGeom prst="rect">
+            <a:avLst/>
+          </a:prstGeom>
+          <a:solidFill>
+            <a:schemeClr val="accent1">
+              <a:lumMod val="60000"/>
+              <a:lumOff val="40000"/>
+            </a:schemeClr>
+          </a:solidFill>
+          <a:ln>
+            <a:noFill/>
+          </a:ln>
+        </p:spPr>
+        <p:style>
+          <a:lnRef idx="2">
+            <a:schemeClr val="accent1">
+              <a:shade val="50000"/>
+            </a:schemeClr>
+          </a:lnRef>
+          <a:fillRef idx="1">
+            <a:schemeClr val="accent1"/>
+          </a:fillRef>
+          <a:effectRef idx="0">
+            <a:schemeClr val="accent1"/>
+          </a:effectRef>
+          <a:fontRef idx="minor">
+            <a:schemeClr val="lt1"/>
+          </a:fontRef>
+        </p:style>
+        <p:txBody>
+          <a:bodyPr rtlCol="0" anchor="ctr"/>
+          <a:lstStyle/>
+          <a:p>
+            <a:pPr algn="ctr"/>
+            <a:endParaRPr lang="de-DE"/>
+          </a:p>
+        </p:txBody>
+      </p:sp>
+      <p:sp>
+        <p:nvSpPr>
+          <p:cNvPr id="14" name="Textfeld 13">
+            <a:extLst>
+              <a:ext uri="{FF2B5EF4-FFF2-40B4-BE49-F238E27FC236}">
+                <a16:creationId xmlns:a16="http://schemas.microsoft.com/office/drawing/2014/main" id="{8CB33865-E13D-4CEF-B8E2-C3F8A9129937}"/>
+              </a:ext>
+            </a:extLst>
+          </p:cNvPr>
+          <p:cNvSpPr txBox="1"/>
+          <p:nvPr/>
+        </p:nvSpPr>
+        <p:spPr>
+          <a:xfrm>
+            <a:off x="760327" y="2792839"/>
+            <a:ext cx="5452737" cy="847604"/>
+          </a:xfrm>
+          <a:prstGeom prst="rect">
+            <a:avLst/>
+          </a:prstGeom>
+          <a:noFill/>
+        </p:spPr>
+        <p:txBody>
+          <a:bodyPr wrap="square">
+            <a:spAutoFit/>
+          </a:bodyPr>
+          <a:lstStyle/>
+          <a:p>
+            <a:pPr lvl="0">
+              <a:lnSpc>
+                <a:spcPct val="107000"/>
+              </a:lnSpc>
+            </a:pPr>
+            <a:r>
+              <a:rPr lang="de-DE" sz="4800" dirty="0">
+                <a:effectLst/>
+                <a:latin typeface="Calibri" panose="020F0502020204030204" pitchFamily="34" charset="0"/>
+                <a:ea typeface="Calibri" panose="020F0502020204030204" pitchFamily="34" charset="0"/>
+                <a:cs typeface="Times New Roman" panose="02020603050405020304" pitchFamily="18" charset="0"/>
+              </a:rPr>
+              <a:t>Leasing </a:t>
+            </a:r>
+            <a:r>
+              <a:rPr lang="de-DE" sz="4800" dirty="0" err="1">
+                <a:effectLst/>
+                <a:latin typeface="Calibri" panose="020F0502020204030204" pitchFamily="34" charset="0"/>
+                <a:ea typeface="Calibri" panose="020F0502020204030204" pitchFamily="34" charset="0"/>
+                <a:cs typeface="Times New Roman" panose="02020603050405020304" pitchFamily="18" charset="0"/>
+              </a:rPr>
+              <a:t>or</a:t>
+            </a:r>
+            <a:r>
+              <a:rPr lang="de-DE" sz="4800" dirty="0">
+                <a:effectLst/>
+                <a:latin typeface="Calibri" panose="020F0502020204030204" pitchFamily="34" charset="0"/>
+                <a:ea typeface="Calibri" panose="020F0502020204030204" pitchFamily="34" charset="0"/>
+                <a:cs typeface="Times New Roman" panose="02020603050405020304" pitchFamily="18" charset="0"/>
+              </a:rPr>
+              <a:t> Buy</a:t>
+            </a:r>
+          </a:p>
+        </p:txBody>
+      </p:sp>
+      <p:sp>
+        <p:nvSpPr>
+          <p:cNvPr id="16" name="Rechteck 15">
+            <a:extLst>
+              <a:ext uri="{FF2B5EF4-FFF2-40B4-BE49-F238E27FC236}">
+                <a16:creationId xmlns:a16="http://schemas.microsoft.com/office/drawing/2014/main" id="{A5B6AA5B-294B-4999-96BD-F0BBFE129FA4}"/>
+              </a:ext>
+            </a:extLst>
+          </p:cNvPr>
+          <p:cNvSpPr/>
+          <p:nvPr/>
+        </p:nvSpPr>
+        <p:spPr>
+          <a:xfrm rot="18686166">
+            <a:off x="360594" y="-116885"/>
+            <a:ext cx="6233518" cy="6667052"/>
+          </a:xfrm>
+          <a:prstGeom prst="rect">
+            <a:avLst/>
+          </a:prstGeom>
+          <a:noFill/>
+          <a:ln w="28575">
+            <a:solidFill>
+              <a:schemeClr val="bg1"/>
+            </a:solidFill>
+          </a:ln>
+        </p:spPr>
+        <p:style>
+          <a:lnRef idx="2">
+            <a:schemeClr val="accent1">
+              <a:shade val="50000"/>
+            </a:schemeClr>
+          </a:lnRef>
+          <a:fillRef idx="1">
+            <a:schemeClr val="accent1"/>
+          </a:fillRef>
+          <a:effectRef idx="0">
+            <a:schemeClr val="accent1"/>
+          </a:effectRef>
+          <a:fontRef idx="minor">
+            <a:schemeClr val="lt1"/>
+          </a:fontRef>
+        </p:style>
+        <p:txBody>
+          <a:bodyPr rtlCol="0" anchor="ctr"/>
+          <a:lstStyle/>
+          <a:p>
+            <a:pPr algn="ctr"/>
+            <a:endParaRPr lang="de-DE"/>
+          </a:p>
+        </p:txBody>
+      </p:sp>
+      <p:sp>
+        <p:nvSpPr>
+          <p:cNvPr id="17" name="Rechteck 16">
+            <a:extLst>
+              <a:ext uri="{FF2B5EF4-FFF2-40B4-BE49-F238E27FC236}">
+                <a16:creationId xmlns:a16="http://schemas.microsoft.com/office/drawing/2014/main" id="{A27D42E3-2C5B-461D-A317-950F158A3A9D}"/>
+              </a:ext>
+            </a:extLst>
+          </p:cNvPr>
+          <p:cNvSpPr/>
+          <p:nvPr/>
+        </p:nvSpPr>
+        <p:spPr>
+          <a:xfrm rot="18480692">
+            <a:off x="7332571" y="2377412"/>
+            <a:ext cx="1330172" cy="1400713"/>
+          </a:xfrm>
+          <a:prstGeom prst="rect">
+            <a:avLst/>
+          </a:prstGeom>
+          <a:solidFill>
+            <a:schemeClr val="bg1"/>
+          </a:solidFill>
+          <a:ln>
+            <a:noFill/>
+          </a:ln>
+        </p:spPr>
+        <p:style>
+          <a:lnRef idx="2">
+            <a:schemeClr val="accent1">
+              <a:shade val="50000"/>
+            </a:schemeClr>
+          </a:lnRef>
+          <a:fillRef idx="1">
+            <a:schemeClr val="accent1"/>
+          </a:fillRef>
+          <a:effectRef idx="0">
+            <a:schemeClr val="accent1"/>
+          </a:effectRef>
+          <a:fontRef idx="minor">
+            <a:schemeClr val="lt1"/>
+          </a:fontRef>
+        </p:style>
+        <p:txBody>
+          <a:bodyPr rtlCol="0" anchor="ctr"/>
+          <a:lstStyle/>
+          <a:p>
+            <a:pPr algn="ctr"/>
+            <a:endParaRPr lang="de-DE"/>
+          </a:p>
+        </p:txBody>
+      </p:sp>
+      <p:sp>
+        <p:nvSpPr>
+          <p:cNvPr id="18" name="Rechteck 17">
+            <a:extLst>
+              <a:ext uri="{FF2B5EF4-FFF2-40B4-BE49-F238E27FC236}">
+                <a16:creationId xmlns:a16="http://schemas.microsoft.com/office/drawing/2014/main" id="{2517B4E0-B508-437E-8A55-958496D6DDD0}"/>
+              </a:ext>
+            </a:extLst>
+          </p:cNvPr>
+          <p:cNvSpPr/>
+          <p:nvPr/>
+        </p:nvSpPr>
+        <p:spPr>
+          <a:xfrm rot="18480692">
+            <a:off x="7569677" y="2394666"/>
+            <a:ext cx="1330172" cy="1342112"/>
+          </a:xfrm>
+          <a:prstGeom prst="rect">
+            <a:avLst/>
+          </a:prstGeom>
+          <a:noFill/>
+          <a:ln w="28575">
+            <a:solidFill>
+              <a:schemeClr val="bg1"/>
+            </a:solidFill>
+          </a:ln>
+        </p:spPr>
+        <p:style>
+          <a:lnRef idx="2">
+            <a:schemeClr val="accent1">
+              <a:shade val="50000"/>
+            </a:schemeClr>
+          </a:lnRef>
+          <a:fillRef idx="1">
+            <a:schemeClr val="accent1"/>
+          </a:fillRef>
+          <a:effectRef idx="0">
+            <a:schemeClr val="accent1"/>
+          </a:effectRef>
+          <a:fontRef idx="minor">
+            <a:schemeClr val="lt1"/>
+          </a:fontRef>
+        </p:style>
+        <p:txBody>
+          <a:bodyPr rtlCol="0" anchor="ctr"/>
+          <a:lstStyle/>
+          <a:p>
+            <a:pPr algn="ctr"/>
+            <a:endParaRPr lang="de-DE"/>
+          </a:p>
+        </p:txBody>
+      </p:sp>
+    </p:spTree>
+    <p:extLst>
+      <p:ext uri="{BB962C8B-B14F-4D97-AF65-F5344CB8AC3E}">
+        <p14:creationId xmlns:p14="http://schemas.microsoft.com/office/powerpoint/2010/main" val="4259336224"/>
+      </p:ext>
+    </p:extLst>
+  </p:cSld>
+  <p:clrMapOvr>
+    <a:masterClrMapping/>
+  </p:clrMapOvr>
+</p:sld>
+</file>
+
+<file path=ppt/slides/slide9.xml><?xml version="1.0" encoding="utf-8"?>
+<p:sld xmlns:a="http://schemas.openxmlformats.org/drawingml/2006/main" xmlns:r="http://schemas.openxmlformats.org/officeDocument/2006/relationships" xmlns:p="http://schemas.openxmlformats.org/presentationml/2006/main">
+  <p:cSld>
+    <p:spTree>
+      <p:nvGrpSpPr>
+        <p:cNvPr id="1" name=""/>
+        <p:cNvGrpSpPr/>
+        <p:nvPr/>
+      </p:nvGrpSpPr>
+      <p:grpSpPr>
+        <a:xfrm>
+          <a:off x="0" y="0"/>
+          <a:ext cx="0" cy="0"/>
+          <a:chOff x="0" y="0"/>
+          <a:chExt cx="0" cy="0"/>
+        </a:xfrm>
+      </p:grpSpPr>
+      <p:sp>
+        <p:nvSpPr>
+          <p:cNvPr id="4" name="Rechteck 3">
+            <a:extLst>
+              <a:ext uri="{FF2B5EF4-FFF2-40B4-BE49-F238E27FC236}">
+                <a16:creationId xmlns:a16="http://schemas.microsoft.com/office/drawing/2014/main" id="{E91038F5-D706-4E86-B4CE-2E468F0C1321}"/>
+              </a:ext>
+            </a:extLst>
+          </p:cNvPr>
+          <p:cNvSpPr/>
+          <p:nvPr/>
+        </p:nvSpPr>
+        <p:spPr>
+          <a:xfrm>
+            <a:off x="0" y="0"/>
+            <a:ext cx="12191999" cy="6858000"/>
+          </a:xfrm>
+          <a:prstGeom prst="rect">
+            <a:avLst/>
+          </a:prstGeom>
+          <a:solidFill>
+            <a:schemeClr val="bg1">
+              <a:lumMod val="85000"/>
+            </a:schemeClr>
+          </a:solidFill>
+        </p:spPr>
+        <p:style>
+          <a:lnRef idx="2">
+            <a:schemeClr val="accent1">
+              <a:shade val="50000"/>
+            </a:schemeClr>
+          </a:lnRef>
+          <a:fillRef idx="1">
+            <a:schemeClr val="accent1"/>
+          </a:fillRef>
+          <a:effectRef idx="0">
+            <a:schemeClr val="accent1"/>
+          </a:effectRef>
+          <a:fontRef idx="minor">
+            <a:schemeClr val="lt1"/>
+          </a:fontRef>
+        </p:style>
+        <p:txBody>
+          <a:bodyPr rtlCol="0" anchor="ctr"/>
+          <a:lstStyle/>
+          <a:p>
+            <a:pPr algn="ctr"/>
+            <a:endParaRPr lang="de-DE" dirty="0"/>
+          </a:p>
+        </p:txBody>
+      </p:sp>
+      <p:sp>
+        <p:nvSpPr>
+          <p:cNvPr id="5" name="Rechteck 4">
+            <a:extLst>
+              <a:ext uri="{FF2B5EF4-FFF2-40B4-BE49-F238E27FC236}">
+                <a16:creationId xmlns:a16="http://schemas.microsoft.com/office/drawing/2014/main" id="{6505C48D-1BB5-4A0A-9981-8C4BCC228182}"/>
+              </a:ext>
+            </a:extLst>
+          </p:cNvPr>
+          <p:cNvSpPr/>
+          <p:nvPr/>
+        </p:nvSpPr>
+        <p:spPr>
+          <a:xfrm rot="18480692">
+            <a:off x="9077324" y="-1443037"/>
+            <a:ext cx="3057525" cy="3157537"/>
+          </a:xfrm>
+          <a:prstGeom prst="rect">
+            <a:avLst/>
+          </a:prstGeom>
+          <a:solidFill>
+            <a:schemeClr val="accent4">
+              <a:lumMod val="40000"/>
+              <a:lumOff val="60000"/>
+            </a:schemeClr>
+          </a:solidFill>
+          <a:ln>
+            <a:noFill/>
+          </a:ln>
+        </p:spPr>
+        <p:style>
+          <a:lnRef idx="2">
+            <a:schemeClr val="accent1">
+              <a:shade val="50000"/>
+            </a:schemeClr>
+          </a:lnRef>
+          <a:fillRef idx="1">
+            <a:schemeClr val="accent1"/>
+          </a:fillRef>
+          <a:effectRef idx="0">
+            <a:schemeClr val="accent1"/>
+          </a:effectRef>
+          <a:fontRef idx="minor">
+            <a:schemeClr val="lt1"/>
+          </a:fontRef>
+        </p:style>
+        <p:txBody>
+          <a:bodyPr rtlCol="0" anchor="ctr"/>
+          <a:lstStyle/>
+          <a:p>
+            <a:pPr algn="ctr"/>
+            <a:endParaRPr lang="de-DE"/>
+          </a:p>
+        </p:txBody>
+      </p:sp>
+      <p:sp>
+        <p:nvSpPr>
+          <p:cNvPr id="6" name="Rechteck 5">
+            <a:extLst>
+              <a:ext uri="{FF2B5EF4-FFF2-40B4-BE49-F238E27FC236}">
+                <a16:creationId xmlns:a16="http://schemas.microsoft.com/office/drawing/2014/main" id="{C2508899-2B3A-4B41-B7EF-81C1618C0F49}"/>
+              </a:ext>
+            </a:extLst>
+          </p:cNvPr>
+          <p:cNvSpPr/>
+          <p:nvPr/>
+        </p:nvSpPr>
+        <p:spPr>
+          <a:xfrm rot="18480692">
+            <a:off x="11107813" y="653845"/>
+            <a:ext cx="1330172" cy="1224903"/>
+          </a:xfrm>
+          <a:prstGeom prst="rect">
+            <a:avLst/>
+          </a:prstGeom>
+          <a:solidFill>
+            <a:schemeClr val="accent4">
+              <a:lumMod val="60000"/>
+              <a:lumOff val="40000"/>
+            </a:schemeClr>
+          </a:solidFill>
+          <a:ln>
+            <a:noFill/>
+          </a:ln>
+        </p:spPr>
+        <p:style>
+          <a:lnRef idx="2">
+            <a:schemeClr val="accent1">
+              <a:shade val="50000"/>
+            </a:schemeClr>
+          </a:lnRef>
+          <a:fillRef idx="1">
+            <a:schemeClr val="accent1"/>
+          </a:fillRef>
+          <a:effectRef idx="0">
+            <a:schemeClr val="accent1"/>
+          </a:effectRef>
+          <a:fontRef idx="minor">
+            <a:schemeClr val="lt1"/>
+          </a:fontRef>
+        </p:style>
+        <p:txBody>
+          <a:bodyPr rtlCol="0" anchor="ctr"/>
+          <a:lstStyle/>
+          <a:p>
+            <a:pPr algn="ctr"/>
+            <a:endParaRPr lang="de-DE"/>
+          </a:p>
+        </p:txBody>
+      </p:sp>
+      <p:sp>
+        <p:nvSpPr>
+          <p:cNvPr id="7" name="Rechteck 6">
+            <a:extLst>
+              <a:ext uri="{FF2B5EF4-FFF2-40B4-BE49-F238E27FC236}">
+                <a16:creationId xmlns:a16="http://schemas.microsoft.com/office/drawing/2014/main" id="{74471B95-FD78-4E23-ABD0-01E801FB1163}"/>
+              </a:ext>
+            </a:extLst>
+          </p:cNvPr>
+          <p:cNvSpPr/>
+          <p:nvPr/>
+        </p:nvSpPr>
+        <p:spPr>
+          <a:xfrm rot="18480692">
+            <a:off x="9518891" y="4316941"/>
+            <a:ext cx="3057525" cy="3157537"/>
+          </a:xfrm>
+          <a:prstGeom prst="rect">
+            <a:avLst/>
+          </a:prstGeom>
+          <a:solidFill>
+            <a:schemeClr val="accent1">
+              <a:lumMod val="40000"/>
+              <a:lumOff val="60000"/>
+            </a:schemeClr>
+          </a:solidFill>
+          <a:ln>
+            <a:noFill/>
+          </a:ln>
+        </p:spPr>
+        <p:style>
+          <a:lnRef idx="2">
+            <a:schemeClr val="accent1">
+              <a:shade val="50000"/>
+            </a:schemeClr>
+          </a:lnRef>
+          <a:fillRef idx="1">
+            <a:schemeClr val="accent1"/>
+          </a:fillRef>
+          <a:effectRef idx="0">
+            <a:schemeClr val="accent1"/>
+          </a:effectRef>
+          <a:fontRef idx="minor">
+            <a:schemeClr val="lt1"/>
+          </a:fontRef>
+        </p:style>
+        <p:txBody>
+          <a:bodyPr rtlCol="0" anchor="ctr"/>
+          <a:lstStyle/>
+          <a:p>
+            <a:pPr algn="ctr"/>
+            <a:endParaRPr lang="de-DE"/>
+          </a:p>
+        </p:txBody>
+      </p:sp>
+      <p:sp>
+        <p:nvSpPr>
+          <p:cNvPr id="8" name="Rechteck 7">
+            <a:extLst>
+              <a:ext uri="{FF2B5EF4-FFF2-40B4-BE49-F238E27FC236}">
+                <a16:creationId xmlns:a16="http://schemas.microsoft.com/office/drawing/2014/main" id="{3870FAA0-0AFC-465A-A02B-287D7942B268}"/>
+              </a:ext>
+            </a:extLst>
+          </p:cNvPr>
+          <p:cNvSpPr/>
+          <p:nvPr/>
+        </p:nvSpPr>
+        <p:spPr>
+          <a:xfrm rot="18480692">
+            <a:off x="8237857" y="5229351"/>
+            <a:ext cx="2381538" cy="1906940"/>
+          </a:xfrm>
+          <a:prstGeom prst="rect">
+            <a:avLst/>
+          </a:prstGeom>
+          <a:solidFill>
+            <a:schemeClr val="accent1">
+              <a:lumMod val="60000"/>
+              <a:lumOff val="40000"/>
+            </a:schemeClr>
+          </a:solidFill>
+          <a:ln>
+            <a:noFill/>
+          </a:ln>
+        </p:spPr>
+        <p:style>
+          <a:lnRef idx="2">
+            <a:schemeClr val="accent1">
+              <a:shade val="50000"/>
+            </a:schemeClr>
+          </a:lnRef>
+          <a:fillRef idx="1">
+            <a:schemeClr val="accent1"/>
+          </a:fillRef>
+          <a:effectRef idx="0">
+            <a:schemeClr val="accent1"/>
+          </a:effectRef>
+          <a:fontRef idx="minor">
+            <a:schemeClr val="lt1"/>
+          </a:fontRef>
+        </p:style>
+        <p:txBody>
+          <a:bodyPr rtlCol="0" anchor="ctr"/>
+          <a:lstStyle/>
+          <a:p>
+            <a:pPr algn="ctr"/>
+            <a:endParaRPr lang="de-DE"/>
+          </a:p>
+        </p:txBody>
+      </p:sp>
+      <p:sp>
+        <p:nvSpPr>
+          <p:cNvPr id="10" name="Textfeld 9">
+            <a:extLst>
+              <a:ext uri="{FF2B5EF4-FFF2-40B4-BE49-F238E27FC236}">
+                <a16:creationId xmlns:a16="http://schemas.microsoft.com/office/drawing/2014/main" id="{88DF1D1F-39C2-494F-A85D-619B1662FCE2}"/>
+              </a:ext>
+            </a:extLst>
+          </p:cNvPr>
+          <p:cNvSpPr txBox="1"/>
+          <p:nvPr/>
+        </p:nvSpPr>
+        <p:spPr>
+          <a:xfrm>
+            <a:off x="667624" y="1995473"/>
+            <a:ext cx="6435158" cy="847603"/>
+          </a:xfrm>
+          <a:prstGeom prst="rect">
+            <a:avLst/>
+          </a:prstGeom>
+          <a:noFill/>
+        </p:spPr>
+        <p:txBody>
+          <a:bodyPr wrap="square">
+            <a:spAutoFit/>
+          </a:bodyPr>
+          <a:lstStyle/>
+          <a:p>
+            <a:pPr lvl="0">
+              <a:lnSpc>
+                <a:spcPct val="107000"/>
+              </a:lnSpc>
+            </a:pPr>
+            <a:r>
+              <a:rPr lang="de-DE" sz="4800" dirty="0" err="1">
+                <a:latin typeface="Calibri" panose="020F0502020204030204" pitchFamily="34" charset="0"/>
+                <a:ea typeface="Calibri" panose="020F0502020204030204" pitchFamily="34" charset="0"/>
+                <a:cs typeface="Times New Roman" panose="02020603050405020304" pitchFamily="18" charset="0"/>
+              </a:rPr>
+              <a:t>What</a:t>
+            </a:r>
+            <a:r>
+              <a:rPr lang="de-DE" sz="4800" dirty="0">
+                <a:latin typeface="Calibri" panose="020F0502020204030204" pitchFamily="34" charset="0"/>
+                <a:ea typeface="Calibri" panose="020F0502020204030204" pitchFamily="34" charset="0"/>
+                <a:cs typeface="Times New Roman" panose="02020603050405020304" pitchFamily="18" charset="0"/>
+              </a:rPr>
+              <a:t> </a:t>
+            </a:r>
+            <a:r>
+              <a:rPr lang="de-DE" sz="4800" dirty="0" err="1">
+                <a:latin typeface="Calibri" panose="020F0502020204030204" pitchFamily="34" charset="0"/>
+                <a:ea typeface="Calibri" panose="020F0502020204030204" pitchFamily="34" charset="0"/>
+                <a:cs typeface="Times New Roman" panose="02020603050405020304" pitchFamily="18" charset="0"/>
+              </a:rPr>
+              <a:t>is</a:t>
+            </a:r>
+            <a:r>
+              <a:rPr lang="de-DE" sz="4800" dirty="0">
+                <a:latin typeface="Calibri" panose="020F0502020204030204" pitchFamily="34" charset="0"/>
+                <a:ea typeface="Calibri" panose="020F0502020204030204" pitchFamily="34" charset="0"/>
+                <a:cs typeface="Times New Roman" panose="02020603050405020304" pitchFamily="18" charset="0"/>
+              </a:rPr>
+              <a:t> Leasing?</a:t>
+            </a:r>
+            <a:endParaRPr lang="de-DE" sz="4800" dirty="0">
+              <a:effectLst/>
+              <a:latin typeface="Calibri" panose="020F0502020204030204" pitchFamily="34" charset="0"/>
+              <a:ea typeface="Calibri" panose="020F0502020204030204" pitchFamily="34" charset="0"/>
+              <a:cs typeface="Times New Roman" panose="02020603050405020304" pitchFamily="18" charset="0"/>
+            </a:endParaRPr>
+          </a:p>
+        </p:txBody>
+      </p:sp>
+      <p:sp>
+        <p:nvSpPr>
+          <p:cNvPr id="11" name="Textfeld 10">
+            <a:extLst>
+              <a:ext uri="{FF2B5EF4-FFF2-40B4-BE49-F238E27FC236}">
+                <a16:creationId xmlns:a16="http://schemas.microsoft.com/office/drawing/2014/main" id="{02937789-A608-46A0-8E7C-86205D9BF3CC}"/>
+              </a:ext>
+            </a:extLst>
+          </p:cNvPr>
+          <p:cNvSpPr txBox="1"/>
+          <p:nvPr/>
+        </p:nvSpPr>
+        <p:spPr>
+          <a:xfrm>
+            <a:off x="667624" y="2775507"/>
+            <a:ext cx="8781176" cy="1815882"/>
+          </a:xfrm>
+          <a:prstGeom prst="rect">
+            <a:avLst/>
+          </a:prstGeom>
+          <a:noFill/>
+        </p:spPr>
+        <p:txBody>
+          <a:bodyPr wrap="square">
+            <a:spAutoFit/>
+          </a:bodyPr>
+          <a:lstStyle/>
+          <a:p>
+            <a:r>
+              <a:rPr lang="en-US" sz="2800" kern="150" dirty="0">
+                <a:effectLst/>
+                <a:latin typeface="Arial" panose="020B0604020202020204" pitchFamily="34" charset="0"/>
+                <a:ea typeface="NSimSun" panose="02010609030101010101" pitchFamily="49" charset="-122"/>
+                <a:cs typeface="Lucida Sans" panose="020B0602030504020204" pitchFamily="34" charset="0"/>
+              </a:rPr>
+              <a:t>A Lease is a contract specifying the terms under which the owner of some property transfers the right to use the property to someone else, without transferring legal ownership.</a:t>
+            </a:r>
+            <a:endParaRPr lang="de-DE" sz="2800" kern="150" dirty="0">
+              <a:effectLst/>
+              <a:latin typeface="Liberation Serif"/>
+              <a:ea typeface="NSimSun" panose="02010609030101010101" pitchFamily="49" charset="-122"/>
+              <a:cs typeface="Lucida Sans" panose="020B0602030504020204" pitchFamily="34" charset="0"/>
+            </a:endParaRPr>
+          </a:p>
+        </p:txBody>
+      </p:sp>
+    </p:spTree>
+    <p:extLst>
+      <p:ext uri="{BB962C8B-B14F-4D97-AF65-F5344CB8AC3E}">
+        <p14:creationId xmlns:p14="http://schemas.microsoft.com/office/powerpoint/2010/main" val="1441973406"/>
       </p:ext>
     </p:extLst>
   </p:cSld>
